--- a/latex/Figures/networks.pptx
+++ b/latex/Figures/networks.pptx
@@ -104,6 +104,11 @@
       </a:defRPr>
     </a:lvl9pPr>
   </p:defaultTextStyle>
+  <p:extLst>
+    <p:ext uri="{EFAFB233-063F-42B5-8137-9DF3F51BA10A}">
+      <p15:sldGuideLst xmlns:p15="http://schemas.microsoft.com/office/powerpoint/2012/main"/>
+    </p:ext>
+  </p:extLst>
 </p:presentation>
 </file>
 
@@ -3342,2360 +3347,2739 @@
           <a:chExt cx="0" cy="0"/>
         </a:xfrm>
       </p:grpSpPr>
-      <p:pic>
-        <p:nvPicPr>
-          <p:cNvPr id="7" name="Picture 6" descr="A picture containing PowerPoint&#10;&#10;Description automatically generated">
-            <a:extLst>
-              <a:ext uri="{FF2B5EF4-FFF2-40B4-BE49-F238E27FC236}">
-                <a16:creationId xmlns:a16="http://schemas.microsoft.com/office/drawing/2014/main" id="{F9ACDEDD-344A-ACCA-FDC8-66A0AFF7CAC9}"/>
-              </a:ext>
-            </a:extLst>
-          </p:cNvPr>
-          <p:cNvPicPr>
-            <a:picLocks noChangeAspect="1"/>
-          </p:cNvPicPr>
+      <p:grpSp>
+        <p:nvGrpSpPr>
+          <p:cNvPr id="73" name="Group 72">
+            <a:extLst>
+              <a:ext uri="{FF2B5EF4-FFF2-40B4-BE49-F238E27FC236}">
+                <a16:creationId xmlns:a16="http://schemas.microsoft.com/office/drawing/2014/main" id="{006B8BD9-503F-E057-287B-5E9802DD56C7}"/>
+              </a:ext>
+            </a:extLst>
+          </p:cNvPr>
+          <p:cNvGrpSpPr/>
           <p:nvPr/>
-        </p:nvPicPr>
-        <p:blipFill>
-          <a:blip r:embed="rId2">
-            <a:extLst>
-              <a:ext uri="{28A0092B-C50C-407E-A947-70E740481C1C}">
-                <a14:useLocalDpi xmlns:a14="http://schemas.microsoft.com/office/drawing/2010/main" val="0"/>
-              </a:ext>
-            </a:extLst>
-          </a:blip>
-          <a:stretch>
-            <a:fillRect/>
-          </a:stretch>
-        </p:blipFill>
-        <p:spPr>
+        </p:nvGrpSpPr>
+        <p:grpSpPr>
           <a:xfrm>
             <a:off x="1379181" y="237271"/>
-            <a:ext cx="2278419" cy="1604194"/>
+            <a:ext cx="2446011" cy="4779265"/>
+            <a:chOff x="1379181" y="237271"/>
+            <a:chExt cx="2446011" cy="4779265"/>
           </a:xfrm>
-          <a:prstGeom prst="rect">
-            <a:avLst/>
-          </a:prstGeom>
-        </p:spPr>
-      </p:pic>
-      <p:sp>
-        <p:nvSpPr>
-          <p:cNvPr id="8" name="Rectangle 7">
-            <a:extLst>
-              <a:ext uri="{FF2B5EF4-FFF2-40B4-BE49-F238E27FC236}">
-                <a16:creationId xmlns:a16="http://schemas.microsoft.com/office/drawing/2014/main" id="{6C872D7D-FACD-D006-7DC5-F5AA83BDD4A3}"/>
-              </a:ext>
-            </a:extLst>
-          </p:cNvPr>
-          <p:cNvSpPr/>
+        </p:grpSpPr>
+        <p:pic>
+          <p:nvPicPr>
+            <p:cNvPr id="7" name="Picture 6" descr="A picture containing PowerPoint&#10;&#10;Description automatically generated">
+              <a:extLst>
+                <a:ext uri="{FF2B5EF4-FFF2-40B4-BE49-F238E27FC236}">
+                  <a16:creationId xmlns:a16="http://schemas.microsoft.com/office/drawing/2014/main" id="{F9ACDEDD-344A-ACCA-FDC8-66A0AFF7CAC9}"/>
+                </a:ext>
+              </a:extLst>
+            </p:cNvPr>
+            <p:cNvPicPr>
+              <a:picLocks noChangeAspect="1"/>
+            </p:cNvPicPr>
+            <p:nvPr/>
+          </p:nvPicPr>
+          <p:blipFill>
+            <a:blip r:embed="rId2">
+              <a:extLst>
+                <a:ext uri="{28A0092B-C50C-407E-A947-70E740481C1C}">
+                  <a14:useLocalDpi xmlns:a14="http://schemas.microsoft.com/office/drawing/2010/main" val="0"/>
+                </a:ext>
+              </a:extLst>
+            </a:blip>
+            <a:stretch>
+              <a:fillRect/>
+            </a:stretch>
+          </p:blipFill>
+          <p:spPr>
+            <a:xfrm>
+              <a:off x="1379181" y="237271"/>
+              <a:ext cx="2278419" cy="1604194"/>
+            </a:xfrm>
+            <a:prstGeom prst="rect">
+              <a:avLst/>
+            </a:prstGeom>
+          </p:spPr>
+        </p:pic>
+        <p:sp>
+          <p:nvSpPr>
+            <p:cNvPr id="8" name="Rectangle 7">
+              <a:extLst>
+                <a:ext uri="{FF2B5EF4-FFF2-40B4-BE49-F238E27FC236}">
+                  <a16:creationId xmlns:a16="http://schemas.microsoft.com/office/drawing/2014/main" id="{6C872D7D-FACD-D006-7DC5-F5AA83BDD4A3}"/>
+                </a:ext>
+              </a:extLst>
+            </p:cNvPr>
+            <p:cNvSpPr/>
+            <p:nvPr/>
+          </p:nvSpPr>
+          <p:spPr>
+            <a:xfrm>
+              <a:off x="1896308" y="2398137"/>
+              <a:ext cx="1248697" cy="243840"/>
+            </a:xfrm>
+            <a:prstGeom prst="rect">
+              <a:avLst/>
+            </a:prstGeom>
+            <a:ln>
+              <a:solidFill>
+                <a:schemeClr val="tx1"/>
+              </a:solidFill>
+            </a:ln>
+          </p:spPr>
+          <p:style>
+            <a:lnRef idx="2">
+              <a:schemeClr val="accent6"/>
+            </a:lnRef>
+            <a:fillRef idx="1">
+              <a:schemeClr val="lt1"/>
+            </a:fillRef>
+            <a:effectRef idx="0">
+              <a:schemeClr val="accent6"/>
+            </a:effectRef>
+            <a:fontRef idx="minor">
+              <a:schemeClr val="dk1"/>
+            </a:fontRef>
+          </p:style>
+          <p:txBody>
+            <a:bodyPr rtlCol="0" anchor="ctr"/>
+            <a:lstStyle/>
+            <a:p>
+              <a:pPr algn="ctr"/>
+              <a:r>
+                <a:rPr lang="en-GB" dirty="0"/>
+                <a:t>144</a:t>
+              </a:r>
+            </a:p>
+          </p:txBody>
+        </p:sp>
+        <p:sp>
+          <p:nvSpPr>
+            <p:cNvPr id="9" name="Rectangle 8">
+              <a:extLst>
+                <a:ext uri="{FF2B5EF4-FFF2-40B4-BE49-F238E27FC236}">
+                  <a16:creationId xmlns:a16="http://schemas.microsoft.com/office/drawing/2014/main" id="{0DD618C6-1253-30F1-C8DD-6820998CD6D5}"/>
+                </a:ext>
+              </a:extLst>
+            </p:cNvPr>
+            <p:cNvSpPr/>
+            <p:nvPr/>
+          </p:nvSpPr>
+          <p:spPr>
+            <a:xfrm>
+              <a:off x="1381446" y="2766140"/>
+              <a:ext cx="2278419" cy="243840"/>
+            </a:xfrm>
+            <a:prstGeom prst="rect">
+              <a:avLst/>
+            </a:prstGeom>
+            <a:ln>
+              <a:solidFill>
+                <a:schemeClr val="tx1"/>
+              </a:solidFill>
+            </a:ln>
+          </p:spPr>
+          <p:style>
+            <a:lnRef idx="2">
+              <a:schemeClr val="accent6"/>
+            </a:lnRef>
+            <a:fillRef idx="1">
+              <a:schemeClr val="lt1"/>
+            </a:fillRef>
+            <a:effectRef idx="0">
+              <a:schemeClr val="accent6"/>
+            </a:effectRef>
+            <a:fontRef idx="minor">
+              <a:schemeClr val="dk1"/>
+            </a:fontRef>
+          </p:style>
+          <p:txBody>
+            <a:bodyPr rtlCol="0" anchor="ctr"/>
+            <a:lstStyle/>
+            <a:p>
+              <a:pPr algn="ctr"/>
+              <a:r>
+                <a:rPr lang="en-GB" dirty="0"/>
+                <a:t>600</a:t>
+              </a:r>
+            </a:p>
+          </p:txBody>
+        </p:sp>
+        <p:sp>
+          <p:nvSpPr>
+            <p:cNvPr id="12" name="Rectangle 11">
+              <a:extLst>
+                <a:ext uri="{FF2B5EF4-FFF2-40B4-BE49-F238E27FC236}">
+                  <a16:creationId xmlns:a16="http://schemas.microsoft.com/office/drawing/2014/main" id="{FBAFECD3-8685-E636-5362-5D511544CDE2}"/>
+                </a:ext>
+              </a:extLst>
+            </p:cNvPr>
+            <p:cNvSpPr/>
+            <p:nvPr/>
+          </p:nvSpPr>
+          <p:spPr>
+            <a:xfrm>
+              <a:off x="1896308" y="3199958"/>
+              <a:ext cx="1248697" cy="243840"/>
+            </a:xfrm>
+            <a:prstGeom prst="rect">
+              <a:avLst/>
+            </a:prstGeom>
+            <a:ln>
+              <a:solidFill>
+                <a:schemeClr val="tx1"/>
+              </a:solidFill>
+            </a:ln>
+          </p:spPr>
+          <p:style>
+            <a:lnRef idx="2">
+              <a:schemeClr val="accent6"/>
+            </a:lnRef>
+            <a:fillRef idx="1">
+              <a:schemeClr val="lt1"/>
+            </a:fillRef>
+            <a:effectRef idx="0">
+              <a:schemeClr val="accent6"/>
+            </a:effectRef>
+            <a:fontRef idx="minor">
+              <a:schemeClr val="dk1"/>
+            </a:fontRef>
+          </p:style>
+          <p:txBody>
+            <a:bodyPr rtlCol="0" anchor="ctr"/>
+            <a:lstStyle/>
+            <a:p>
+              <a:pPr algn="ctr"/>
+              <a:r>
+                <a:rPr lang="en-GB" dirty="0"/>
+                <a:t>300</a:t>
+              </a:r>
+            </a:p>
+          </p:txBody>
+        </p:sp>
+        <p:sp>
+          <p:nvSpPr>
+            <p:cNvPr id="13" name="Rectangle 12">
+              <a:extLst>
+                <a:ext uri="{FF2B5EF4-FFF2-40B4-BE49-F238E27FC236}">
+                  <a16:creationId xmlns:a16="http://schemas.microsoft.com/office/drawing/2014/main" id="{5A4841FF-FFB5-DFAE-E3E8-2DA83EA66021}"/>
+                </a:ext>
+              </a:extLst>
+            </p:cNvPr>
+            <p:cNvSpPr/>
+            <p:nvPr/>
+          </p:nvSpPr>
+          <p:spPr>
+            <a:xfrm>
+              <a:off x="2024126" y="3632743"/>
+              <a:ext cx="993058" cy="243840"/>
+            </a:xfrm>
+            <a:prstGeom prst="rect">
+              <a:avLst/>
+            </a:prstGeom>
+            <a:ln>
+              <a:solidFill>
+                <a:schemeClr val="tx1"/>
+              </a:solidFill>
+            </a:ln>
+          </p:spPr>
+          <p:style>
+            <a:lnRef idx="2">
+              <a:schemeClr val="accent6"/>
+            </a:lnRef>
+            <a:fillRef idx="1">
+              <a:schemeClr val="lt1"/>
+            </a:fillRef>
+            <a:effectRef idx="0">
+              <a:schemeClr val="accent6"/>
+            </a:effectRef>
+            <a:fontRef idx="minor">
+              <a:schemeClr val="dk1"/>
+            </a:fontRef>
+          </p:style>
+          <p:txBody>
+            <a:bodyPr rtlCol="0" anchor="ctr"/>
+            <a:lstStyle/>
+            <a:p>
+              <a:pPr algn="ctr"/>
+              <a:r>
+                <a:rPr lang="en-GB" dirty="0"/>
+                <a:t>100</a:t>
+              </a:r>
+            </a:p>
+          </p:txBody>
+        </p:sp>
+        <p:sp>
+          <p:nvSpPr>
+            <p:cNvPr id="14" name="Rectangle 13">
+              <a:extLst>
+                <a:ext uri="{FF2B5EF4-FFF2-40B4-BE49-F238E27FC236}">
+                  <a16:creationId xmlns:a16="http://schemas.microsoft.com/office/drawing/2014/main" id="{C2B95976-DBA6-62F7-C750-0F727765188F}"/>
+                </a:ext>
+              </a:extLst>
+            </p:cNvPr>
+            <p:cNvSpPr/>
+            <p:nvPr/>
+          </p:nvSpPr>
+          <p:spPr>
+            <a:xfrm>
+              <a:off x="2343673" y="4066044"/>
+              <a:ext cx="353961" cy="243840"/>
+            </a:xfrm>
+            <a:prstGeom prst="rect">
+              <a:avLst/>
+            </a:prstGeom>
+            <a:ln>
+              <a:solidFill>
+                <a:schemeClr val="tx1"/>
+              </a:solidFill>
+            </a:ln>
+          </p:spPr>
+          <p:style>
+            <a:lnRef idx="2">
+              <a:schemeClr val="accent6"/>
+            </a:lnRef>
+            <a:fillRef idx="1">
+              <a:schemeClr val="lt1"/>
+            </a:fillRef>
+            <a:effectRef idx="0">
+              <a:schemeClr val="accent6"/>
+            </a:effectRef>
+            <a:fontRef idx="minor">
+              <a:schemeClr val="dk1"/>
+            </a:fontRef>
+          </p:style>
+          <p:txBody>
+            <a:bodyPr rtlCol="0" anchor="ctr"/>
+            <a:lstStyle/>
+            <a:p>
+              <a:pPr algn="ctr"/>
+              <a:r>
+                <a:rPr lang="en-GB" dirty="0"/>
+                <a:t>1</a:t>
+              </a:r>
+            </a:p>
+          </p:txBody>
+        </p:sp>
+        <p:cxnSp>
+          <p:nvCxnSpPr>
+            <p:cNvPr id="16" name="Straight Connector 15">
+              <a:extLst>
+                <a:ext uri="{FF2B5EF4-FFF2-40B4-BE49-F238E27FC236}">
+                  <a16:creationId xmlns:a16="http://schemas.microsoft.com/office/drawing/2014/main" id="{DFC0D7E9-794A-0943-BFD8-53B4D0BAC31E}"/>
+                </a:ext>
+              </a:extLst>
+            </p:cNvPr>
+            <p:cNvCxnSpPr>
+              <a:cxnSpLocks/>
+              <a:stCxn id="7" idx="2"/>
+              <a:endCxn id="8" idx="0"/>
+            </p:cNvCxnSpPr>
+            <p:nvPr/>
+          </p:nvCxnSpPr>
+          <p:spPr>
+            <a:xfrm>
+              <a:off x="2518391" y="1841465"/>
+              <a:ext cx="2266" cy="556672"/>
+            </a:xfrm>
+            <a:prstGeom prst="line">
+              <a:avLst/>
+            </a:prstGeom>
+            <a:ln w="12700">
+              <a:solidFill>
+                <a:schemeClr val="tx1"/>
+              </a:solidFill>
+            </a:ln>
+          </p:spPr>
+          <p:style>
+            <a:lnRef idx="1">
+              <a:schemeClr val="accent1"/>
+            </a:lnRef>
+            <a:fillRef idx="0">
+              <a:schemeClr val="accent1"/>
+            </a:fillRef>
+            <a:effectRef idx="0">
+              <a:schemeClr val="accent1"/>
+            </a:effectRef>
+            <a:fontRef idx="minor">
+              <a:schemeClr val="tx1"/>
+            </a:fontRef>
+          </p:style>
+        </p:cxnSp>
+        <p:cxnSp>
+          <p:nvCxnSpPr>
+            <p:cNvPr id="20" name="Straight Connector 19">
+              <a:extLst>
+                <a:ext uri="{FF2B5EF4-FFF2-40B4-BE49-F238E27FC236}">
+                  <a16:creationId xmlns:a16="http://schemas.microsoft.com/office/drawing/2014/main" id="{0D2419C2-6E9F-D853-9C3E-89A8FB6929A6}"/>
+                </a:ext>
+              </a:extLst>
+            </p:cNvPr>
+            <p:cNvCxnSpPr>
+              <a:cxnSpLocks/>
+              <a:stCxn id="8" idx="2"/>
+              <a:endCxn id="9" idx="0"/>
+            </p:cNvCxnSpPr>
+            <p:nvPr/>
+          </p:nvCxnSpPr>
+          <p:spPr>
+            <a:xfrm flipH="1">
+              <a:off x="2520656" y="2641977"/>
+              <a:ext cx="1" cy="124163"/>
+            </a:xfrm>
+            <a:prstGeom prst="line">
+              <a:avLst/>
+            </a:prstGeom>
+            <a:ln w="12700">
+              <a:solidFill>
+                <a:schemeClr val="tx1"/>
+              </a:solidFill>
+            </a:ln>
+          </p:spPr>
+          <p:style>
+            <a:lnRef idx="1">
+              <a:schemeClr val="accent1"/>
+            </a:lnRef>
+            <a:fillRef idx="0">
+              <a:schemeClr val="accent1"/>
+            </a:fillRef>
+            <a:effectRef idx="0">
+              <a:schemeClr val="accent1"/>
+            </a:effectRef>
+            <a:fontRef idx="minor">
+              <a:schemeClr val="tx1"/>
+            </a:fontRef>
+          </p:style>
+        </p:cxnSp>
+        <p:cxnSp>
+          <p:nvCxnSpPr>
+            <p:cNvPr id="23" name="Straight Connector 22">
+              <a:extLst>
+                <a:ext uri="{FF2B5EF4-FFF2-40B4-BE49-F238E27FC236}">
+                  <a16:creationId xmlns:a16="http://schemas.microsoft.com/office/drawing/2014/main" id="{E275CDD9-B5AF-999C-9590-D1CD693F8288}"/>
+                </a:ext>
+              </a:extLst>
+            </p:cNvPr>
+            <p:cNvCxnSpPr>
+              <a:cxnSpLocks/>
+              <a:stCxn id="9" idx="2"/>
+              <a:endCxn id="12" idx="0"/>
+            </p:cNvCxnSpPr>
+            <p:nvPr/>
+          </p:nvCxnSpPr>
+          <p:spPr>
+            <a:xfrm>
+              <a:off x="2520656" y="3009980"/>
+              <a:ext cx="1" cy="189978"/>
+            </a:xfrm>
+            <a:prstGeom prst="line">
+              <a:avLst/>
+            </a:prstGeom>
+            <a:ln w="12700">
+              <a:solidFill>
+                <a:schemeClr val="tx1"/>
+              </a:solidFill>
+            </a:ln>
+          </p:spPr>
+          <p:style>
+            <a:lnRef idx="1">
+              <a:schemeClr val="accent1"/>
+            </a:lnRef>
+            <a:fillRef idx="0">
+              <a:schemeClr val="accent1"/>
+            </a:fillRef>
+            <a:effectRef idx="0">
+              <a:schemeClr val="accent1"/>
+            </a:effectRef>
+            <a:fontRef idx="minor">
+              <a:schemeClr val="tx1"/>
+            </a:fontRef>
+          </p:style>
+        </p:cxnSp>
+        <p:cxnSp>
+          <p:nvCxnSpPr>
+            <p:cNvPr id="27" name="Straight Connector 26">
+              <a:extLst>
+                <a:ext uri="{FF2B5EF4-FFF2-40B4-BE49-F238E27FC236}">
+                  <a16:creationId xmlns:a16="http://schemas.microsoft.com/office/drawing/2014/main" id="{ECE96A76-516E-6DCF-250C-1B0F738942EF}"/>
+                </a:ext>
+              </a:extLst>
+            </p:cNvPr>
+            <p:cNvCxnSpPr>
+              <a:cxnSpLocks/>
+            </p:cNvCxnSpPr>
+            <p:nvPr/>
+          </p:nvCxnSpPr>
+          <p:spPr>
+            <a:xfrm>
+              <a:off x="2520655" y="3443282"/>
+              <a:ext cx="1" cy="189978"/>
+            </a:xfrm>
+            <a:prstGeom prst="line">
+              <a:avLst/>
+            </a:prstGeom>
+            <a:ln w="12700">
+              <a:solidFill>
+                <a:schemeClr val="tx1"/>
+              </a:solidFill>
+            </a:ln>
+          </p:spPr>
+          <p:style>
+            <a:lnRef idx="1">
+              <a:schemeClr val="accent1"/>
+            </a:lnRef>
+            <a:fillRef idx="0">
+              <a:schemeClr val="accent1"/>
+            </a:fillRef>
+            <a:effectRef idx="0">
+              <a:schemeClr val="accent1"/>
+            </a:effectRef>
+            <a:fontRef idx="minor">
+              <a:schemeClr val="tx1"/>
+            </a:fontRef>
+          </p:style>
+        </p:cxnSp>
+        <p:cxnSp>
+          <p:nvCxnSpPr>
+            <p:cNvPr id="28" name="Straight Connector 27">
+              <a:extLst>
+                <a:ext uri="{FF2B5EF4-FFF2-40B4-BE49-F238E27FC236}">
+                  <a16:creationId xmlns:a16="http://schemas.microsoft.com/office/drawing/2014/main" id="{3FDE3318-A790-35DB-4C90-97D8D299E7B5}"/>
+                </a:ext>
+              </a:extLst>
+            </p:cNvPr>
+            <p:cNvCxnSpPr>
+              <a:cxnSpLocks/>
+            </p:cNvCxnSpPr>
+            <p:nvPr/>
+          </p:nvCxnSpPr>
+          <p:spPr>
+            <a:xfrm>
+              <a:off x="2520654" y="3876583"/>
+              <a:ext cx="1" cy="189978"/>
+            </a:xfrm>
+            <a:prstGeom prst="line">
+              <a:avLst/>
+            </a:prstGeom>
+            <a:ln w="12700">
+              <a:solidFill>
+                <a:schemeClr val="tx1"/>
+              </a:solidFill>
+            </a:ln>
+          </p:spPr>
+          <p:style>
+            <a:lnRef idx="1">
+              <a:schemeClr val="accent1"/>
+            </a:lnRef>
+            <a:fillRef idx="0">
+              <a:schemeClr val="accent1"/>
+            </a:fillRef>
+            <a:effectRef idx="0">
+              <a:schemeClr val="accent1"/>
+            </a:effectRef>
+            <a:fontRef idx="minor">
+              <a:schemeClr val="tx1"/>
+            </a:fontRef>
+          </p:style>
+        </p:cxnSp>
+        <p:cxnSp>
+          <p:nvCxnSpPr>
+            <p:cNvPr id="30" name="Straight Arrow Connector 29">
+              <a:extLst>
+                <a:ext uri="{FF2B5EF4-FFF2-40B4-BE49-F238E27FC236}">
+                  <a16:creationId xmlns:a16="http://schemas.microsoft.com/office/drawing/2014/main" id="{1F4F379F-6F35-85E3-ABDC-1D49CD5ED3EF}"/>
+                </a:ext>
+              </a:extLst>
+            </p:cNvPr>
+            <p:cNvCxnSpPr>
+              <a:cxnSpLocks/>
+              <a:stCxn id="14" idx="2"/>
+            </p:cNvCxnSpPr>
+            <p:nvPr/>
+          </p:nvCxnSpPr>
+          <p:spPr>
+            <a:xfrm flipH="1">
+              <a:off x="2520653" y="4309884"/>
+              <a:ext cx="1" cy="361238"/>
+            </a:xfrm>
+            <a:prstGeom prst="straightConnector1">
+              <a:avLst/>
+            </a:prstGeom>
+            <a:ln>
+              <a:solidFill>
+                <a:schemeClr val="tx1"/>
+              </a:solidFill>
+              <a:tailEnd type="triangle"/>
+            </a:ln>
+          </p:spPr>
+          <p:style>
+            <a:lnRef idx="1">
+              <a:schemeClr val="accent1"/>
+            </a:lnRef>
+            <a:fillRef idx="0">
+              <a:schemeClr val="accent1"/>
+            </a:fillRef>
+            <a:effectRef idx="0">
+              <a:schemeClr val="accent1"/>
+            </a:effectRef>
+            <a:fontRef idx="minor">
+              <a:schemeClr val="tx1"/>
+            </a:fontRef>
+          </p:style>
+        </p:cxnSp>
+        <p:sp>
+          <p:nvSpPr>
+            <p:cNvPr id="77" name="Rectangle 76">
+              <a:extLst>
+                <a:ext uri="{FF2B5EF4-FFF2-40B4-BE49-F238E27FC236}">
+                  <a16:creationId xmlns:a16="http://schemas.microsoft.com/office/drawing/2014/main" id="{A0CCC43E-22DB-7255-2FDF-177CF2AD6733}"/>
+                </a:ext>
+              </a:extLst>
+            </p:cNvPr>
+            <p:cNvSpPr/>
+            <p:nvPr/>
+          </p:nvSpPr>
+          <p:spPr>
+            <a:xfrm>
+              <a:off x="2332240" y="4655298"/>
+              <a:ext cx="380154" cy="361238"/>
+            </a:xfrm>
+            <a:prstGeom prst="rect">
+              <a:avLst/>
+            </a:prstGeom>
+          </p:spPr>
+          <p:style>
+            <a:lnRef idx="2">
+              <a:schemeClr val="accent1">
+                <a:shade val="50000"/>
+              </a:schemeClr>
+            </a:lnRef>
+            <a:fillRef idx="1">
+              <a:schemeClr val="accent1"/>
+            </a:fillRef>
+            <a:effectRef idx="0">
+              <a:schemeClr val="accent1"/>
+            </a:effectRef>
+            <a:fontRef idx="minor">
+              <a:schemeClr val="lt1"/>
+            </a:fontRef>
+          </p:style>
+          <p:txBody>
+            <a:bodyPr rtlCol="0" anchor="ctr"/>
+            <a:lstStyle/>
+            <a:p>
+              <a:pPr algn="ctr"/>
+              <a:r>
+                <a:rPr lang="en-GB" dirty="0"/>
+                <a:t>h</a:t>
+              </a:r>
+            </a:p>
+          </p:txBody>
+        </p:sp>
+        <p:sp>
+          <p:nvSpPr>
+            <p:cNvPr id="18" name="TextBox 17">
+              <a:extLst>
+                <a:ext uri="{FF2B5EF4-FFF2-40B4-BE49-F238E27FC236}">
+                  <a16:creationId xmlns:a16="http://schemas.microsoft.com/office/drawing/2014/main" id="{60239DCF-E075-FFE1-1D8B-5724B5A3D31B}"/>
+                </a:ext>
+              </a:extLst>
+            </p:cNvPr>
+            <p:cNvSpPr txBox="1"/>
+            <p:nvPr/>
+          </p:nvSpPr>
+          <p:spPr>
+            <a:xfrm>
+              <a:off x="2460287" y="2022685"/>
+              <a:ext cx="1364905" cy="246221"/>
+            </a:xfrm>
+            <a:prstGeom prst="rect">
+              <a:avLst/>
+            </a:prstGeom>
+            <a:noFill/>
+          </p:spPr>
+          <p:txBody>
+            <a:bodyPr wrap="square" rtlCol="0">
+              <a:spAutoFit/>
+            </a:bodyPr>
+            <a:lstStyle/>
+            <a:p>
+              <a:r>
+                <a:rPr lang="en-GB" sz="1000" dirty="0"/>
+                <a:t>one hot encoding</a:t>
+              </a:r>
+            </a:p>
+          </p:txBody>
+        </p:sp>
+      </p:grpSp>
+      <p:grpSp>
+        <p:nvGrpSpPr>
+          <p:cNvPr id="75" name="Group 74">
+            <a:extLst>
+              <a:ext uri="{FF2B5EF4-FFF2-40B4-BE49-F238E27FC236}">
+                <a16:creationId xmlns:a16="http://schemas.microsoft.com/office/drawing/2014/main" id="{DB4C1949-F9D6-FF2E-1D06-53723705F668}"/>
+              </a:ext>
+            </a:extLst>
+          </p:cNvPr>
+          <p:cNvGrpSpPr/>
           <p:nvPr/>
-        </p:nvSpPr>
-        <p:spPr>
+        </p:nvGrpSpPr>
+        <p:grpSpPr>
           <a:xfrm>
-            <a:off x="1894038" y="1984383"/>
-            <a:ext cx="1248697" cy="243840"/>
+            <a:off x="4515030" y="237271"/>
+            <a:ext cx="2446012" cy="4779265"/>
+            <a:chOff x="4515030" y="237271"/>
+            <a:chExt cx="2446012" cy="4779265"/>
           </a:xfrm>
-          <a:prstGeom prst="rect">
-            <a:avLst/>
-          </a:prstGeom>
-          <a:ln>
-            <a:solidFill>
+        </p:grpSpPr>
+        <p:pic>
+          <p:nvPicPr>
+            <p:cNvPr id="32" name="Picture 31" descr="A picture containing PowerPoint&#10;&#10;Description automatically generated">
+              <a:extLst>
+                <a:ext uri="{FF2B5EF4-FFF2-40B4-BE49-F238E27FC236}">
+                  <a16:creationId xmlns:a16="http://schemas.microsoft.com/office/drawing/2014/main" id="{33EEFE6C-3A39-0474-41F4-9ED240FB353B}"/>
+                </a:ext>
+              </a:extLst>
+            </p:cNvPr>
+            <p:cNvPicPr>
+              <a:picLocks noChangeAspect="1"/>
+            </p:cNvPicPr>
+            <p:nvPr/>
+          </p:nvPicPr>
+          <p:blipFill>
+            <a:blip r:embed="rId2">
+              <a:extLst>
+                <a:ext uri="{28A0092B-C50C-407E-A947-70E740481C1C}">
+                  <a14:useLocalDpi xmlns:a14="http://schemas.microsoft.com/office/drawing/2010/main" val="0"/>
+                </a:ext>
+              </a:extLst>
+            </a:blip>
+            <a:stretch>
+              <a:fillRect/>
+            </a:stretch>
+          </p:blipFill>
+          <p:spPr>
+            <a:xfrm>
+              <a:off x="4515030" y="237271"/>
+              <a:ext cx="2278419" cy="1604194"/>
+            </a:xfrm>
+            <a:prstGeom prst="rect">
+              <a:avLst/>
+            </a:prstGeom>
+          </p:spPr>
+        </p:pic>
+        <p:sp>
+          <p:nvSpPr>
+            <p:cNvPr id="33" name="Rectangle 32">
+              <a:extLst>
+                <a:ext uri="{FF2B5EF4-FFF2-40B4-BE49-F238E27FC236}">
+                  <a16:creationId xmlns:a16="http://schemas.microsoft.com/office/drawing/2014/main" id="{C19DCA45-5899-9596-898B-57459DAD804F}"/>
+                </a:ext>
+              </a:extLst>
+            </p:cNvPr>
+            <p:cNvSpPr/>
+            <p:nvPr/>
+          </p:nvSpPr>
+          <p:spPr>
+            <a:xfrm>
+              <a:off x="5029893" y="2398137"/>
+              <a:ext cx="1248697" cy="243840"/>
+            </a:xfrm>
+            <a:prstGeom prst="rect">
+              <a:avLst/>
+            </a:prstGeom>
+            <a:ln>
+              <a:solidFill>
+                <a:schemeClr val="tx1"/>
+              </a:solidFill>
+            </a:ln>
+          </p:spPr>
+          <p:style>
+            <a:lnRef idx="2">
+              <a:schemeClr val="accent6"/>
+            </a:lnRef>
+            <a:fillRef idx="1">
+              <a:schemeClr val="lt1"/>
+            </a:fillRef>
+            <a:effectRef idx="0">
+              <a:schemeClr val="accent6"/>
+            </a:effectRef>
+            <a:fontRef idx="minor">
+              <a:schemeClr val="dk1"/>
+            </a:fontRef>
+          </p:style>
+          <p:txBody>
+            <a:bodyPr rtlCol="0" anchor="ctr"/>
+            <a:lstStyle/>
+            <a:p>
+              <a:pPr algn="ctr"/>
+              <a:r>
+                <a:rPr lang="en-GB" dirty="0"/>
+                <a:t>144</a:t>
+              </a:r>
+            </a:p>
+          </p:txBody>
+        </p:sp>
+        <p:sp>
+          <p:nvSpPr>
+            <p:cNvPr id="34" name="Rectangle 33">
+              <a:extLst>
+                <a:ext uri="{FF2B5EF4-FFF2-40B4-BE49-F238E27FC236}">
+                  <a16:creationId xmlns:a16="http://schemas.microsoft.com/office/drawing/2014/main" id="{5EAA28F5-8003-518C-E1FF-FDC915D6280A}"/>
+                </a:ext>
+              </a:extLst>
+            </p:cNvPr>
+            <p:cNvSpPr/>
+            <p:nvPr/>
+          </p:nvSpPr>
+          <p:spPr>
+            <a:xfrm>
+              <a:off x="4515031" y="2766140"/>
+              <a:ext cx="2278419" cy="243840"/>
+            </a:xfrm>
+            <a:prstGeom prst="rect">
+              <a:avLst/>
+            </a:prstGeom>
+            <a:ln>
+              <a:solidFill>
+                <a:schemeClr val="tx1"/>
+              </a:solidFill>
+            </a:ln>
+          </p:spPr>
+          <p:style>
+            <a:lnRef idx="2">
+              <a:schemeClr val="accent6"/>
+            </a:lnRef>
+            <a:fillRef idx="1">
+              <a:schemeClr val="lt1"/>
+            </a:fillRef>
+            <a:effectRef idx="0">
+              <a:schemeClr val="accent6"/>
+            </a:effectRef>
+            <a:fontRef idx="minor">
+              <a:schemeClr val="dk1"/>
+            </a:fontRef>
+          </p:style>
+          <p:txBody>
+            <a:bodyPr rtlCol="0" anchor="ctr"/>
+            <a:lstStyle/>
+            <a:p>
+              <a:pPr algn="ctr"/>
+              <a:r>
+                <a:rPr lang="en-GB" dirty="0"/>
+                <a:t>600</a:t>
+              </a:r>
+            </a:p>
+          </p:txBody>
+        </p:sp>
+        <p:sp>
+          <p:nvSpPr>
+            <p:cNvPr id="35" name="Rectangle 34">
+              <a:extLst>
+                <a:ext uri="{FF2B5EF4-FFF2-40B4-BE49-F238E27FC236}">
+                  <a16:creationId xmlns:a16="http://schemas.microsoft.com/office/drawing/2014/main" id="{99C032E3-1C95-7050-2FB2-F98065E40177}"/>
+                </a:ext>
+              </a:extLst>
+            </p:cNvPr>
+            <p:cNvSpPr/>
+            <p:nvPr/>
+          </p:nvSpPr>
+          <p:spPr>
+            <a:xfrm>
+              <a:off x="5029893" y="3199958"/>
+              <a:ext cx="1248697" cy="243840"/>
+            </a:xfrm>
+            <a:prstGeom prst="rect">
+              <a:avLst/>
+            </a:prstGeom>
+            <a:ln>
+              <a:solidFill>
+                <a:schemeClr val="tx1"/>
+              </a:solidFill>
+            </a:ln>
+          </p:spPr>
+          <p:style>
+            <a:lnRef idx="2">
+              <a:schemeClr val="accent6"/>
+            </a:lnRef>
+            <a:fillRef idx="1">
+              <a:schemeClr val="lt1"/>
+            </a:fillRef>
+            <a:effectRef idx="0">
+              <a:schemeClr val="accent6"/>
+            </a:effectRef>
+            <a:fontRef idx="minor">
+              <a:schemeClr val="dk1"/>
+            </a:fontRef>
+          </p:style>
+          <p:txBody>
+            <a:bodyPr rtlCol="0" anchor="ctr"/>
+            <a:lstStyle/>
+            <a:p>
+              <a:pPr algn="ctr"/>
+              <a:r>
+                <a:rPr lang="en-GB" dirty="0"/>
+                <a:t>300</a:t>
+              </a:r>
+            </a:p>
+          </p:txBody>
+        </p:sp>
+        <p:sp>
+          <p:nvSpPr>
+            <p:cNvPr id="36" name="Rectangle 35">
+              <a:extLst>
+                <a:ext uri="{FF2B5EF4-FFF2-40B4-BE49-F238E27FC236}">
+                  <a16:creationId xmlns:a16="http://schemas.microsoft.com/office/drawing/2014/main" id="{FCA78C3A-BA2E-B04F-56CE-AAB7CE46D44C}"/>
+                </a:ext>
+              </a:extLst>
+            </p:cNvPr>
+            <p:cNvSpPr/>
+            <p:nvPr/>
+          </p:nvSpPr>
+          <p:spPr>
+            <a:xfrm>
+              <a:off x="4515031" y="3616919"/>
+              <a:ext cx="993058" cy="243840"/>
+            </a:xfrm>
+            <a:prstGeom prst="rect">
+              <a:avLst/>
+            </a:prstGeom>
+            <a:ln>
+              <a:solidFill>
+                <a:schemeClr val="tx1"/>
+              </a:solidFill>
+            </a:ln>
+          </p:spPr>
+          <p:style>
+            <a:lnRef idx="2">
+              <a:schemeClr val="accent6"/>
+            </a:lnRef>
+            <a:fillRef idx="1">
+              <a:schemeClr val="lt1"/>
+            </a:fillRef>
+            <a:effectRef idx="0">
+              <a:schemeClr val="accent6"/>
+            </a:effectRef>
+            <a:fontRef idx="minor">
+              <a:schemeClr val="dk1"/>
+            </a:fontRef>
+          </p:style>
+          <p:txBody>
+            <a:bodyPr rtlCol="0" anchor="ctr"/>
+            <a:lstStyle/>
+            <a:p>
+              <a:pPr algn="ctr"/>
+              <a:r>
+                <a:rPr lang="en-GB" dirty="0"/>
+                <a:t>100</a:t>
+              </a:r>
+            </a:p>
+          </p:txBody>
+        </p:sp>
+        <p:sp>
+          <p:nvSpPr>
+            <p:cNvPr id="37" name="Rectangle 36">
+              <a:extLst>
+                <a:ext uri="{FF2B5EF4-FFF2-40B4-BE49-F238E27FC236}">
+                  <a16:creationId xmlns:a16="http://schemas.microsoft.com/office/drawing/2014/main" id="{4FC26025-E790-066D-7C77-46319A8A67D5}"/>
+                </a:ext>
+              </a:extLst>
+            </p:cNvPr>
+            <p:cNvSpPr/>
+            <p:nvPr/>
+          </p:nvSpPr>
+          <p:spPr>
+            <a:xfrm>
+              <a:off x="4755921" y="4050220"/>
+              <a:ext cx="511276" cy="243840"/>
+            </a:xfrm>
+            <a:prstGeom prst="rect">
+              <a:avLst/>
+            </a:prstGeom>
+            <a:ln>
+              <a:solidFill>
+                <a:schemeClr val="tx1"/>
+              </a:solidFill>
+            </a:ln>
+          </p:spPr>
+          <p:style>
+            <a:lnRef idx="2">
+              <a:schemeClr val="accent6"/>
+            </a:lnRef>
+            <a:fillRef idx="1">
+              <a:schemeClr val="lt1"/>
+            </a:fillRef>
+            <a:effectRef idx="0">
+              <a:schemeClr val="accent6"/>
+            </a:effectRef>
+            <a:fontRef idx="minor">
+              <a:schemeClr val="dk1"/>
+            </a:fontRef>
+          </p:style>
+          <p:txBody>
+            <a:bodyPr rtlCol="0" anchor="ctr"/>
+            <a:lstStyle/>
+            <a:p>
+              <a:pPr algn="ctr"/>
+              <a:r>
+                <a:rPr lang="en-GB" dirty="0"/>
+                <a:t>12</a:t>
+              </a:r>
+            </a:p>
+          </p:txBody>
+        </p:sp>
+        <p:cxnSp>
+          <p:nvCxnSpPr>
+            <p:cNvPr id="38" name="Straight Connector 37">
+              <a:extLst>
+                <a:ext uri="{FF2B5EF4-FFF2-40B4-BE49-F238E27FC236}">
+                  <a16:creationId xmlns:a16="http://schemas.microsoft.com/office/drawing/2014/main" id="{BF9B25CB-DA9A-6D01-3911-5E5E8AFF5D7A}"/>
+                </a:ext>
+              </a:extLst>
+            </p:cNvPr>
+            <p:cNvCxnSpPr>
+              <a:cxnSpLocks/>
+              <a:stCxn id="32" idx="2"/>
+              <a:endCxn id="33" idx="0"/>
+            </p:cNvCxnSpPr>
+            <p:nvPr/>
+          </p:nvCxnSpPr>
+          <p:spPr>
+            <a:xfrm>
+              <a:off x="5654240" y="1841465"/>
+              <a:ext cx="2" cy="556672"/>
+            </a:xfrm>
+            <a:prstGeom prst="line">
+              <a:avLst/>
+            </a:prstGeom>
+            <a:ln w="12700">
+              <a:solidFill>
+                <a:schemeClr val="tx1"/>
+              </a:solidFill>
+            </a:ln>
+          </p:spPr>
+          <p:style>
+            <a:lnRef idx="1">
+              <a:schemeClr val="accent1"/>
+            </a:lnRef>
+            <a:fillRef idx="0">
+              <a:schemeClr val="accent1"/>
+            </a:fillRef>
+            <a:effectRef idx="0">
+              <a:schemeClr val="accent1"/>
+            </a:effectRef>
+            <a:fontRef idx="minor">
               <a:schemeClr val="tx1"/>
-            </a:solidFill>
-          </a:ln>
-        </p:spPr>
-        <p:style>
-          <a:lnRef idx="2">
-            <a:schemeClr val="accent6"/>
-          </a:lnRef>
-          <a:fillRef idx="1">
-            <a:schemeClr val="lt1"/>
-          </a:fillRef>
-          <a:effectRef idx="0">
-            <a:schemeClr val="accent6"/>
-          </a:effectRef>
-          <a:fontRef idx="minor">
-            <a:schemeClr val="dk1"/>
-          </a:fontRef>
-        </p:style>
-        <p:txBody>
-          <a:bodyPr rtlCol="0" anchor="ctr"/>
-          <a:lstStyle/>
-          <a:p>
-            <a:pPr algn="ctr"/>
-            <a:r>
-              <a:rPr lang="en-GB" dirty="0"/>
-              <a:t>144</a:t>
-            </a:r>
-          </a:p>
-        </p:txBody>
-      </p:sp>
-      <p:sp>
-        <p:nvSpPr>
-          <p:cNvPr id="9" name="Rectangle 8">
-            <a:extLst>
-              <a:ext uri="{FF2B5EF4-FFF2-40B4-BE49-F238E27FC236}">
-                <a16:creationId xmlns:a16="http://schemas.microsoft.com/office/drawing/2014/main" id="{0DD618C6-1253-30F1-C8DD-6820998CD6D5}"/>
-              </a:ext>
-            </a:extLst>
-          </p:cNvPr>
-          <p:cNvSpPr/>
+            </a:fontRef>
+          </p:style>
+        </p:cxnSp>
+        <p:cxnSp>
+          <p:nvCxnSpPr>
+            <p:cNvPr id="39" name="Straight Connector 38">
+              <a:extLst>
+                <a:ext uri="{FF2B5EF4-FFF2-40B4-BE49-F238E27FC236}">
+                  <a16:creationId xmlns:a16="http://schemas.microsoft.com/office/drawing/2014/main" id="{433DB2E9-5E00-1877-433C-ED8A4E6CEC53}"/>
+                </a:ext>
+              </a:extLst>
+            </p:cNvPr>
+            <p:cNvCxnSpPr>
+              <a:cxnSpLocks/>
+              <a:stCxn id="33" idx="2"/>
+              <a:endCxn id="34" idx="0"/>
+            </p:cNvCxnSpPr>
+            <p:nvPr/>
+          </p:nvCxnSpPr>
+          <p:spPr>
+            <a:xfrm flipH="1">
+              <a:off x="5654241" y="2641977"/>
+              <a:ext cx="1" cy="124163"/>
+            </a:xfrm>
+            <a:prstGeom prst="line">
+              <a:avLst/>
+            </a:prstGeom>
+            <a:ln w="12700">
+              <a:solidFill>
+                <a:schemeClr val="tx1"/>
+              </a:solidFill>
+            </a:ln>
+          </p:spPr>
+          <p:style>
+            <a:lnRef idx="1">
+              <a:schemeClr val="accent1"/>
+            </a:lnRef>
+            <a:fillRef idx="0">
+              <a:schemeClr val="accent1"/>
+            </a:fillRef>
+            <a:effectRef idx="0">
+              <a:schemeClr val="accent1"/>
+            </a:effectRef>
+            <a:fontRef idx="minor">
+              <a:schemeClr val="tx1"/>
+            </a:fontRef>
+          </p:style>
+        </p:cxnSp>
+        <p:cxnSp>
+          <p:nvCxnSpPr>
+            <p:cNvPr id="40" name="Straight Connector 39">
+              <a:extLst>
+                <a:ext uri="{FF2B5EF4-FFF2-40B4-BE49-F238E27FC236}">
+                  <a16:creationId xmlns:a16="http://schemas.microsoft.com/office/drawing/2014/main" id="{05C2F0FD-0F94-87FD-9998-F7A6E6123896}"/>
+                </a:ext>
+              </a:extLst>
+            </p:cNvPr>
+            <p:cNvCxnSpPr>
+              <a:cxnSpLocks/>
+              <a:stCxn id="34" idx="2"/>
+              <a:endCxn id="35" idx="0"/>
+            </p:cNvCxnSpPr>
+            <p:nvPr/>
+          </p:nvCxnSpPr>
+          <p:spPr>
+            <a:xfrm>
+              <a:off x="5654241" y="3009980"/>
+              <a:ext cx="1" cy="189978"/>
+            </a:xfrm>
+            <a:prstGeom prst="line">
+              <a:avLst/>
+            </a:prstGeom>
+            <a:ln w="12700">
+              <a:solidFill>
+                <a:schemeClr val="tx1"/>
+              </a:solidFill>
+            </a:ln>
+          </p:spPr>
+          <p:style>
+            <a:lnRef idx="1">
+              <a:schemeClr val="accent1"/>
+            </a:lnRef>
+            <a:fillRef idx="0">
+              <a:schemeClr val="accent1"/>
+            </a:fillRef>
+            <a:effectRef idx="0">
+              <a:schemeClr val="accent1"/>
+            </a:effectRef>
+            <a:fontRef idx="minor">
+              <a:schemeClr val="tx1"/>
+            </a:fontRef>
+          </p:style>
+        </p:cxnSp>
+        <p:cxnSp>
+          <p:nvCxnSpPr>
+            <p:cNvPr id="41" name="Straight Connector 40">
+              <a:extLst>
+                <a:ext uri="{FF2B5EF4-FFF2-40B4-BE49-F238E27FC236}">
+                  <a16:creationId xmlns:a16="http://schemas.microsoft.com/office/drawing/2014/main" id="{D3A3B292-25BF-0F6D-B98E-1B662C823E1B}"/>
+                </a:ext>
+              </a:extLst>
+            </p:cNvPr>
+            <p:cNvCxnSpPr>
+              <a:cxnSpLocks/>
+              <a:endCxn id="36" idx="0"/>
+            </p:cNvCxnSpPr>
+            <p:nvPr/>
+          </p:nvCxnSpPr>
+          <p:spPr>
+            <a:xfrm flipH="1">
+              <a:off x="5011560" y="3443282"/>
+              <a:ext cx="642680" cy="173637"/>
+            </a:xfrm>
+            <a:prstGeom prst="line">
+              <a:avLst/>
+            </a:prstGeom>
+            <a:ln w="12700">
+              <a:solidFill>
+                <a:schemeClr val="tx1"/>
+              </a:solidFill>
+            </a:ln>
+          </p:spPr>
+          <p:style>
+            <a:lnRef idx="1">
+              <a:schemeClr val="accent1"/>
+            </a:lnRef>
+            <a:fillRef idx="0">
+              <a:schemeClr val="accent1"/>
+            </a:fillRef>
+            <a:effectRef idx="0">
+              <a:schemeClr val="accent1"/>
+            </a:effectRef>
+            <a:fontRef idx="minor">
+              <a:schemeClr val="tx1"/>
+            </a:fontRef>
+          </p:style>
+        </p:cxnSp>
+        <p:cxnSp>
+          <p:nvCxnSpPr>
+            <p:cNvPr id="42" name="Straight Connector 41">
+              <a:extLst>
+                <a:ext uri="{FF2B5EF4-FFF2-40B4-BE49-F238E27FC236}">
+                  <a16:creationId xmlns:a16="http://schemas.microsoft.com/office/drawing/2014/main" id="{3642E9B0-31AB-4C04-4C73-A03A2354DE4A}"/>
+                </a:ext>
+              </a:extLst>
+            </p:cNvPr>
+            <p:cNvCxnSpPr>
+              <a:cxnSpLocks/>
+            </p:cNvCxnSpPr>
+            <p:nvPr/>
+          </p:nvCxnSpPr>
+          <p:spPr>
+            <a:xfrm>
+              <a:off x="5011559" y="3860759"/>
+              <a:ext cx="1" cy="189978"/>
+            </a:xfrm>
+            <a:prstGeom prst="line">
+              <a:avLst/>
+            </a:prstGeom>
+            <a:ln w="12700">
+              <a:solidFill>
+                <a:schemeClr val="tx1"/>
+              </a:solidFill>
+            </a:ln>
+          </p:spPr>
+          <p:style>
+            <a:lnRef idx="1">
+              <a:schemeClr val="accent1"/>
+            </a:lnRef>
+            <a:fillRef idx="0">
+              <a:schemeClr val="accent1"/>
+            </a:fillRef>
+            <a:effectRef idx="0">
+              <a:schemeClr val="accent1"/>
+            </a:effectRef>
+            <a:fontRef idx="minor">
+              <a:schemeClr val="tx1"/>
+            </a:fontRef>
+          </p:style>
+        </p:cxnSp>
+        <p:cxnSp>
+          <p:nvCxnSpPr>
+            <p:cNvPr id="43" name="Straight Arrow Connector 42">
+              <a:extLst>
+                <a:ext uri="{FF2B5EF4-FFF2-40B4-BE49-F238E27FC236}">
+                  <a16:creationId xmlns:a16="http://schemas.microsoft.com/office/drawing/2014/main" id="{2D035121-D49D-99A2-A333-E27959CE25D4}"/>
+                </a:ext>
+              </a:extLst>
+            </p:cNvPr>
+            <p:cNvCxnSpPr>
+              <a:cxnSpLocks/>
+              <a:stCxn id="37" idx="2"/>
+            </p:cNvCxnSpPr>
+            <p:nvPr/>
+          </p:nvCxnSpPr>
+          <p:spPr>
+            <a:xfrm>
+              <a:off x="5011559" y="4294060"/>
+              <a:ext cx="0" cy="377062"/>
+            </a:xfrm>
+            <a:prstGeom prst="straightConnector1">
+              <a:avLst/>
+            </a:prstGeom>
+            <a:ln>
+              <a:solidFill>
+                <a:schemeClr val="tx1"/>
+              </a:solidFill>
+              <a:tailEnd type="triangle"/>
+            </a:ln>
+          </p:spPr>
+          <p:style>
+            <a:lnRef idx="1">
+              <a:schemeClr val="accent1"/>
+            </a:lnRef>
+            <a:fillRef idx="0">
+              <a:schemeClr val="accent1"/>
+            </a:fillRef>
+            <a:effectRef idx="0">
+              <a:schemeClr val="accent1"/>
+            </a:effectRef>
+            <a:fontRef idx="minor">
+              <a:schemeClr val="tx1"/>
+            </a:fontRef>
+          </p:style>
+        </p:cxnSp>
+        <p:sp>
+          <p:nvSpPr>
+            <p:cNvPr id="56" name="Rectangle 55">
+              <a:extLst>
+                <a:ext uri="{FF2B5EF4-FFF2-40B4-BE49-F238E27FC236}">
+                  <a16:creationId xmlns:a16="http://schemas.microsoft.com/office/drawing/2014/main" id="{F8204FA9-A503-75D4-CFA5-573B19B46BF0}"/>
+                </a:ext>
+              </a:extLst>
+            </p:cNvPr>
+            <p:cNvSpPr/>
+            <p:nvPr/>
+          </p:nvSpPr>
+          <p:spPr>
+            <a:xfrm>
+              <a:off x="5812886" y="3616919"/>
+              <a:ext cx="993058" cy="243840"/>
+            </a:xfrm>
+            <a:prstGeom prst="rect">
+              <a:avLst/>
+            </a:prstGeom>
+            <a:ln>
+              <a:solidFill>
+                <a:schemeClr val="tx1"/>
+              </a:solidFill>
+            </a:ln>
+          </p:spPr>
+          <p:style>
+            <a:lnRef idx="2">
+              <a:schemeClr val="accent6"/>
+            </a:lnRef>
+            <a:fillRef idx="1">
+              <a:schemeClr val="lt1"/>
+            </a:fillRef>
+            <a:effectRef idx="0">
+              <a:schemeClr val="accent6"/>
+            </a:effectRef>
+            <a:fontRef idx="minor">
+              <a:schemeClr val="dk1"/>
+            </a:fontRef>
+          </p:style>
+          <p:txBody>
+            <a:bodyPr rtlCol="0" anchor="ctr"/>
+            <a:lstStyle/>
+            <a:p>
+              <a:pPr algn="ctr"/>
+              <a:r>
+                <a:rPr lang="en-GB" dirty="0"/>
+                <a:t>100</a:t>
+              </a:r>
+            </a:p>
+          </p:txBody>
+        </p:sp>
+        <p:sp>
+          <p:nvSpPr>
+            <p:cNvPr id="57" name="Rectangle 56">
+              <a:extLst>
+                <a:ext uri="{FF2B5EF4-FFF2-40B4-BE49-F238E27FC236}">
+                  <a16:creationId xmlns:a16="http://schemas.microsoft.com/office/drawing/2014/main" id="{339F5280-E17E-ABCE-775A-56002B48817B}"/>
+                </a:ext>
+              </a:extLst>
+            </p:cNvPr>
+            <p:cNvSpPr/>
+            <p:nvPr/>
+          </p:nvSpPr>
+          <p:spPr>
+            <a:xfrm>
+              <a:off x="6132433" y="4050220"/>
+              <a:ext cx="353961" cy="243840"/>
+            </a:xfrm>
+            <a:prstGeom prst="rect">
+              <a:avLst/>
+            </a:prstGeom>
+            <a:ln>
+              <a:solidFill>
+                <a:schemeClr val="tx1"/>
+              </a:solidFill>
+            </a:ln>
+          </p:spPr>
+          <p:style>
+            <a:lnRef idx="2">
+              <a:schemeClr val="accent6"/>
+            </a:lnRef>
+            <a:fillRef idx="1">
+              <a:schemeClr val="lt1"/>
+            </a:fillRef>
+            <a:effectRef idx="0">
+              <a:schemeClr val="accent6"/>
+            </a:effectRef>
+            <a:fontRef idx="minor">
+              <a:schemeClr val="dk1"/>
+            </a:fontRef>
+          </p:style>
+          <p:txBody>
+            <a:bodyPr rtlCol="0" anchor="ctr"/>
+            <a:lstStyle/>
+            <a:p>
+              <a:pPr algn="ctr"/>
+              <a:r>
+                <a:rPr lang="en-GB" dirty="0"/>
+                <a:t>1</a:t>
+              </a:r>
+            </a:p>
+          </p:txBody>
+        </p:sp>
+        <p:cxnSp>
+          <p:nvCxnSpPr>
+            <p:cNvPr id="58" name="Straight Connector 57">
+              <a:extLst>
+                <a:ext uri="{FF2B5EF4-FFF2-40B4-BE49-F238E27FC236}">
+                  <a16:creationId xmlns:a16="http://schemas.microsoft.com/office/drawing/2014/main" id="{F3F1F4EB-2FBE-15B6-742F-ADCA724354CF}"/>
+                </a:ext>
+              </a:extLst>
+            </p:cNvPr>
+            <p:cNvCxnSpPr>
+              <a:cxnSpLocks/>
+            </p:cNvCxnSpPr>
+            <p:nvPr/>
+          </p:nvCxnSpPr>
+          <p:spPr>
+            <a:xfrm>
+              <a:off x="6309414" y="3860759"/>
+              <a:ext cx="1" cy="189978"/>
+            </a:xfrm>
+            <a:prstGeom prst="line">
+              <a:avLst/>
+            </a:prstGeom>
+            <a:ln w="12700">
+              <a:solidFill>
+                <a:schemeClr val="tx1"/>
+              </a:solidFill>
+            </a:ln>
+          </p:spPr>
+          <p:style>
+            <a:lnRef idx="1">
+              <a:schemeClr val="accent1"/>
+            </a:lnRef>
+            <a:fillRef idx="0">
+              <a:schemeClr val="accent1"/>
+            </a:fillRef>
+            <a:effectRef idx="0">
+              <a:schemeClr val="accent1"/>
+            </a:effectRef>
+            <a:fontRef idx="minor">
+              <a:schemeClr val="tx1"/>
+            </a:fontRef>
+          </p:style>
+        </p:cxnSp>
+        <p:cxnSp>
+          <p:nvCxnSpPr>
+            <p:cNvPr id="59" name="Straight Arrow Connector 58">
+              <a:extLst>
+                <a:ext uri="{FF2B5EF4-FFF2-40B4-BE49-F238E27FC236}">
+                  <a16:creationId xmlns:a16="http://schemas.microsoft.com/office/drawing/2014/main" id="{24B2B0C2-F097-3CEA-A81B-CD3D616FE53C}"/>
+                </a:ext>
+              </a:extLst>
+            </p:cNvPr>
+            <p:cNvCxnSpPr>
+              <a:cxnSpLocks/>
+              <a:stCxn id="57" idx="2"/>
+            </p:cNvCxnSpPr>
+            <p:nvPr/>
+          </p:nvCxnSpPr>
+          <p:spPr>
+            <a:xfrm flipH="1">
+              <a:off x="6309413" y="4294060"/>
+              <a:ext cx="1" cy="361238"/>
+            </a:xfrm>
+            <a:prstGeom prst="straightConnector1">
+              <a:avLst/>
+            </a:prstGeom>
+            <a:ln>
+              <a:solidFill>
+                <a:schemeClr val="tx1"/>
+              </a:solidFill>
+              <a:tailEnd type="triangle"/>
+            </a:ln>
+          </p:spPr>
+          <p:style>
+            <a:lnRef idx="1">
+              <a:schemeClr val="accent1"/>
+            </a:lnRef>
+            <a:fillRef idx="0">
+              <a:schemeClr val="accent1"/>
+            </a:fillRef>
+            <a:effectRef idx="0">
+              <a:schemeClr val="accent1"/>
+            </a:effectRef>
+            <a:fontRef idx="minor">
+              <a:schemeClr val="tx1"/>
+            </a:fontRef>
+          </p:style>
+        </p:cxnSp>
+        <p:cxnSp>
+          <p:nvCxnSpPr>
+            <p:cNvPr id="61" name="Straight Connector 60">
+              <a:extLst>
+                <a:ext uri="{FF2B5EF4-FFF2-40B4-BE49-F238E27FC236}">
+                  <a16:creationId xmlns:a16="http://schemas.microsoft.com/office/drawing/2014/main" id="{25FF7740-A504-FF1B-71E8-294B99847DE5}"/>
+                </a:ext>
+              </a:extLst>
+            </p:cNvPr>
+            <p:cNvCxnSpPr>
+              <a:cxnSpLocks/>
+              <a:stCxn id="35" idx="2"/>
+              <a:endCxn id="56" idx="0"/>
+            </p:cNvCxnSpPr>
+            <p:nvPr/>
+          </p:nvCxnSpPr>
+          <p:spPr>
+            <a:xfrm>
+              <a:off x="5654242" y="3443798"/>
+              <a:ext cx="655173" cy="173121"/>
+            </a:xfrm>
+            <a:prstGeom prst="line">
+              <a:avLst/>
+            </a:prstGeom>
+            <a:ln w="12700">
+              <a:solidFill>
+                <a:schemeClr val="tx1"/>
+              </a:solidFill>
+            </a:ln>
+          </p:spPr>
+          <p:style>
+            <a:lnRef idx="1">
+              <a:schemeClr val="accent1"/>
+            </a:lnRef>
+            <a:fillRef idx="0">
+              <a:schemeClr val="accent1"/>
+            </a:fillRef>
+            <a:effectRef idx="0">
+              <a:schemeClr val="accent1"/>
+            </a:effectRef>
+            <a:fontRef idx="minor">
+              <a:schemeClr val="tx1"/>
+            </a:fontRef>
+          </p:style>
+        </p:cxnSp>
+        <p:sp>
+          <p:nvSpPr>
+            <p:cNvPr id="78" name="Rectangle 77">
+              <a:extLst>
+                <a:ext uri="{FF2B5EF4-FFF2-40B4-BE49-F238E27FC236}">
+                  <a16:creationId xmlns:a16="http://schemas.microsoft.com/office/drawing/2014/main" id="{33FCDC2A-B462-B6CF-7925-E118119F5FC4}"/>
+                </a:ext>
+              </a:extLst>
+            </p:cNvPr>
+            <p:cNvSpPr/>
+            <p:nvPr/>
+          </p:nvSpPr>
+          <p:spPr>
+            <a:xfrm>
+              <a:off x="6119331" y="4655298"/>
+              <a:ext cx="380154" cy="361238"/>
+            </a:xfrm>
+            <a:prstGeom prst="rect">
+              <a:avLst/>
+            </a:prstGeom>
+          </p:spPr>
+          <p:style>
+            <a:lnRef idx="2">
+              <a:schemeClr val="accent1">
+                <a:shade val="50000"/>
+              </a:schemeClr>
+            </a:lnRef>
+            <a:fillRef idx="1">
+              <a:schemeClr val="accent1"/>
+            </a:fillRef>
+            <a:effectRef idx="0">
+              <a:schemeClr val="accent1"/>
+            </a:effectRef>
+            <a:fontRef idx="minor">
+              <a:schemeClr val="lt1"/>
+            </a:fontRef>
+          </p:style>
+          <p:txBody>
+            <a:bodyPr rtlCol="0" anchor="ctr"/>
+            <a:lstStyle/>
+            <a:p>
+              <a:pPr algn="ctr"/>
+              <a:r>
+                <a:rPr lang="en-GB" dirty="0"/>
+                <a:t>h</a:t>
+              </a:r>
+            </a:p>
+          </p:txBody>
+        </p:sp>
+        <p:sp>
+          <p:nvSpPr>
+            <p:cNvPr id="79" name="Rectangle 78">
+              <a:extLst>
+                <a:ext uri="{FF2B5EF4-FFF2-40B4-BE49-F238E27FC236}">
+                  <a16:creationId xmlns:a16="http://schemas.microsoft.com/office/drawing/2014/main" id="{F17D6714-9FDF-CBA1-A21D-64D7F59B15F4}"/>
+                </a:ext>
+              </a:extLst>
+            </p:cNvPr>
+            <p:cNvSpPr/>
+            <p:nvPr/>
+          </p:nvSpPr>
+          <p:spPr>
+            <a:xfrm>
+              <a:off x="4821477" y="4651384"/>
+              <a:ext cx="380154" cy="361238"/>
+            </a:xfrm>
+            <a:prstGeom prst="rect">
+              <a:avLst/>
+            </a:prstGeom>
+          </p:spPr>
+          <p:style>
+            <a:lnRef idx="2">
+              <a:schemeClr val="accent1">
+                <a:shade val="50000"/>
+              </a:schemeClr>
+            </a:lnRef>
+            <a:fillRef idx="1">
+              <a:schemeClr val="accent1"/>
+            </a:fillRef>
+            <a:effectRef idx="0">
+              <a:schemeClr val="accent1"/>
+            </a:effectRef>
+            <a:fontRef idx="minor">
+              <a:schemeClr val="lt1"/>
+            </a:fontRef>
+          </p:style>
+          <p:txBody>
+            <a:bodyPr rtlCol="0" anchor="ctr"/>
+            <a:lstStyle/>
+            <a:p>
+              <a:pPr algn="ctr"/>
+              <a:r>
+                <a:rPr lang="en-GB" b="1" dirty="0"/>
+                <a:t>a</a:t>
+              </a:r>
+            </a:p>
+          </p:txBody>
+        </p:sp>
+        <p:sp>
+          <p:nvSpPr>
+            <p:cNvPr id="24" name="TextBox 23">
+              <a:extLst>
+                <a:ext uri="{FF2B5EF4-FFF2-40B4-BE49-F238E27FC236}">
+                  <a16:creationId xmlns:a16="http://schemas.microsoft.com/office/drawing/2014/main" id="{A2F3F956-555D-427F-1AE6-1A0995422D53}"/>
+                </a:ext>
+              </a:extLst>
+            </p:cNvPr>
+            <p:cNvSpPr txBox="1"/>
+            <p:nvPr/>
+          </p:nvSpPr>
+          <p:spPr>
+            <a:xfrm>
+              <a:off x="5596137" y="2006648"/>
+              <a:ext cx="1364905" cy="246221"/>
+            </a:xfrm>
+            <a:prstGeom prst="rect">
+              <a:avLst/>
+            </a:prstGeom>
+            <a:noFill/>
+          </p:spPr>
+          <p:txBody>
+            <a:bodyPr wrap="square" rtlCol="0">
+              <a:spAutoFit/>
+            </a:bodyPr>
+            <a:lstStyle/>
+            <a:p>
+              <a:r>
+                <a:rPr lang="en-GB" sz="1000" dirty="0"/>
+                <a:t>one hot encoding</a:t>
+              </a:r>
+            </a:p>
+          </p:txBody>
+        </p:sp>
+      </p:grpSp>
+      <p:grpSp>
+        <p:nvGrpSpPr>
+          <p:cNvPr id="76" name="Group 75">
+            <a:extLst>
+              <a:ext uri="{FF2B5EF4-FFF2-40B4-BE49-F238E27FC236}">
+                <a16:creationId xmlns:a16="http://schemas.microsoft.com/office/drawing/2014/main" id="{737EF3C5-C562-864A-DDFB-438CBEC05A4E}"/>
+              </a:ext>
+            </a:extLst>
+          </p:cNvPr>
+          <p:cNvGrpSpPr/>
           <p:nvPr/>
-        </p:nvSpPr>
-        <p:spPr>
+        </p:nvGrpSpPr>
+        <p:grpSpPr>
           <a:xfrm>
-            <a:off x="1379176" y="2352386"/>
-            <a:ext cx="2278419" cy="243840"/>
+            <a:off x="7697778" y="88700"/>
+            <a:ext cx="3709584" cy="5862949"/>
+            <a:chOff x="7697778" y="88700"/>
+            <a:chExt cx="3709584" cy="5862949"/>
           </a:xfrm>
-          <a:prstGeom prst="rect">
-            <a:avLst/>
-          </a:prstGeom>
-          <a:ln>
-            <a:solidFill>
+        </p:grpSpPr>
+        <p:sp>
+          <p:nvSpPr>
+            <p:cNvPr id="45" name="Rectangle 44">
+              <a:extLst>
+                <a:ext uri="{FF2B5EF4-FFF2-40B4-BE49-F238E27FC236}">
+                  <a16:creationId xmlns:a16="http://schemas.microsoft.com/office/drawing/2014/main" id="{5A60CD0A-95B8-406A-5692-2494ECE0709A}"/>
+                </a:ext>
+              </a:extLst>
+            </p:cNvPr>
+            <p:cNvSpPr/>
+            <p:nvPr/>
+          </p:nvSpPr>
+          <p:spPr>
+            <a:xfrm>
+              <a:off x="8194244" y="1984383"/>
+              <a:ext cx="1248697" cy="243840"/>
+            </a:xfrm>
+            <a:prstGeom prst="rect">
+              <a:avLst/>
+            </a:prstGeom>
+            <a:ln>
+              <a:solidFill>
+                <a:schemeClr val="tx1"/>
+              </a:solidFill>
+            </a:ln>
+          </p:spPr>
+          <p:style>
+            <a:lnRef idx="2">
+              <a:schemeClr val="accent6"/>
+            </a:lnRef>
+            <a:fillRef idx="1">
+              <a:schemeClr val="lt1"/>
+            </a:fillRef>
+            <a:effectRef idx="0">
+              <a:schemeClr val="accent6"/>
+            </a:effectRef>
+            <a:fontRef idx="minor">
+              <a:schemeClr val="dk1"/>
+            </a:fontRef>
+          </p:style>
+          <p:txBody>
+            <a:bodyPr rtlCol="0" anchor="ctr"/>
+            <a:lstStyle/>
+            <a:p>
+              <a:pPr algn="ctr"/>
+              <a:r>
+                <a:rPr lang="en-GB" dirty="0"/>
+                <a:t>81</a:t>
+              </a:r>
+            </a:p>
+          </p:txBody>
+        </p:sp>
+        <p:sp>
+          <p:nvSpPr>
+            <p:cNvPr id="46" name="Rectangle 45">
+              <a:extLst>
+                <a:ext uri="{FF2B5EF4-FFF2-40B4-BE49-F238E27FC236}">
+                  <a16:creationId xmlns:a16="http://schemas.microsoft.com/office/drawing/2014/main" id="{0161B3A8-E69A-2212-0983-46BA6EE8B570}"/>
+                </a:ext>
+              </a:extLst>
+            </p:cNvPr>
+            <p:cNvSpPr/>
+            <p:nvPr/>
+          </p:nvSpPr>
+          <p:spPr>
+            <a:xfrm>
+              <a:off x="7697778" y="3688255"/>
+              <a:ext cx="2278419" cy="243840"/>
+            </a:xfrm>
+            <a:prstGeom prst="rect">
+              <a:avLst/>
+            </a:prstGeom>
+            <a:ln>
+              <a:solidFill>
+                <a:schemeClr val="tx1"/>
+              </a:solidFill>
+            </a:ln>
+          </p:spPr>
+          <p:style>
+            <a:lnRef idx="2">
+              <a:schemeClr val="accent6"/>
+            </a:lnRef>
+            <a:fillRef idx="1">
+              <a:schemeClr val="lt1"/>
+            </a:fillRef>
+            <a:effectRef idx="0">
+              <a:schemeClr val="accent6"/>
+            </a:effectRef>
+            <a:fontRef idx="minor">
+              <a:schemeClr val="dk1"/>
+            </a:fontRef>
+          </p:style>
+          <p:txBody>
+            <a:bodyPr rtlCol="0" anchor="ctr"/>
+            <a:lstStyle/>
+            <a:p>
+              <a:pPr algn="ctr"/>
+              <a:r>
+                <a:rPr lang="en-GB" dirty="0"/>
+                <a:t>600</a:t>
+              </a:r>
+            </a:p>
+          </p:txBody>
+        </p:sp>
+        <p:sp>
+          <p:nvSpPr>
+            <p:cNvPr id="47" name="Rectangle 46">
+              <a:extLst>
+                <a:ext uri="{FF2B5EF4-FFF2-40B4-BE49-F238E27FC236}">
+                  <a16:creationId xmlns:a16="http://schemas.microsoft.com/office/drawing/2014/main" id="{7FEA30BD-0976-1E35-16E5-E0490CB8BAFD}"/>
+                </a:ext>
+              </a:extLst>
+            </p:cNvPr>
+            <p:cNvSpPr/>
+            <p:nvPr/>
+          </p:nvSpPr>
+          <p:spPr>
+            <a:xfrm>
+              <a:off x="8212640" y="4122073"/>
+              <a:ext cx="1248697" cy="243840"/>
+            </a:xfrm>
+            <a:prstGeom prst="rect">
+              <a:avLst/>
+            </a:prstGeom>
+            <a:ln>
+              <a:solidFill>
+                <a:schemeClr val="tx1"/>
+              </a:solidFill>
+            </a:ln>
+          </p:spPr>
+          <p:style>
+            <a:lnRef idx="2">
+              <a:schemeClr val="accent6"/>
+            </a:lnRef>
+            <a:fillRef idx="1">
+              <a:schemeClr val="lt1"/>
+            </a:fillRef>
+            <a:effectRef idx="0">
+              <a:schemeClr val="accent6"/>
+            </a:effectRef>
+            <a:fontRef idx="minor">
+              <a:schemeClr val="dk1"/>
+            </a:fontRef>
+          </p:style>
+          <p:txBody>
+            <a:bodyPr rtlCol="0" anchor="ctr"/>
+            <a:lstStyle/>
+            <a:p>
+              <a:pPr algn="ctr"/>
+              <a:r>
+                <a:rPr lang="en-GB" dirty="0"/>
+                <a:t>300</a:t>
+              </a:r>
+            </a:p>
+          </p:txBody>
+        </p:sp>
+        <p:sp>
+          <p:nvSpPr>
+            <p:cNvPr id="48" name="Rectangle 47">
+              <a:extLst>
+                <a:ext uri="{FF2B5EF4-FFF2-40B4-BE49-F238E27FC236}">
+                  <a16:creationId xmlns:a16="http://schemas.microsoft.com/office/drawing/2014/main" id="{3770F4E5-F918-393C-ED4D-4B88A6307470}"/>
+                </a:ext>
+              </a:extLst>
+            </p:cNvPr>
+            <p:cNvSpPr/>
+            <p:nvPr/>
+          </p:nvSpPr>
+          <p:spPr>
+            <a:xfrm>
+              <a:off x="8340458" y="4554858"/>
+              <a:ext cx="993058" cy="243840"/>
+            </a:xfrm>
+            <a:prstGeom prst="rect">
+              <a:avLst/>
+            </a:prstGeom>
+            <a:ln>
+              <a:solidFill>
+                <a:schemeClr val="tx1"/>
+              </a:solidFill>
+            </a:ln>
+          </p:spPr>
+          <p:style>
+            <a:lnRef idx="2">
+              <a:schemeClr val="accent6"/>
+            </a:lnRef>
+            <a:fillRef idx="1">
+              <a:schemeClr val="lt1"/>
+            </a:fillRef>
+            <a:effectRef idx="0">
+              <a:schemeClr val="accent6"/>
+            </a:effectRef>
+            <a:fontRef idx="minor">
+              <a:schemeClr val="dk1"/>
+            </a:fontRef>
+          </p:style>
+          <p:txBody>
+            <a:bodyPr rtlCol="0" anchor="ctr"/>
+            <a:lstStyle/>
+            <a:p>
+              <a:pPr algn="ctr"/>
+              <a:r>
+                <a:rPr lang="en-GB" dirty="0"/>
+                <a:t>100</a:t>
+              </a:r>
+            </a:p>
+          </p:txBody>
+        </p:sp>
+        <p:sp>
+          <p:nvSpPr>
+            <p:cNvPr id="49" name="Rectangle 48">
+              <a:extLst>
+                <a:ext uri="{FF2B5EF4-FFF2-40B4-BE49-F238E27FC236}">
+                  <a16:creationId xmlns:a16="http://schemas.microsoft.com/office/drawing/2014/main" id="{A99A4A88-4BFA-1C48-50C3-B263BE444FB8}"/>
+                </a:ext>
+              </a:extLst>
+            </p:cNvPr>
+            <p:cNvSpPr/>
+            <p:nvPr/>
+          </p:nvSpPr>
+          <p:spPr>
+            <a:xfrm>
+              <a:off x="8660005" y="4988159"/>
+              <a:ext cx="353961" cy="243840"/>
+            </a:xfrm>
+            <a:prstGeom prst="rect">
+              <a:avLst/>
+            </a:prstGeom>
+            <a:ln>
+              <a:solidFill>
+                <a:schemeClr val="tx1"/>
+              </a:solidFill>
+            </a:ln>
+          </p:spPr>
+          <p:style>
+            <a:lnRef idx="2">
+              <a:schemeClr val="accent6"/>
+            </a:lnRef>
+            <a:fillRef idx="1">
+              <a:schemeClr val="lt1"/>
+            </a:fillRef>
+            <a:effectRef idx="0">
+              <a:schemeClr val="accent6"/>
+            </a:effectRef>
+            <a:fontRef idx="minor">
+              <a:schemeClr val="dk1"/>
+            </a:fontRef>
+          </p:style>
+          <p:txBody>
+            <a:bodyPr rtlCol="0" anchor="ctr"/>
+            <a:lstStyle/>
+            <a:p>
+              <a:pPr algn="ctr"/>
+              <a:r>
+                <a:rPr lang="en-GB" dirty="0"/>
+                <a:t>1</a:t>
+              </a:r>
+            </a:p>
+          </p:txBody>
+        </p:sp>
+        <p:cxnSp>
+          <p:nvCxnSpPr>
+            <p:cNvPr id="50" name="Straight Connector 49">
+              <a:extLst>
+                <a:ext uri="{FF2B5EF4-FFF2-40B4-BE49-F238E27FC236}">
+                  <a16:creationId xmlns:a16="http://schemas.microsoft.com/office/drawing/2014/main" id="{F11C2BF8-367D-C12A-C98C-E92FC79405A7}"/>
+                </a:ext>
+              </a:extLst>
+            </p:cNvPr>
+            <p:cNvCxnSpPr>
+              <a:cxnSpLocks/>
+              <a:stCxn id="72" idx="2"/>
+              <a:endCxn id="45" idx="0"/>
+            </p:cNvCxnSpPr>
+            <p:nvPr/>
+          </p:nvCxnSpPr>
+          <p:spPr>
+            <a:xfrm flipH="1">
+              <a:off x="8818593" y="1479544"/>
+              <a:ext cx="917046" cy="504839"/>
+            </a:xfrm>
+            <a:prstGeom prst="line">
+              <a:avLst/>
+            </a:prstGeom>
+            <a:ln w="12700">
+              <a:solidFill>
+                <a:schemeClr val="tx1"/>
+              </a:solidFill>
+            </a:ln>
+          </p:spPr>
+          <p:style>
+            <a:lnRef idx="1">
+              <a:schemeClr val="accent1"/>
+            </a:lnRef>
+            <a:fillRef idx="0">
+              <a:schemeClr val="accent1"/>
+            </a:fillRef>
+            <a:effectRef idx="0">
+              <a:schemeClr val="accent1"/>
+            </a:effectRef>
+            <a:fontRef idx="minor">
               <a:schemeClr val="tx1"/>
-            </a:solidFill>
-          </a:ln>
-        </p:spPr>
-        <p:style>
-          <a:lnRef idx="2">
-            <a:schemeClr val="accent6"/>
-          </a:lnRef>
-          <a:fillRef idx="1">
-            <a:schemeClr val="lt1"/>
-          </a:fillRef>
-          <a:effectRef idx="0">
-            <a:schemeClr val="accent6"/>
-          </a:effectRef>
-          <a:fontRef idx="minor">
-            <a:schemeClr val="dk1"/>
-          </a:fontRef>
-        </p:style>
-        <p:txBody>
-          <a:bodyPr rtlCol="0" anchor="ctr"/>
-          <a:lstStyle/>
-          <a:p>
-            <a:pPr algn="ctr"/>
-            <a:r>
-              <a:rPr lang="en-GB" dirty="0"/>
-              <a:t>600</a:t>
-            </a:r>
-          </a:p>
-        </p:txBody>
-      </p:sp>
-      <p:sp>
-        <p:nvSpPr>
-          <p:cNvPr id="12" name="Rectangle 11">
-            <a:extLst>
-              <a:ext uri="{FF2B5EF4-FFF2-40B4-BE49-F238E27FC236}">
-                <a16:creationId xmlns:a16="http://schemas.microsoft.com/office/drawing/2014/main" id="{FBAFECD3-8685-E636-5362-5D511544CDE2}"/>
-              </a:ext>
-            </a:extLst>
-          </p:cNvPr>
-          <p:cNvSpPr/>
-          <p:nvPr/>
-        </p:nvSpPr>
-        <p:spPr>
-          <a:xfrm>
-            <a:off x="1894038" y="2786204"/>
-            <a:ext cx="1248697" cy="243840"/>
-          </a:xfrm>
-          <a:prstGeom prst="rect">
-            <a:avLst/>
-          </a:prstGeom>
-          <a:ln>
-            <a:solidFill>
+            </a:fontRef>
+          </p:style>
+        </p:cxnSp>
+        <p:cxnSp>
+          <p:nvCxnSpPr>
+            <p:cNvPr id="51" name="Straight Connector 50">
+              <a:extLst>
+                <a:ext uri="{FF2B5EF4-FFF2-40B4-BE49-F238E27FC236}">
+                  <a16:creationId xmlns:a16="http://schemas.microsoft.com/office/drawing/2014/main" id="{2B329B4C-A472-13FA-DB49-7DAC965E7152}"/>
+                </a:ext>
+              </a:extLst>
+            </p:cNvPr>
+            <p:cNvCxnSpPr>
+              <a:cxnSpLocks/>
+              <a:endCxn id="46" idx="0"/>
+            </p:cNvCxnSpPr>
+            <p:nvPr/>
+          </p:nvCxnSpPr>
+          <p:spPr>
+            <a:xfrm flipH="1">
+              <a:off x="8836988" y="3564092"/>
+              <a:ext cx="1" cy="124163"/>
+            </a:xfrm>
+            <a:prstGeom prst="line">
+              <a:avLst/>
+            </a:prstGeom>
+            <a:ln w="12700">
+              <a:solidFill>
+                <a:schemeClr val="tx1"/>
+              </a:solidFill>
+            </a:ln>
+          </p:spPr>
+          <p:style>
+            <a:lnRef idx="1">
+              <a:schemeClr val="accent1"/>
+            </a:lnRef>
+            <a:fillRef idx="0">
+              <a:schemeClr val="accent1"/>
+            </a:fillRef>
+            <a:effectRef idx="0">
+              <a:schemeClr val="accent1"/>
+            </a:effectRef>
+            <a:fontRef idx="minor">
               <a:schemeClr val="tx1"/>
-            </a:solidFill>
-          </a:ln>
-        </p:spPr>
-        <p:style>
-          <a:lnRef idx="2">
-            <a:schemeClr val="accent6"/>
-          </a:lnRef>
-          <a:fillRef idx="1">
-            <a:schemeClr val="lt1"/>
-          </a:fillRef>
-          <a:effectRef idx="0">
-            <a:schemeClr val="accent6"/>
-          </a:effectRef>
-          <a:fontRef idx="minor">
-            <a:schemeClr val="dk1"/>
-          </a:fontRef>
-        </p:style>
-        <p:txBody>
-          <a:bodyPr rtlCol="0" anchor="ctr"/>
-          <a:lstStyle/>
-          <a:p>
-            <a:pPr algn="ctr"/>
-            <a:r>
-              <a:rPr lang="en-GB" dirty="0"/>
-              <a:t>300</a:t>
-            </a:r>
-          </a:p>
-        </p:txBody>
-      </p:sp>
-      <p:sp>
-        <p:nvSpPr>
-          <p:cNvPr id="13" name="Rectangle 12">
-            <a:extLst>
-              <a:ext uri="{FF2B5EF4-FFF2-40B4-BE49-F238E27FC236}">
-                <a16:creationId xmlns:a16="http://schemas.microsoft.com/office/drawing/2014/main" id="{5A4841FF-FFB5-DFAE-E3E8-2DA83EA66021}"/>
-              </a:ext>
-            </a:extLst>
-          </p:cNvPr>
-          <p:cNvSpPr/>
-          <p:nvPr/>
-        </p:nvSpPr>
-        <p:spPr>
-          <a:xfrm>
-            <a:off x="2021856" y="3218989"/>
-            <a:ext cx="993058" cy="243840"/>
-          </a:xfrm>
-          <a:prstGeom prst="rect">
-            <a:avLst/>
-          </a:prstGeom>
-          <a:ln>
-            <a:solidFill>
+            </a:fontRef>
+          </p:style>
+        </p:cxnSp>
+        <p:cxnSp>
+          <p:nvCxnSpPr>
+            <p:cNvPr id="52" name="Straight Connector 51">
+              <a:extLst>
+                <a:ext uri="{FF2B5EF4-FFF2-40B4-BE49-F238E27FC236}">
+                  <a16:creationId xmlns:a16="http://schemas.microsoft.com/office/drawing/2014/main" id="{17D77B47-372A-35F2-518E-53D4A6B759B0}"/>
+                </a:ext>
+              </a:extLst>
+            </p:cNvPr>
+            <p:cNvCxnSpPr>
+              <a:cxnSpLocks/>
+              <a:stCxn id="46" idx="2"/>
+              <a:endCxn id="47" idx="0"/>
+            </p:cNvCxnSpPr>
+            <p:nvPr/>
+          </p:nvCxnSpPr>
+          <p:spPr>
+            <a:xfrm>
+              <a:off x="8836988" y="3932095"/>
+              <a:ext cx="1" cy="189978"/>
+            </a:xfrm>
+            <a:prstGeom prst="line">
+              <a:avLst/>
+            </a:prstGeom>
+            <a:ln w="12700">
+              <a:solidFill>
+                <a:schemeClr val="tx1"/>
+              </a:solidFill>
+            </a:ln>
+          </p:spPr>
+          <p:style>
+            <a:lnRef idx="1">
+              <a:schemeClr val="accent1"/>
+            </a:lnRef>
+            <a:fillRef idx="0">
+              <a:schemeClr val="accent1"/>
+            </a:fillRef>
+            <a:effectRef idx="0">
+              <a:schemeClr val="accent1"/>
+            </a:effectRef>
+            <a:fontRef idx="minor">
               <a:schemeClr val="tx1"/>
-            </a:solidFill>
-          </a:ln>
-        </p:spPr>
-        <p:style>
-          <a:lnRef idx="2">
-            <a:schemeClr val="accent6"/>
-          </a:lnRef>
-          <a:fillRef idx="1">
-            <a:schemeClr val="lt1"/>
-          </a:fillRef>
-          <a:effectRef idx="0">
-            <a:schemeClr val="accent6"/>
-          </a:effectRef>
-          <a:fontRef idx="minor">
-            <a:schemeClr val="dk1"/>
-          </a:fontRef>
-        </p:style>
-        <p:txBody>
-          <a:bodyPr rtlCol="0" anchor="ctr"/>
-          <a:lstStyle/>
-          <a:p>
-            <a:pPr algn="ctr"/>
-            <a:r>
-              <a:rPr lang="en-GB" dirty="0"/>
-              <a:t>100</a:t>
-            </a:r>
-          </a:p>
-        </p:txBody>
-      </p:sp>
-      <p:sp>
-        <p:nvSpPr>
-          <p:cNvPr id="14" name="Rectangle 13">
-            <a:extLst>
-              <a:ext uri="{FF2B5EF4-FFF2-40B4-BE49-F238E27FC236}">
-                <a16:creationId xmlns:a16="http://schemas.microsoft.com/office/drawing/2014/main" id="{C2B95976-DBA6-62F7-C750-0F727765188F}"/>
-              </a:ext>
-            </a:extLst>
-          </p:cNvPr>
-          <p:cNvSpPr/>
-          <p:nvPr/>
-        </p:nvSpPr>
-        <p:spPr>
-          <a:xfrm>
-            <a:off x="2341403" y="3652290"/>
-            <a:ext cx="353961" cy="243840"/>
-          </a:xfrm>
-          <a:prstGeom prst="rect">
-            <a:avLst/>
-          </a:prstGeom>
-          <a:ln>
-            <a:solidFill>
+            </a:fontRef>
+          </p:style>
+        </p:cxnSp>
+        <p:cxnSp>
+          <p:nvCxnSpPr>
+            <p:cNvPr id="53" name="Straight Connector 52">
+              <a:extLst>
+                <a:ext uri="{FF2B5EF4-FFF2-40B4-BE49-F238E27FC236}">
+                  <a16:creationId xmlns:a16="http://schemas.microsoft.com/office/drawing/2014/main" id="{FADB8C9D-FD48-742B-3226-9262672426F2}"/>
+                </a:ext>
+              </a:extLst>
+            </p:cNvPr>
+            <p:cNvCxnSpPr>
+              <a:cxnSpLocks/>
+            </p:cNvCxnSpPr>
+            <p:nvPr/>
+          </p:nvCxnSpPr>
+          <p:spPr>
+            <a:xfrm>
+              <a:off x="8836987" y="4365397"/>
+              <a:ext cx="1" cy="189978"/>
+            </a:xfrm>
+            <a:prstGeom prst="line">
+              <a:avLst/>
+            </a:prstGeom>
+            <a:ln w="12700">
+              <a:solidFill>
+                <a:schemeClr val="tx1"/>
+              </a:solidFill>
+            </a:ln>
+          </p:spPr>
+          <p:style>
+            <a:lnRef idx="1">
+              <a:schemeClr val="accent1"/>
+            </a:lnRef>
+            <a:fillRef idx="0">
+              <a:schemeClr val="accent1"/>
+            </a:fillRef>
+            <a:effectRef idx="0">
+              <a:schemeClr val="accent1"/>
+            </a:effectRef>
+            <a:fontRef idx="minor">
               <a:schemeClr val="tx1"/>
-            </a:solidFill>
-          </a:ln>
-        </p:spPr>
-        <p:style>
-          <a:lnRef idx="2">
-            <a:schemeClr val="accent6"/>
-          </a:lnRef>
-          <a:fillRef idx="1">
-            <a:schemeClr val="lt1"/>
-          </a:fillRef>
-          <a:effectRef idx="0">
-            <a:schemeClr val="accent6"/>
-          </a:effectRef>
-          <a:fontRef idx="minor">
-            <a:schemeClr val="dk1"/>
-          </a:fontRef>
-        </p:style>
-        <p:txBody>
-          <a:bodyPr rtlCol="0" anchor="ctr"/>
-          <a:lstStyle/>
-          <a:p>
-            <a:pPr algn="ctr"/>
-            <a:r>
-              <a:rPr lang="en-GB" dirty="0"/>
-              <a:t>1</a:t>
-            </a:r>
-          </a:p>
-        </p:txBody>
-      </p:sp>
-      <p:cxnSp>
-        <p:nvCxnSpPr>
-          <p:cNvPr id="16" name="Straight Connector 15">
-            <a:extLst>
-              <a:ext uri="{FF2B5EF4-FFF2-40B4-BE49-F238E27FC236}">
-                <a16:creationId xmlns:a16="http://schemas.microsoft.com/office/drawing/2014/main" id="{DFC0D7E9-794A-0943-BFD8-53B4D0BAC31E}"/>
-              </a:ext>
-            </a:extLst>
-          </p:cNvPr>
-          <p:cNvCxnSpPr>
-            <a:cxnSpLocks/>
-            <a:stCxn id="7" idx="2"/>
-            <a:endCxn id="8" idx="0"/>
-          </p:cNvCxnSpPr>
-          <p:nvPr/>
-        </p:nvCxnSpPr>
-        <p:spPr>
-          <a:xfrm flipH="1">
-            <a:off x="2518387" y="1841465"/>
-            <a:ext cx="4" cy="142918"/>
-          </a:xfrm>
-          <a:prstGeom prst="line">
-            <a:avLst/>
-          </a:prstGeom>
-          <a:ln w="12700">
-            <a:solidFill>
+            </a:fontRef>
+          </p:style>
+        </p:cxnSp>
+        <p:cxnSp>
+          <p:nvCxnSpPr>
+            <p:cNvPr id="54" name="Straight Connector 53">
+              <a:extLst>
+                <a:ext uri="{FF2B5EF4-FFF2-40B4-BE49-F238E27FC236}">
+                  <a16:creationId xmlns:a16="http://schemas.microsoft.com/office/drawing/2014/main" id="{28004B04-FF52-FFD3-507D-A4C35B427C4B}"/>
+                </a:ext>
+              </a:extLst>
+            </p:cNvPr>
+            <p:cNvCxnSpPr>
+              <a:cxnSpLocks/>
+            </p:cNvCxnSpPr>
+            <p:nvPr/>
+          </p:nvCxnSpPr>
+          <p:spPr>
+            <a:xfrm>
+              <a:off x="8836986" y="4798698"/>
+              <a:ext cx="1" cy="189978"/>
+            </a:xfrm>
+            <a:prstGeom prst="line">
+              <a:avLst/>
+            </a:prstGeom>
+            <a:ln w="12700">
+              <a:solidFill>
+                <a:schemeClr val="tx1"/>
+              </a:solidFill>
+            </a:ln>
+          </p:spPr>
+          <p:style>
+            <a:lnRef idx="1">
+              <a:schemeClr val="accent1"/>
+            </a:lnRef>
+            <a:fillRef idx="0">
+              <a:schemeClr val="accent1"/>
+            </a:fillRef>
+            <a:effectRef idx="0">
+              <a:schemeClr val="accent1"/>
+            </a:effectRef>
+            <a:fontRef idx="minor">
               <a:schemeClr val="tx1"/>
-            </a:solidFill>
-          </a:ln>
-        </p:spPr>
-        <p:style>
-          <a:lnRef idx="1">
-            <a:schemeClr val="accent1"/>
-          </a:lnRef>
-          <a:fillRef idx="0">
-            <a:schemeClr val="accent1"/>
-          </a:fillRef>
-          <a:effectRef idx="0">
-            <a:schemeClr val="accent1"/>
-          </a:effectRef>
-          <a:fontRef idx="minor">
-            <a:schemeClr val="tx1"/>
-          </a:fontRef>
-        </p:style>
-      </p:cxnSp>
-      <p:cxnSp>
-        <p:nvCxnSpPr>
-          <p:cNvPr id="20" name="Straight Connector 19">
-            <a:extLst>
-              <a:ext uri="{FF2B5EF4-FFF2-40B4-BE49-F238E27FC236}">
-                <a16:creationId xmlns:a16="http://schemas.microsoft.com/office/drawing/2014/main" id="{0D2419C2-6E9F-D853-9C3E-89A8FB6929A6}"/>
-              </a:ext>
-            </a:extLst>
-          </p:cNvPr>
-          <p:cNvCxnSpPr>
-            <a:cxnSpLocks/>
-            <a:stCxn id="8" idx="2"/>
-            <a:endCxn id="9" idx="0"/>
-          </p:cNvCxnSpPr>
-          <p:nvPr/>
-        </p:nvCxnSpPr>
-        <p:spPr>
-          <a:xfrm flipH="1">
-            <a:off x="2518386" y="2228223"/>
-            <a:ext cx="1" cy="124163"/>
-          </a:xfrm>
-          <a:prstGeom prst="line">
-            <a:avLst/>
-          </a:prstGeom>
-          <a:ln w="12700">
-            <a:solidFill>
+            </a:fontRef>
+          </p:style>
+        </p:cxnSp>
+        <p:cxnSp>
+          <p:nvCxnSpPr>
+            <p:cNvPr id="55" name="Straight Arrow Connector 54">
+              <a:extLst>
+                <a:ext uri="{FF2B5EF4-FFF2-40B4-BE49-F238E27FC236}">
+                  <a16:creationId xmlns:a16="http://schemas.microsoft.com/office/drawing/2014/main" id="{8B4737B5-0D9A-ADF8-E9FB-03ED7CB57244}"/>
+                </a:ext>
+              </a:extLst>
+            </p:cNvPr>
+            <p:cNvCxnSpPr>
+              <a:cxnSpLocks/>
+              <a:stCxn id="49" idx="2"/>
+            </p:cNvCxnSpPr>
+            <p:nvPr/>
+          </p:nvCxnSpPr>
+          <p:spPr>
+            <a:xfrm flipH="1">
+              <a:off x="8836985" y="5231999"/>
+              <a:ext cx="1" cy="361238"/>
+            </a:xfrm>
+            <a:prstGeom prst="straightConnector1">
+              <a:avLst/>
+            </a:prstGeom>
+            <a:ln>
+              <a:solidFill>
+                <a:schemeClr val="tx1"/>
+              </a:solidFill>
+              <a:tailEnd type="triangle"/>
+            </a:ln>
+          </p:spPr>
+          <p:style>
+            <a:lnRef idx="1">
+              <a:schemeClr val="accent1"/>
+            </a:lnRef>
+            <a:fillRef idx="0">
+              <a:schemeClr val="accent1"/>
+            </a:fillRef>
+            <a:effectRef idx="0">
+              <a:schemeClr val="accent1"/>
+            </a:effectRef>
+            <a:fontRef idx="minor">
               <a:schemeClr val="tx1"/>
-            </a:solidFill>
-          </a:ln>
-        </p:spPr>
-        <p:style>
-          <a:lnRef idx="1">
-            <a:schemeClr val="accent1"/>
-          </a:lnRef>
-          <a:fillRef idx="0">
-            <a:schemeClr val="accent1"/>
-          </a:fillRef>
-          <a:effectRef idx="0">
-            <a:schemeClr val="accent1"/>
-          </a:effectRef>
-          <a:fontRef idx="minor">
-            <a:schemeClr val="tx1"/>
-          </a:fontRef>
-        </p:style>
-      </p:cxnSp>
-      <p:cxnSp>
-        <p:nvCxnSpPr>
-          <p:cNvPr id="23" name="Straight Connector 22">
-            <a:extLst>
-              <a:ext uri="{FF2B5EF4-FFF2-40B4-BE49-F238E27FC236}">
-                <a16:creationId xmlns:a16="http://schemas.microsoft.com/office/drawing/2014/main" id="{E275CDD9-B5AF-999C-9590-D1CD693F8288}"/>
-              </a:ext>
-            </a:extLst>
-          </p:cNvPr>
-          <p:cNvCxnSpPr>
-            <a:cxnSpLocks/>
-            <a:stCxn id="9" idx="2"/>
-            <a:endCxn id="12" idx="0"/>
-          </p:cNvCxnSpPr>
-          <p:nvPr/>
-        </p:nvCxnSpPr>
-        <p:spPr>
-          <a:xfrm>
-            <a:off x="2518386" y="2596226"/>
-            <a:ext cx="1" cy="189978"/>
-          </a:xfrm>
-          <a:prstGeom prst="line">
-            <a:avLst/>
-          </a:prstGeom>
-          <a:ln w="12700">
-            <a:solidFill>
+            </a:fontRef>
+          </p:style>
+        </p:cxnSp>
+        <p:pic>
+          <p:nvPicPr>
+            <p:cNvPr id="72" name="Picture 71" descr="A picture containing box and whisker chart&#10;&#10;Description automatically generated">
+              <a:extLst>
+                <a:ext uri="{FF2B5EF4-FFF2-40B4-BE49-F238E27FC236}">
+                  <a16:creationId xmlns:a16="http://schemas.microsoft.com/office/drawing/2014/main" id="{32F0358D-3A34-0713-ED84-C5D38032F345}"/>
+                </a:ext>
+              </a:extLst>
+            </p:cNvPr>
+            <p:cNvPicPr>
+              <a:picLocks noChangeAspect="1"/>
+            </p:cNvPicPr>
+            <p:nvPr/>
+          </p:nvPicPr>
+          <p:blipFill>
+            <a:blip r:embed="rId3">
+              <a:extLst>
+                <a:ext uri="{28A0092B-C50C-407E-A947-70E740481C1C}">
+                  <a14:useLocalDpi xmlns:a14="http://schemas.microsoft.com/office/drawing/2010/main" val="0"/>
+                </a:ext>
+              </a:extLst>
+            </a:blip>
+            <a:stretch>
+              <a:fillRect/>
+            </a:stretch>
+          </p:blipFill>
+          <p:spPr>
+            <a:xfrm>
+              <a:off x="8997348" y="88700"/>
+              <a:ext cx="1476581" cy="1390844"/>
+            </a:xfrm>
+            <a:prstGeom prst="rect">
+              <a:avLst/>
+            </a:prstGeom>
+          </p:spPr>
+        </p:pic>
+        <p:cxnSp>
+          <p:nvCxnSpPr>
+            <p:cNvPr id="74" name="Straight Connector 73">
+              <a:extLst>
+                <a:ext uri="{FF2B5EF4-FFF2-40B4-BE49-F238E27FC236}">
+                  <a16:creationId xmlns:a16="http://schemas.microsoft.com/office/drawing/2014/main" id="{D6361160-3DED-A822-26FB-9F608A7BF9E8}"/>
+                </a:ext>
+              </a:extLst>
+            </p:cNvPr>
+            <p:cNvCxnSpPr>
+              <a:cxnSpLocks/>
+              <a:stCxn id="3" idx="0"/>
+              <a:endCxn id="72" idx="2"/>
+            </p:cNvCxnSpPr>
+            <p:nvPr/>
+          </p:nvCxnSpPr>
+          <p:spPr>
+            <a:xfrm flipH="1" flipV="1">
+              <a:off x="9735639" y="1479544"/>
+              <a:ext cx="1047375" cy="494455"/>
+            </a:xfrm>
+            <a:prstGeom prst="line">
+              <a:avLst/>
+            </a:prstGeom>
+            <a:ln w="12700">
+              <a:solidFill>
+                <a:schemeClr val="tx1"/>
+              </a:solidFill>
+            </a:ln>
+          </p:spPr>
+          <p:style>
+            <a:lnRef idx="1">
+              <a:schemeClr val="accent1"/>
+            </a:lnRef>
+            <a:fillRef idx="0">
+              <a:schemeClr val="accent1"/>
+            </a:fillRef>
+            <a:effectRef idx="0">
+              <a:schemeClr val="accent1"/>
+            </a:effectRef>
+            <a:fontRef idx="minor">
               <a:schemeClr val="tx1"/>
-            </a:solidFill>
-          </a:ln>
-        </p:spPr>
-        <p:style>
-          <a:lnRef idx="1">
-            <a:schemeClr val="accent1"/>
-          </a:lnRef>
-          <a:fillRef idx="0">
-            <a:schemeClr val="accent1"/>
-          </a:fillRef>
-          <a:effectRef idx="0">
-            <a:schemeClr val="accent1"/>
-          </a:effectRef>
-          <a:fontRef idx="minor">
-            <a:schemeClr val="tx1"/>
-          </a:fontRef>
-        </p:style>
-      </p:cxnSp>
-      <p:cxnSp>
-        <p:nvCxnSpPr>
-          <p:cNvPr id="27" name="Straight Connector 26">
-            <a:extLst>
-              <a:ext uri="{FF2B5EF4-FFF2-40B4-BE49-F238E27FC236}">
-                <a16:creationId xmlns:a16="http://schemas.microsoft.com/office/drawing/2014/main" id="{ECE96A76-516E-6DCF-250C-1B0F738942EF}"/>
-              </a:ext>
-            </a:extLst>
-          </p:cNvPr>
-          <p:cNvCxnSpPr>
-            <a:cxnSpLocks/>
-          </p:cNvCxnSpPr>
-          <p:nvPr/>
-        </p:nvCxnSpPr>
-        <p:spPr>
-          <a:xfrm>
-            <a:off x="2518385" y="3029528"/>
-            <a:ext cx="1" cy="189978"/>
-          </a:xfrm>
-          <a:prstGeom prst="line">
-            <a:avLst/>
-          </a:prstGeom>
-          <a:ln w="12700">
-            <a:solidFill>
+            </a:fontRef>
+          </p:style>
+        </p:cxnSp>
+        <p:sp>
+          <p:nvSpPr>
+            <p:cNvPr id="81" name="Rectangle 80">
+              <a:extLst>
+                <a:ext uri="{FF2B5EF4-FFF2-40B4-BE49-F238E27FC236}">
+                  <a16:creationId xmlns:a16="http://schemas.microsoft.com/office/drawing/2014/main" id="{7EC4549E-37EC-AAA4-6951-BE8927F8EA44}"/>
+                </a:ext>
+              </a:extLst>
+            </p:cNvPr>
+            <p:cNvSpPr/>
+            <p:nvPr/>
+          </p:nvSpPr>
+          <p:spPr>
+            <a:xfrm>
+              <a:off x="8212636" y="3308711"/>
+              <a:ext cx="1248697" cy="243840"/>
+            </a:xfrm>
+            <a:prstGeom prst="rect">
+              <a:avLst/>
+            </a:prstGeom>
+            <a:ln>
+              <a:solidFill>
+                <a:schemeClr val="tx1"/>
+              </a:solidFill>
+            </a:ln>
+          </p:spPr>
+          <p:style>
+            <a:lnRef idx="2">
+              <a:schemeClr val="accent6"/>
+            </a:lnRef>
+            <a:fillRef idx="1">
+              <a:schemeClr val="lt1"/>
+            </a:fillRef>
+            <a:effectRef idx="0">
+              <a:schemeClr val="accent6"/>
+            </a:effectRef>
+            <a:fontRef idx="minor">
+              <a:schemeClr val="dk1"/>
+            </a:fontRef>
+          </p:style>
+          <p:txBody>
+            <a:bodyPr rtlCol="0" anchor="ctr"/>
+            <a:lstStyle/>
+            <a:p>
+              <a:pPr algn="ctr"/>
+              <a:r>
+                <a:rPr lang="en-GB" dirty="0"/>
+                <a:t>300</a:t>
+              </a:r>
+            </a:p>
+          </p:txBody>
+        </p:sp>
+        <p:cxnSp>
+          <p:nvCxnSpPr>
+            <p:cNvPr id="82" name="Straight Connector 81">
+              <a:extLst>
+                <a:ext uri="{FF2B5EF4-FFF2-40B4-BE49-F238E27FC236}">
+                  <a16:creationId xmlns:a16="http://schemas.microsoft.com/office/drawing/2014/main" id="{CC803AED-810F-7E3F-BC58-51DC0F9FB5AE}"/>
+                </a:ext>
+              </a:extLst>
+            </p:cNvPr>
+            <p:cNvCxnSpPr>
+              <a:cxnSpLocks/>
+              <a:stCxn id="45" idx="2"/>
+              <a:endCxn id="81" idx="0"/>
+            </p:cNvCxnSpPr>
+            <p:nvPr/>
+          </p:nvCxnSpPr>
+          <p:spPr>
+            <a:xfrm>
+              <a:off x="8818593" y="2228223"/>
+              <a:ext cx="18392" cy="1080488"/>
+            </a:xfrm>
+            <a:prstGeom prst="line">
+              <a:avLst/>
+            </a:prstGeom>
+            <a:ln w="12700">
+              <a:solidFill>
+                <a:schemeClr val="tx1"/>
+              </a:solidFill>
+            </a:ln>
+          </p:spPr>
+          <p:style>
+            <a:lnRef idx="1">
+              <a:schemeClr val="accent1"/>
+            </a:lnRef>
+            <a:fillRef idx="0">
+              <a:schemeClr val="accent1"/>
+            </a:fillRef>
+            <a:effectRef idx="0">
+              <a:schemeClr val="accent1"/>
+            </a:effectRef>
+            <a:fontRef idx="minor">
               <a:schemeClr val="tx1"/>
-            </a:solidFill>
-          </a:ln>
-        </p:spPr>
-        <p:style>
-          <a:lnRef idx="1">
-            <a:schemeClr val="accent1"/>
-          </a:lnRef>
-          <a:fillRef idx="0">
-            <a:schemeClr val="accent1"/>
-          </a:fillRef>
-          <a:effectRef idx="0">
-            <a:schemeClr val="accent1"/>
-          </a:effectRef>
-          <a:fontRef idx="minor">
-            <a:schemeClr val="tx1"/>
-          </a:fontRef>
-        </p:style>
-      </p:cxnSp>
-      <p:cxnSp>
-        <p:nvCxnSpPr>
-          <p:cNvPr id="28" name="Straight Connector 27">
-            <a:extLst>
-              <a:ext uri="{FF2B5EF4-FFF2-40B4-BE49-F238E27FC236}">
-                <a16:creationId xmlns:a16="http://schemas.microsoft.com/office/drawing/2014/main" id="{3FDE3318-A790-35DB-4C90-97D8D299E7B5}"/>
-              </a:ext>
-            </a:extLst>
-          </p:cNvPr>
-          <p:cNvCxnSpPr>
-            <a:cxnSpLocks/>
-          </p:cNvCxnSpPr>
-          <p:nvPr/>
-        </p:nvCxnSpPr>
-        <p:spPr>
-          <a:xfrm>
-            <a:off x="2518384" y="3462829"/>
-            <a:ext cx="1" cy="189978"/>
-          </a:xfrm>
-          <a:prstGeom prst="line">
-            <a:avLst/>
-          </a:prstGeom>
-          <a:ln w="12700">
-            <a:solidFill>
+            </a:fontRef>
+          </p:style>
+        </p:cxnSp>
+        <p:sp>
+          <p:nvSpPr>
+            <p:cNvPr id="84" name="Rectangle 83">
+              <a:extLst>
+                <a:ext uri="{FF2B5EF4-FFF2-40B4-BE49-F238E27FC236}">
+                  <a16:creationId xmlns:a16="http://schemas.microsoft.com/office/drawing/2014/main" id="{958FC74B-EED9-0A1C-FE81-8F25A4C3F98D}"/>
+                </a:ext>
+              </a:extLst>
+            </p:cNvPr>
+            <p:cNvSpPr/>
+            <p:nvPr/>
+          </p:nvSpPr>
+          <p:spPr>
+            <a:xfrm>
+              <a:off x="10158665" y="3307080"/>
+              <a:ext cx="1248697" cy="243840"/>
+            </a:xfrm>
+            <a:prstGeom prst="rect">
+              <a:avLst/>
+            </a:prstGeom>
+            <a:ln>
+              <a:solidFill>
+                <a:schemeClr val="tx1"/>
+              </a:solidFill>
+            </a:ln>
+          </p:spPr>
+          <p:style>
+            <a:lnRef idx="2">
+              <a:schemeClr val="accent6"/>
+            </a:lnRef>
+            <a:fillRef idx="1">
+              <a:schemeClr val="lt1"/>
+            </a:fillRef>
+            <a:effectRef idx="0">
+              <a:schemeClr val="accent6"/>
+            </a:effectRef>
+            <a:fontRef idx="minor">
+              <a:schemeClr val="dk1"/>
+            </a:fontRef>
+          </p:style>
+          <p:txBody>
+            <a:bodyPr rtlCol="0" anchor="ctr"/>
+            <a:lstStyle/>
+            <a:p>
+              <a:pPr algn="ctr"/>
+              <a:r>
+                <a:rPr lang="en-GB" dirty="0"/>
+                <a:t>300 (x </a:t>
+              </a:r>
+              <a:r>
+                <a:rPr lang="en-GB" sz="1200" dirty="0"/>
+                <a:t>1x1</a:t>
+              </a:r>
+              <a:r>
+                <a:rPr lang="en-GB" dirty="0"/>
+                <a:t>)</a:t>
+              </a:r>
+            </a:p>
+          </p:txBody>
+        </p:sp>
+        <p:cxnSp>
+          <p:nvCxnSpPr>
+            <p:cNvPr id="86" name="Straight Connector 85">
+              <a:extLst>
+                <a:ext uri="{FF2B5EF4-FFF2-40B4-BE49-F238E27FC236}">
+                  <a16:creationId xmlns:a16="http://schemas.microsoft.com/office/drawing/2014/main" id="{861EDD92-9750-5CB8-8E35-6F841F9B802F}"/>
+                </a:ext>
+              </a:extLst>
+            </p:cNvPr>
+            <p:cNvCxnSpPr>
+              <a:stCxn id="84" idx="2"/>
+              <a:endCxn id="46" idx="0"/>
+            </p:cNvCxnSpPr>
+            <p:nvPr/>
+          </p:nvCxnSpPr>
+          <p:spPr>
+            <a:xfrm flipH="1">
+              <a:off x="8836988" y="3550920"/>
+              <a:ext cx="1946026" cy="137335"/>
+            </a:xfrm>
+            <a:prstGeom prst="line">
+              <a:avLst/>
+            </a:prstGeom>
+            <a:ln>
+              <a:solidFill>
+                <a:schemeClr val="tx1"/>
+              </a:solidFill>
+            </a:ln>
+          </p:spPr>
+          <p:style>
+            <a:lnRef idx="1">
+              <a:schemeClr val="accent1"/>
+            </a:lnRef>
+            <a:fillRef idx="0">
+              <a:schemeClr val="accent1"/>
+            </a:fillRef>
+            <a:effectRef idx="0">
+              <a:schemeClr val="accent1"/>
+            </a:effectRef>
+            <a:fontRef idx="minor">
               <a:schemeClr val="tx1"/>
-            </a:solidFill>
-          </a:ln>
-        </p:spPr>
-        <p:style>
-          <a:lnRef idx="1">
-            <a:schemeClr val="accent1"/>
-          </a:lnRef>
-          <a:fillRef idx="0">
-            <a:schemeClr val="accent1"/>
-          </a:fillRef>
-          <a:effectRef idx="0">
-            <a:schemeClr val="accent1"/>
-          </a:effectRef>
-          <a:fontRef idx="minor">
-            <a:schemeClr val="tx1"/>
-          </a:fontRef>
-        </p:style>
-      </p:cxnSp>
-      <p:cxnSp>
-        <p:nvCxnSpPr>
-          <p:cNvPr id="30" name="Straight Arrow Connector 29">
-            <a:extLst>
-              <a:ext uri="{FF2B5EF4-FFF2-40B4-BE49-F238E27FC236}">
-                <a16:creationId xmlns:a16="http://schemas.microsoft.com/office/drawing/2014/main" id="{1F4F379F-6F35-85E3-ABDC-1D49CD5ED3EF}"/>
-              </a:ext>
-            </a:extLst>
-          </p:cNvPr>
-          <p:cNvCxnSpPr>
-            <a:cxnSpLocks/>
-            <a:stCxn id="14" idx="2"/>
-          </p:cNvCxnSpPr>
-          <p:nvPr/>
-        </p:nvCxnSpPr>
-        <p:spPr>
-          <a:xfrm flipH="1">
-            <a:off x="2518383" y="3896130"/>
-            <a:ext cx="1" cy="361238"/>
-          </a:xfrm>
-          <a:prstGeom prst="straightConnector1">
-            <a:avLst/>
-          </a:prstGeom>
-          <a:ln>
-            <a:solidFill>
+            </a:fontRef>
+          </p:style>
+        </p:cxnSp>
+        <p:sp>
+          <p:nvSpPr>
+            <p:cNvPr id="87" name="Rectangle 86">
+              <a:extLst>
+                <a:ext uri="{FF2B5EF4-FFF2-40B4-BE49-F238E27FC236}">
+                  <a16:creationId xmlns:a16="http://schemas.microsoft.com/office/drawing/2014/main" id="{E4C2149E-416F-B926-5CA6-C2574F6A1B14}"/>
+                </a:ext>
+              </a:extLst>
+            </p:cNvPr>
+            <p:cNvSpPr/>
+            <p:nvPr/>
+          </p:nvSpPr>
+          <p:spPr>
+            <a:xfrm>
+              <a:off x="8660005" y="5590411"/>
+              <a:ext cx="380154" cy="361238"/>
+            </a:xfrm>
+            <a:prstGeom prst="rect">
+              <a:avLst/>
+            </a:prstGeom>
+          </p:spPr>
+          <p:style>
+            <a:lnRef idx="2">
+              <a:schemeClr val="accent1">
+                <a:shade val="50000"/>
+              </a:schemeClr>
+            </a:lnRef>
+            <a:fillRef idx="1">
+              <a:schemeClr val="accent1"/>
+            </a:fillRef>
+            <a:effectRef idx="0">
+              <a:schemeClr val="accent1"/>
+            </a:effectRef>
+            <a:fontRef idx="minor">
+              <a:schemeClr val="lt1"/>
+            </a:fontRef>
+          </p:style>
+          <p:txBody>
+            <a:bodyPr rtlCol="0" anchor="ctr"/>
+            <a:lstStyle/>
+            <a:p>
+              <a:pPr algn="ctr"/>
+              <a:r>
+                <a:rPr lang="en-GB" dirty="0"/>
+                <a:t>h</a:t>
+              </a:r>
+            </a:p>
+          </p:txBody>
+        </p:sp>
+        <p:sp>
+          <p:nvSpPr>
+            <p:cNvPr id="3" name="Rectangle 2">
+              <a:extLst>
+                <a:ext uri="{FF2B5EF4-FFF2-40B4-BE49-F238E27FC236}">
+                  <a16:creationId xmlns:a16="http://schemas.microsoft.com/office/drawing/2014/main" id="{61E8420C-EBFB-8394-2C28-98FCEE391E8F}"/>
+                </a:ext>
+              </a:extLst>
+            </p:cNvPr>
+            <p:cNvSpPr/>
+            <p:nvPr/>
+          </p:nvSpPr>
+          <p:spPr>
+            <a:xfrm>
+              <a:off x="10158665" y="1973999"/>
+              <a:ext cx="1248697" cy="386799"/>
+            </a:xfrm>
+            <a:prstGeom prst="rect">
+              <a:avLst/>
+            </a:prstGeom>
+            <a:ln>
+              <a:solidFill>
+                <a:schemeClr val="tx1"/>
+              </a:solidFill>
+            </a:ln>
+          </p:spPr>
+          <p:style>
+            <a:lnRef idx="2">
+              <a:schemeClr val="accent6"/>
+            </a:lnRef>
+            <a:fillRef idx="1">
+              <a:schemeClr val="lt1"/>
+            </a:fillRef>
+            <a:effectRef idx="0">
+              <a:schemeClr val="accent6"/>
+            </a:effectRef>
+            <a:fontRef idx="minor">
+              <a:schemeClr val="dk1"/>
+            </a:fontRef>
+          </p:style>
+          <p:txBody>
+            <a:bodyPr rtlCol="0" anchor="ctr"/>
+            <a:lstStyle/>
+            <a:p>
+              <a:pPr algn="ctr"/>
+              <a:r>
+                <a:rPr lang="en-GB" dirty="0"/>
+                <a:t>9 x </a:t>
+              </a:r>
+              <a:r>
+                <a:rPr lang="en-GB" sz="1200" dirty="0"/>
+                <a:t>3x3</a:t>
+              </a:r>
+            </a:p>
+          </p:txBody>
+        </p:sp>
+        <p:sp>
+          <p:nvSpPr>
+            <p:cNvPr id="25" name="TextBox 24">
+              <a:extLst>
+                <a:ext uri="{FF2B5EF4-FFF2-40B4-BE49-F238E27FC236}">
+                  <a16:creationId xmlns:a16="http://schemas.microsoft.com/office/drawing/2014/main" id="{24D24172-B391-9E07-138B-E86F77A7561F}"/>
+                </a:ext>
+              </a:extLst>
+            </p:cNvPr>
+            <p:cNvSpPr txBox="1"/>
+            <p:nvPr/>
+          </p:nvSpPr>
+          <p:spPr>
+            <a:xfrm>
+              <a:off x="9244579" y="1649641"/>
+              <a:ext cx="1364905" cy="246221"/>
+            </a:xfrm>
+            <a:prstGeom prst="rect">
+              <a:avLst/>
+            </a:prstGeom>
+            <a:noFill/>
+          </p:spPr>
+          <p:txBody>
+            <a:bodyPr wrap="square" rtlCol="0">
+              <a:spAutoFit/>
+            </a:bodyPr>
+            <a:lstStyle/>
+            <a:p>
+              <a:r>
+                <a:rPr lang="en-GB" sz="1000" dirty="0"/>
+                <a:t>one hot encoding</a:t>
+              </a:r>
+            </a:p>
+          </p:txBody>
+        </p:sp>
+        <p:sp>
+          <p:nvSpPr>
+            <p:cNvPr id="31" name="Rectangle 30">
+              <a:extLst>
+                <a:ext uri="{FF2B5EF4-FFF2-40B4-BE49-F238E27FC236}">
+                  <a16:creationId xmlns:a16="http://schemas.microsoft.com/office/drawing/2014/main" id="{216313E2-28AF-C8FF-AA65-21BFB8766B81}"/>
+                </a:ext>
+              </a:extLst>
+            </p:cNvPr>
+            <p:cNvSpPr/>
+            <p:nvPr/>
+          </p:nvSpPr>
+          <p:spPr>
+            <a:xfrm>
+              <a:off x="10158665" y="2627062"/>
+              <a:ext cx="1248697" cy="382918"/>
+            </a:xfrm>
+            <a:prstGeom prst="rect">
+              <a:avLst/>
+            </a:prstGeom>
+            <a:ln>
+              <a:solidFill>
+                <a:schemeClr val="tx1"/>
+              </a:solidFill>
+            </a:ln>
+          </p:spPr>
+          <p:style>
+            <a:lnRef idx="2">
+              <a:schemeClr val="accent6"/>
+            </a:lnRef>
+            <a:fillRef idx="1">
+              <a:schemeClr val="lt1"/>
+            </a:fillRef>
+            <a:effectRef idx="0">
+              <a:schemeClr val="accent6"/>
+            </a:effectRef>
+            <a:fontRef idx="minor">
+              <a:schemeClr val="dk1"/>
+            </a:fontRef>
+          </p:style>
+          <p:txBody>
+            <a:bodyPr rtlCol="0" anchor="ctr"/>
+            <a:lstStyle/>
+            <a:p>
+              <a:pPr algn="ctr"/>
+              <a:r>
+                <a:rPr lang="en-GB" dirty="0"/>
+                <a:t>81 x </a:t>
+              </a:r>
+              <a:r>
+                <a:rPr lang="en-GB" sz="1200" dirty="0"/>
+                <a:t>2x2</a:t>
+              </a:r>
+            </a:p>
+          </p:txBody>
+        </p:sp>
+        <p:cxnSp>
+          <p:nvCxnSpPr>
+            <p:cNvPr id="65" name="Straight Connector 64">
+              <a:extLst>
+                <a:ext uri="{FF2B5EF4-FFF2-40B4-BE49-F238E27FC236}">
+                  <a16:creationId xmlns:a16="http://schemas.microsoft.com/office/drawing/2014/main" id="{A67F7745-737D-C07B-628A-FD2A9634B8F8}"/>
+                </a:ext>
+              </a:extLst>
+            </p:cNvPr>
+            <p:cNvCxnSpPr>
+              <a:cxnSpLocks/>
+              <a:stCxn id="31" idx="2"/>
+              <a:endCxn id="84" idx="0"/>
+            </p:cNvCxnSpPr>
+            <p:nvPr/>
+          </p:nvCxnSpPr>
+          <p:spPr>
+            <a:xfrm>
+              <a:off x="10783014" y="3009980"/>
+              <a:ext cx="0" cy="297100"/>
+            </a:xfrm>
+            <a:prstGeom prst="line">
+              <a:avLst/>
+            </a:prstGeom>
+            <a:ln w="12700">
+              <a:solidFill>
+                <a:schemeClr val="tx1"/>
+              </a:solidFill>
+            </a:ln>
+          </p:spPr>
+          <p:style>
+            <a:lnRef idx="1">
+              <a:schemeClr val="accent1"/>
+            </a:lnRef>
+            <a:fillRef idx="0">
+              <a:schemeClr val="accent1"/>
+            </a:fillRef>
+            <a:effectRef idx="0">
+              <a:schemeClr val="accent1"/>
+            </a:effectRef>
+            <a:fontRef idx="minor">
               <a:schemeClr val="tx1"/>
-            </a:solidFill>
-            <a:tailEnd type="triangle"/>
-          </a:ln>
-        </p:spPr>
-        <p:style>
-          <a:lnRef idx="1">
-            <a:schemeClr val="accent1"/>
-          </a:lnRef>
-          <a:fillRef idx="0">
-            <a:schemeClr val="accent1"/>
-          </a:fillRef>
-          <a:effectRef idx="0">
-            <a:schemeClr val="accent1"/>
-          </a:effectRef>
-          <a:fontRef idx="minor">
-            <a:schemeClr val="tx1"/>
-          </a:fontRef>
-        </p:style>
-      </p:cxnSp>
-      <p:pic>
-        <p:nvPicPr>
-          <p:cNvPr id="32" name="Picture 31" descr="A picture containing PowerPoint&#10;&#10;Description automatically generated">
-            <a:extLst>
-              <a:ext uri="{FF2B5EF4-FFF2-40B4-BE49-F238E27FC236}">
-                <a16:creationId xmlns:a16="http://schemas.microsoft.com/office/drawing/2014/main" id="{33EEFE6C-3A39-0474-41F4-9ED240FB353B}"/>
-              </a:ext>
-            </a:extLst>
-          </p:cNvPr>
-          <p:cNvPicPr>
-            <a:picLocks noChangeAspect="1"/>
-          </p:cNvPicPr>
-          <p:nvPr/>
-        </p:nvPicPr>
-        <p:blipFill>
-          <a:blip r:embed="rId2">
-            <a:extLst>
-              <a:ext uri="{28A0092B-C50C-407E-A947-70E740481C1C}">
-                <a14:useLocalDpi xmlns:a14="http://schemas.microsoft.com/office/drawing/2010/main" val="0"/>
-              </a:ext>
-            </a:extLst>
-          </a:blip>
-          <a:stretch>
-            <a:fillRect/>
-          </a:stretch>
-        </p:blipFill>
-        <p:spPr>
-          <a:xfrm>
-            <a:off x="4530419" y="237271"/>
-            <a:ext cx="2278419" cy="1604194"/>
-          </a:xfrm>
-          <a:prstGeom prst="rect">
-            <a:avLst/>
-          </a:prstGeom>
-        </p:spPr>
-      </p:pic>
-      <p:sp>
-        <p:nvSpPr>
-          <p:cNvPr id="33" name="Rectangle 32">
-            <a:extLst>
-              <a:ext uri="{FF2B5EF4-FFF2-40B4-BE49-F238E27FC236}">
-                <a16:creationId xmlns:a16="http://schemas.microsoft.com/office/drawing/2014/main" id="{C19DCA45-5899-9596-898B-57459DAD804F}"/>
-              </a:ext>
-            </a:extLst>
-          </p:cNvPr>
-          <p:cNvSpPr/>
-          <p:nvPr/>
-        </p:nvSpPr>
-        <p:spPr>
-          <a:xfrm>
-            <a:off x="5045276" y="1984383"/>
-            <a:ext cx="1248697" cy="243840"/>
-          </a:xfrm>
-          <a:prstGeom prst="rect">
-            <a:avLst/>
-          </a:prstGeom>
-          <a:ln>
-            <a:solidFill>
+            </a:fontRef>
+          </p:style>
+        </p:cxnSp>
+        <p:cxnSp>
+          <p:nvCxnSpPr>
+            <p:cNvPr id="68" name="Straight Connector 67">
+              <a:extLst>
+                <a:ext uri="{FF2B5EF4-FFF2-40B4-BE49-F238E27FC236}">
+                  <a16:creationId xmlns:a16="http://schemas.microsoft.com/office/drawing/2014/main" id="{BF231881-328C-BAC5-552F-7817DA3F7D26}"/>
+                </a:ext>
+              </a:extLst>
+            </p:cNvPr>
+            <p:cNvCxnSpPr>
+              <a:cxnSpLocks/>
+            </p:cNvCxnSpPr>
+            <p:nvPr/>
+          </p:nvCxnSpPr>
+          <p:spPr>
+            <a:xfrm>
+              <a:off x="10780038" y="2353993"/>
+              <a:ext cx="1" cy="271467"/>
+            </a:xfrm>
+            <a:prstGeom prst="line">
+              <a:avLst/>
+            </a:prstGeom>
+            <a:ln w="12700">
+              <a:solidFill>
+                <a:schemeClr val="tx1"/>
+              </a:solidFill>
+            </a:ln>
+          </p:spPr>
+          <p:style>
+            <a:lnRef idx="1">
+              <a:schemeClr val="accent1"/>
+            </a:lnRef>
+            <a:fillRef idx="0">
+              <a:schemeClr val="accent1"/>
+            </a:fillRef>
+            <a:effectRef idx="0">
+              <a:schemeClr val="accent1"/>
+            </a:effectRef>
+            <a:fontRef idx="minor">
               <a:schemeClr val="tx1"/>
-            </a:solidFill>
-          </a:ln>
-        </p:spPr>
-        <p:style>
-          <a:lnRef idx="2">
-            <a:schemeClr val="accent6"/>
-          </a:lnRef>
-          <a:fillRef idx="1">
-            <a:schemeClr val="lt1"/>
-          </a:fillRef>
-          <a:effectRef idx="0">
-            <a:schemeClr val="accent6"/>
-          </a:effectRef>
-          <a:fontRef idx="minor">
-            <a:schemeClr val="dk1"/>
-          </a:fontRef>
-        </p:style>
-        <p:txBody>
-          <a:bodyPr rtlCol="0" anchor="ctr"/>
-          <a:lstStyle/>
-          <a:p>
-            <a:pPr algn="ctr"/>
-            <a:r>
-              <a:rPr lang="en-GB" dirty="0"/>
-              <a:t>144</a:t>
-            </a:r>
-          </a:p>
-        </p:txBody>
-      </p:sp>
-      <p:sp>
-        <p:nvSpPr>
-          <p:cNvPr id="34" name="Rectangle 33">
-            <a:extLst>
-              <a:ext uri="{FF2B5EF4-FFF2-40B4-BE49-F238E27FC236}">
-                <a16:creationId xmlns:a16="http://schemas.microsoft.com/office/drawing/2014/main" id="{5EAA28F5-8003-518C-E1FF-FDC915D6280A}"/>
-              </a:ext>
-            </a:extLst>
-          </p:cNvPr>
-          <p:cNvSpPr/>
-          <p:nvPr/>
-        </p:nvSpPr>
-        <p:spPr>
-          <a:xfrm>
-            <a:off x="4530414" y="2352386"/>
-            <a:ext cx="2278419" cy="243840"/>
-          </a:xfrm>
-          <a:prstGeom prst="rect">
-            <a:avLst/>
-          </a:prstGeom>
-          <a:ln>
-            <a:solidFill>
-              <a:schemeClr val="tx1"/>
-            </a:solidFill>
-          </a:ln>
-        </p:spPr>
-        <p:style>
-          <a:lnRef idx="2">
-            <a:schemeClr val="accent6"/>
-          </a:lnRef>
-          <a:fillRef idx="1">
-            <a:schemeClr val="lt1"/>
-          </a:fillRef>
-          <a:effectRef idx="0">
-            <a:schemeClr val="accent6"/>
-          </a:effectRef>
-          <a:fontRef idx="minor">
-            <a:schemeClr val="dk1"/>
-          </a:fontRef>
-        </p:style>
-        <p:txBody>
-          <a:bodyPr rtlCol="0" anchor="ctr"/>
-          <a:lstStyle/>
-          <a:p>
-            <a:pPr algn="ctr"/>
-            <a:r>
-              <a:rPr lang="en-GB" dirty="0"/>
-              <a:t>600</a:t>
-            </a:r>
-          </a:p>
-        </p:txBody>
-      </p:sp>
-      <p:sp>
-        <p:nvSpPr>
-          <p:cNvPr id="35" name="Rectangle 34">
-            <a:extLst>
-              <a:ext uri="{FF2B5EF4-FFF2-40B4-BE49-F238E27FC236}">
-                <a16:creationId xmlns:a16="http://schemas.microsoft.com/office/drawing/2014/main" id="{99C032E3-1C95-7050-2FB2-F98065E40177}"/>
-              </a:ext>
-            </a:extLst>
-          </p:cNvPr>
-          <p:cNvSpPr/>
-          <p:nvPr/>
-        </p:nvSpPr>
-        <p:spPr>
-          <a:xfrm>
-            <a:off x="5045276" y="2786204"/>
-            <a:ext cx="1248697" cy="243840"/>
-          </a:xfrm>
-          <a:prstGeom prst="rect">
-            <a:avLst/>
-          </a:prstGeom>
-          <a:ln>
-            <a:solidFill>
-              <a:schemeClr val="tx1"/>
-            </a:solidFill>
-          </a:ln>
-        </p:spPr>
-        <p:style>
-          <a:lnRef idx="2">
-            <a:schemeClr val="accent6"/>
-          </a:lnRef>
-          <a:fillRef idx="1">
-            <a:schemeClr val="lt1"/>
-          </a:fillRef>
-          <a:effectRef idx="0">
-            <a:schemeClr val="accent6"/>
-          </a:effectRef>
-          <a:fontRef idx="minor">
-            <a:schemeClr val="dk1"/>
-          </a:fontRef>
-        </p:style>
-        <p:txBody>
-          <a:bodyPr rtlCol="0" anchor="ctr"/>
-          <a:lstStyle/>
-          <a:p>
-            <a:pPr algn="ctr"/>
-            <a:r>
-              <a:rPr lang="en-GB" dirty="0"/>
-              <a:t>300</a:t>
-            </a:r>
-          </a:p>
-        </p:txBody>
-      </p:sp>
-      <p:sp>
-        <p:nvSpPr>
-          <p:cNvPr id="36" name="Rectangle 35">
-            <a:extLst>
-              <a:ext uri="{FF2B5EF4-FFF2-40B4-BE49-F238E27FC236}">
-                <a16:creationId xmlns:a16="http://schemas.microsoft.com/office/drawing/2014/main" id="{FCA78C3A-BA2E-B04F-56CE-AAB7CE46D44C}"/>
-              </a:ext>
-            </a:extLst>
-          </p:cNvPr>
-          <p:cNvSpPr/>
-          <p:nvPr/>
-        </p:nvSpPr>
-        <p:spPr>
-          <a:xfrm>
-            <a:off x="4530414" y="3203165"/>
-            <a:ext cx="993058" cy="243840"/>
-          </a:xfrm>
-          <a:prstGeom prst="rect">
-            <a:avLst/>
-          </a:prstGeom>
-          <a:ln>
-            <a:solidFill>
-              <a:schemeClr val="tx1"/>
-            </a:solidFill>
-          </a:ln>
-        </p:spPr>
-        <p:style>
-          <a:lnRef idx="2">
-            <a:schemeClr val="accent6"/>
-          </a:lnRef>
-          <a:fillRef idx="1">
-            <a:schemeClr val="lt1"/>
-          </a:fillRef>
-          <a:effectRef idx="0">
-            <a:schemeClr val="accent6"/>
-          </a:effectRef>
-          <a:fontRef idx="minor">
-            <a:schemeClr val="dk1"/>
-          </a:fontRef>
-        </p:style>
-        <p:txBody>
-          <a:bodyPr rtlCol="0" anchor="ctr"/>
-          <a:lstStyle/>
-          <a:p>
-            <a:pPr algn="ctr"/>
-            <a:r>
-              <a:rPr lang="en-GB" dirty="0"/>
-              <a:t>100</a:t>
-            </a:r>
-          </a:p>
-        </p:txBody>
-      </p:sp>
-      <p:sp>
-        <p:nvSpPr>
-          <p:cNvPr id="37" name="Rectangle 36">
-            <a:extLst>
-              <a:ext uri="{FF2B5EF4-FFF2-40B4-BE49-F238E27FC236}">
-                <a16:creationId xmlns:a16="http://schemas.microsoft.com/office/drawing/2014/main" id="{4FC26025-E790-066D-7C77-46319A8A67D5}"/>
-              </a:ext>
-            </a:extLst>
-          </p:cNvPr>
-          <p:cNvSpPr/>
-          <p:nvPr/>
-        </p:nvSpPr>
-        <p:spPr>
-          <a:xfrm>
-            <a:off x="4771304" y="3636466"/>
-            <a:ext cx="511276" cy="243840"/>
-          </a:xfrm>
-          <a:prstGeom prst="rect">
-            <a:avLst/>
-          </a:prstGeom>
-          <a:ln>
-            <a:solidFill>
-              <a:schemeClr val="tx1"/>
-            </a:solidFill>
-          </a:ln>
-        </p:spPr>
-        <p:style>
-          <a:lnRef idx="2">
-            <a:schemeClr val="accent6"/>
-          </a:lnRef>
-          <a:fillRef idx="1">
-            <a:schemeClr val="lt1"/>
-          </a:fillRef>
-          <a:effectRef idx="0">
-            <a:schemeClr val="accent6"/>
-          </a:effectRef>
-          <a:fontRef idx="minor">
-            <a:schemeClr val="dk1"/>
-          </a:fontRef>
-        </p:style>
-        <p:txBody>
-          <a:bodyPr rtlCol="0" anchor="ctr"/>
-          <a:lstStyle/>
-          <a:p>
-            <a:pPr algn="ctr"/>
-            <a:r>
-              <a:rPr lang="en-GB" dirty="0"/>
-              <a:t>12</a:t>
-            </a:r>
-          </a:p>
-        </p:txBody>
-      </p:sp>
-      <p:cxnSp>
-        <p:nvCxnSpPr>
-          <p:cNvPr id="38" name="Straight Connector 37">
-            <a:extLst>
-              <a:ext uri="{FF2B5EF4-FFF2-40B4-BE49-F238E27FC236}">
-                <a16:creationId xmlns:a16="http://schemas.microsoft.com/office/drawing/2014/main" id="{BF9B25CB-DA9A-6D01-3911-5E5E8AFF5D7A}"/>
-              </a:ext>
-            </a:extLst>
-          </p:cNvPr>
-          <p:cNvCxnSpPr>
-            <a:cxnSpLocks/>
-            <a:stCxn id="32" idx="2"/>
-            <a:endCxn id="33" idx="0"/>
-          </p:cNvCxnSpPr>
-          <p:nvPr/>
-        </p:nvCxnSpPr>
-        <p:spPr>
-          <a:xfrm flipH="1">
-            <a:off x="5669625" y="1841465"/>
-            <a:ext cx="4" cy="142918"/>
-          </a:xfrm>
-          <a:prstGeom prst="line">
-            <a:avLst/>
-          </a:prstGeom>
-          <a:ln w="12700">
-            <a:solidFill>
-              <a:schemeClr val="tx1"/>
-            </a:solidFill>
-          </a:ln>
-        </p:spPr>
-        <p:style>
-          <a:lnRef idx="1">
-            <a:schemeClr val="accent1"/>
-          </a:lnRef>
-          <a:fillRef idx="0">
-            <a:schemeClr val="accent1"/>
-          </a:fillRef>
-          <a:effectRef idx="0">
-            <a:schemeClr val="accent1"/>
-          </a:effectRef>
-          <a:fontRef idx="minor">
-            <a:schemeClr val="tx1"/>
-          </a:fontRef>
-        </p:style>
-      </p:cxnSp>
-      <p:cxnSp>
-        <p:nvCxnSpPr>
-          <p:cNvPr id="39" name="Straight Connector 38">
-            <a:extLst>
-              <a:ext uri="{FF2B5EF4-FFF2-40B4-BE49-F238E27FC236}">
-                <a16:creationId xmlns:a16="http://schemas.microsoft.com/office/drawing/2014/main" id="{433DB2E9-5E00-1877-433C-ED8A4E6CEC53}"/>
-              </a:ext>
-            </a:extLst>
-          </p:cNvPr>
-          <p:cNvCxnSpPr>
-            <a:cxnSpLocks/>
-            <a:stCxn id="33" idx="2"/>
-            <a:endCxn id="34" idx="0"/>
-          </p:cNvCxnSpPr>
-          <p:nvPr/>
-        </p:nvCxnSpPr>
-        <p:spPr>
-          <a:xfrm flipH="1">
-            <a:off x="5669624" y="2228223"/>
-            <a:ext cx="1" cy="124163"/>
-          </a:xfrm>
-          <a:prstGeom prst="line">
-            <a:avLst/>
-          </a:prstGeom>
-          <a:ln w="12700">
-            <a:solidFill>
-              <a:schemeClr val="tx1"/>
-            </a:solidFill>
-          </a:ln>
-        </p:spPr>
-        <p:style>
-          <a:lnRef idx="1">
-            <a:schemeClr val="accent1"/>
-          </a:lnRef>
-          <a:fillRef idx="0">
-            <a:schemeClr val="accent1"/>
-          </a:fillRef>
-          <a:effectRef idx="0">
-            <a:schemeClr val="accent1"/>
-          </a:effectRef>
-          <a:fontRef idx="minor">
-            <a:schemeClr val="tx1"/>
-          </a:fontRef>
-        </p:style>
-      </p:cxnSp>
-      <p:cxnSp>
-        <p:nvCxnSpPr>
-          <p:cNvPr id="40" name="Straight Connector 39">
-            <a:extLst>
-              <a:ext uri="{FF2B5EF4-FFF2-40B4-BE49-F238E27FC236}">
-                <a16:creationId xmlns:a16="http://schemas.microsoft.com/office/drawing/2014/main" id="{05C2F0FD-0F94-87FD-9998-F7A6E6123896}"/>
-              </a:ext>
-            </a:extLst>
-          </p:cNvPr>
-          <p:cNvCxnSpPr>
-            <a:cxnSpLocks/>
-            <a:stCxn id="34" idx="2"/>
-            <a:endCxn id="35" idx="0"/>
-          </p:cNvCxnSpPr>
-          <p:nvPr/>
-        </p:nvCxnSpPr>
-        <p:spPr>
-          <a:xfrm>
-            <a:off x="5669624" y="2596226"/>
-            <a:ext cx="1" cy="189978"/>
-          </a:xfrm>
-          <a:prstGeom prst="line">
-            <a:avLst/>
-          </a:prstGeom>
-          <a:ln w="12700">
-            <a:solidFill>
-              <a:schemeClr val="tx1"/>
-            </a:solidFill>
-          </a:ln>
-        </p:spPr>
-        <p:style>
-          <a:lnRef idx="1">
-            <a:schemeClr val="accent1"/>
-          </a:lnRef>
-          <a:fillRef idx="0">
-            <a:schemeClr val="accent1"/>
-          </a:fillRef>
-          <a:effectRef idx="0">
-            <a:schemeClr val="accent1"/>
-          </a:effectRef>
-          <a:fontRef idx="minor">
-            <a:schemeClr val="tx1"/>
-          </a:fontRef>
-        </p:style>
-      </p:cxnSp>
-      <p:cxnSp>
-        <p:nvCxnSpPr>
-          <p:cNvPr id="41" name="Straight Connector 40">
-            <a:extLst>
-              <a:ext uri="{FF2B5EF4-FFF2-40B4-BE49-F238E27FC236}">
-                <a16:creationId xmlns:a16="http://schemas.microsoft.com/office/drawing/2014/main" id="{D3A3B292-25BF-0F6D-B98E-1B662C823E1B}"/>
-              </a:ext>
-            </a:extLst>
-          </p:cNvPr>
-          <p:cNvCxnSpPr>
-            <a:cxnSpLocks/>
-            <a:endCxn id="36" idx="0"/>
-          </p:cNvCxnSpPr>
-          <p:nvPr/>
-        </p:nvCxnSpPr>
-        <p:spPr>
-          <a:xfrm flipH="1">
-            <a:off x="5026943" y="3029528"/>
-            <a:ext cx="642680" cy="173637"/>
-          </a:xfrm>
-          <a:prstGeom prst="line">
-            <a:avLst/>
-          </a:prstGeom>
-          <a:ln w="12700">
-            <a:solidFill>
-              <a:schemeClr val="tx1"/>
-            </a:solidFill>
-          </a:ln>
-        </p:spPr>
-        <p:style>
-          <a:lnRef idx="1">
-            <a:schemeClr val="accent1"/>
-          </a:lnRef>
-          <a:fillRef idx="0">
-            <a:schemeClr val="accent1"/>
-          </a:fillRef>
-          <a:effectRef idx="0">
-            <a:schemeClr val="accent1"/>
-          </a:effectRef>
-          <a:fontRef idx="minor">
-            <a:schemeClr val="tx1"/>
-          </a:fontRef>
-        </p:style>
-      </p:cxnSp>
-      <p:cxnSp>
-        <p:nvCxnSpPr>
-          <p:cNvPr id="42" name="Straight Connector 41">
-            <a:extLst>
-              <a:ext uri="{FF2B5EF4-FFF2-40B4-BE49-F238E27FC236}">
-                <a16:creationId xmlns:a16="http://schemas.microsoft.com/office/drawing/2014/main" id="{3642E9B0-31AB-4C04-4C73-A03A2354DE4A}"/>
-              </a:ext>
-            </a:extLst>
-          </p:cNvPr>
-          <p:cNvCxnSpPr>
-            <a:cxnSpLocks/>
-          </p:cNvCxnSpPr>
-          <p:nvPr/>
-        </p:nvCxnSpPr>
-        <p:spPr>
-          <a:xfrm>
-            <a:off x="5026942" y="3447005"/>
-            <a:ext cx="1" cy="189978"/>
-          </a:xfrm>
-          <a:prstGeom prst="line">
-            <a:avLst/>
-          </a:prstGeom>
-          <a:ln w="12700">
-            <a:solidFill>
-              <a:schemeClr val="tx1"/>
-            </a:solidFill>
-          </a:ln>
-        </p:spPr>
-        <p:style>
-          <a:lnRef idx="1">
-            <a:schemeClr val="accent1"/>
-          </a:lnRef>
-          <a:fillRef idx="0">
-            <a:schemeClr val="accent1"/>
-          </a:fillRef>
-          <a:effectRef idx="0">
-            <a:schemeClr val="accent1"/>
-          </a:effectRef>
-          <a:fontRef idx="minor">
-            <a:schemeClr val="tx1"/>
-          </a:fontRef>
-        </p:style>
-      </p:cxnSp>
-      <p:cxnSp>
-        <p:nvCxnSpPr>
-          <p:cNvPr id="43" name="Straight Arrow Connector 42">
-            <a:extLst>
-              <a:ext uri="{FF2B5EF4-FFF2-40B4-BE49-F238E27FC236}">
-                <a16:creationId xmlns:a16="http://schemas.microsoft.com/office/drawing/2014/main" id="{2D035121-D49D-99A2-A333-E27959CE25D4}"/>
-              </a:ext>
-            </a:extLst>
-          </p:cNvPr>
-          <p:cNvCxnSpPr>
-            <a:cxnSpLocks/>
-            <a:stCxn id="37" idx="2"/>
-          </p:cNvCxnSpPr>
-          <p:nvPr/>
-        </p:nvCxnSpPr>
-        <p:spPr>
-          <a:xfrm>
-            <a:off x="5026942" y="3880306"/>
-            <a:ext cx="0" cy="377062"/>
-          </a:xfrm>
-          <a:prstGeom prst="straightConnector1">
-            <a:avLst/>
-          </a:prstGeom>
-          <a:ln>
-            <a:solidFill>
-              <a:schemeClr val="tx1"/>
-            </a:solidFill>
-            <a:tailEnd type="triangle"/>
-          </a:ln>
-        </p:spPr>
-        <p:style>
-          <a:lnRef idx="1">
-            <a:schemeClr val="accent1"/>
-          </a:lnRef>
-          <a:fillRef idx="0">
-            <a:schemeClr val="accent1"/>
-          </a:fillRef>
-          <a:effectRef idx="0">
-            <a:schemeClr val="accent1"/>
-          </a:effectRef>
-          <a:fontRef idx="minor">
-            <a:schemeClr val="tx1"/>
-          </a:fontRef>
-        </p:style>
-      </p:cxnSp>
-      <p:sp>
-        <p:nvSpPr>
-          <p:cNvPr id="45" name="Rectangle 44">
-            <a:extLst>
-              <a:ext uri="{FF2B5EF4-FFF2-40B4-BE49-F238E27FC236}">
-                <a16:creationId xmlns:a16="http://schemas.microsoft.com/office/drawing/2014/main" id="{5A60CD0A-95B8-406A-5692-2494ECE0709A}"/>
-              </a:ext>
-            </a:extLst>
-          </p:cNvPr>
-          <p:cNvSpPr/>
-          <p:nvPr/>
-        </p:nvSpPr>
-        <p:spPr>
-          <a:xfrm>
-            <a:off x="8194244" y="1984383"/>
-            <a:ext cx="1248697" cy="243840"/>
-          </a:xfrm>
-          <a:prstGeom prst="rect">
-            <a:avLst/>
-          </a:prstGeom>
-          <a:ln>
-            <a:solidFill>
-              <a:schemeClr val="tx1"/>
-            </a:solidFill>
-          </a:ln>
-        </p:spPr>
-        <p:style>
-          <a:lnRef idx="2">
-            <a:schemeClr val="accent6"/>
-          </a:lnRef>
-          <a:fillRef idx="1">
-            <a:schemeClr val="lt1"/>
-          </a:fillRef>
-          <a:effectRef idx="0">
-            <a:schemeClr val="accent6"/>
-          </a:effectRef>
-          <a:fontRef idx="minor">
-            <a:schemeClr val="dk1"/>
-          </a:fontRef>
-        </p:style>
-        <p:txBody>
-          <a:bodyPr rtlCol="0" anchor="ctr"/>
-          <a:lstStyle/>
-          <a:p>
-            <a:pPr algn="ctr"/>
-            <a:r>
-              <a:rPr lang="en-GB" dirty="0"/>
-              <a:t>225</a:t>
-            </a:r>
-          </a:p>
-        </p:txBody>
-      </p:sp>
-      <p:sp>
-        <p:nvSpPr>
-          <p:cNvPr id="46" name="Rectangle 45">
-            <a:extLst>
-              <a:ext uri="{FF2B5EF4-FFF2-40B4-BE49-F238E27FC236}">
-                <a16:creationId xmlns:a16="http://schemas.microsoft.com/office/drawing/2014/main" id="{0161B3A8-E69A-2212-0983-46BA6EE8B570}"/>
-              </a:ext>
-            </a:extLst>
-          </p:cNvPr>
-          <p:cNvSpPr/>
-          <p:nvPr/>
-        </p:nvSpPr>
-        <p:spPr>
-          <a:xfrm>
-            <a:off x="7725571" y="3688255"/>
-            <a:ext cx="2278419" cy="243840"/>
-          </a:xfrm>
-          <a:prstGeom prst="rect">
-            <a:avLst/>
-          </a:prstGeom>
-          <a:ln>
-            <a:solidFill>
-              <a:schemeClr val="tx1"/>
-            </a:solidFill>
-          </a:ln>
-        </p:spPr>
-        <p:style>
-          <a:lnRef idx="2">
-            <a:schemeClr val="accent6"/>
-          </a:lnRef>
-          <a:fillRef idx="1">
-            <a:schemeClr val="lt1"/>
-          </a:fillRef>
-          <a:effectRef idx="0">
-            <a:schemeClr val="accent6"/>
-          </a:effectRef>
-          <a:fontRef idx="minor">
-            <a:schemeClr val="dk1"/>
-          </a:fontRef>
-        </p:style>
-        <p:txBody>
-          <a:bodyPr rtlCol="0" anchor="ctr"/>
-          <a:lstStyle/>
-          <a:p>
-            <a:pPr algn="ctr"/>
-            <a:r>
-              <a:rPr lang="en-GB" dirty="0"/>
-              <a:t>600</a:t>
-            </a:r>
-          </a:p>
-        </p:txBody>
-      </p:sp>
-      <p:sp>
-        <p:nvSpPr>
-          <p:cNvPr id="47" name="Rectangle 46">
-            <a:extLst>
-              <a:ext uri="{FF2B5EF4-FFF2-40B4-BE49-F238E27FC236}">
-                <a16:creationId xmlns:a16="http://schemas.microsoft.com/office/drawing/2014/main" id="{7FEA30BD-0976-1E35-16E5-E0490CB8BAFD}"/>
-              </a:ext>
-            </a:extLst>
-          </p:cNvPr>
-          <p:cNvSpPr/>
-          <p:nvPr/>
-        </p:nvSpPr>
-        <p:spPr>
-          <a:xfrm>
-            <a:off x="8240433" y="4122073"/>
-            <a:ext cx="1248697" cy="243840"/>
-          </a:xfrm>
-          <a:prstGeom prst="rect">
-            <a:avLst/>
-          </a:prstGeom>
-          <a:ln>
-            <a:solidFill>
-              <a:schemeClr val="tx1"/>
-            </a:solidFill>
-          </a:ln>
-        </p:spPr>
-        <p:style>
-          <a:lnRef idx="2">
-            <a:schemeClr val="accent6"/>
-          </a:lnRef>
-          <a:fillRef idx="1">
-            <a:schemeClr val="lt1"/>
-          </a:fillRef>
-          <a:effectRef idx="0">
-            <a:schemeClr val="accent6"/>
-          </a:effectRef>
-          <a:fontRef idx="minor">
-            <a:schemeClr val="dk1"/>
-          </a:fontRef>
-        </p:style>
-        <p:txBody>
-          <a:bodyPr rtlCol="0" anchor="ctr"/>
-          <a:lstStyle/>
-          <a:p>
-            <a:pPr algn="ctr"/>
-            <a:r>
-              <a:rPr lang="en-GB" dirty="0"/>
-              <a:t>300</a:t>
-            </a:r>
-          </a:p>
-        </p:txBody>
-      </p:sp>
-      <p:sp>
-        <p:nvSpPr>
-          <p:cNvPr id="48" name="Rectangle 47">
-            <a:extLst>
-              <a:ext uri="{FF2B5EF4-FFF2-40B4-BE49-F238E27FC236}">
-                <a16:creationId xmlns:a16="http://schemas.microsoft.com/office/drawing/2014/main" id="{3770F4E5-F918-393C-ED4D-4B88A6307470}"/>
-              </a:ext>
-            </a:extLst>
-          </p:cNvPr>
-          <p:cNvSpPr/>
-          <p:nvPr/>
-        </p:nvSpPr>
-        <p:spPr>
-          <a:xfrm>
-            <a:off x="8368251" y="4554858"/>
-            <a:ext cx="993058" cy="243840"/>
-          </a:xfrm>
-          <a:prstGeom prst="rect">
-            <a:avLst/>
-          </a:prstGeom>
-          <a:ln>
-            <a:solidFill>
-              <a:schemeClr val="tx1"/>
-            </a:solidFill>
-          </a:ln>
-        </p:spPr>
-        <p:style>
-          <a:lnRef idx="2">
-            <a:schemeClr val="accent6"/>
-          </a:lnRef>
-          <a:fillRef idx="1">
-            <a:schemeClr val="lt1"/>
-          </a:fillRef>
-          <a:effectRef idx="0">
-            <a:schemeClr val="accent6"/>
-          </a:effectRef>
-          <a:fontRef idx="minor">
-            <a:schemeClr val="dk1"/>
-          </a:fontRef>
-        </p:style>
-        <p:txBody>
-          <a:bodyPr rtlCol="0" anchor="ctr"/>
-          <a:lstStyle/>
-          <a:p>
-            <a:pPr algn="ctr"/>
-            <a:r>
-              <a:rPr lang="en-GB" dirty="0"/>
-              <a:t>100</a:t>
-            </a:r>
-          </a:p>
-        </p:txBody>
-      </p:sp>
-      <p:sp>
-        <p:nvSpPr>
-          <p:cNvPr id="49" name="Rectangle 48">
-            <a:extLst>
-              <a:ext uri="{FF2B5EF4-FFF2-40B4-BE49-F238E27FC236}">
-                <a16:creationId xmlns:a16="http://schemas.microsoft.com/office/drawing/2014/main" id="{A99A4A88-4BFA-1C48-50C3-B263BE444FB8}"/>
-              </a:ext>
-            </a:extLst>
-          </p:cNvPr>
-          <p:cNvSpPr/>
-          <p:nvPr/>
-        </p:nvSpPr>
-        <p:spPr>
-          <a:xfrm>
-            <a:off x="8687798" y="4988159"/>
-            <a:ext cx="353961" cy="243840"/>
-          </a:xfrm>
-          <a:prstGeom prst="rect">
-            <a:avLst/>
-          </a:prstGeom>
-          <a:ln>
-            <a:solidFill>
-              <a:schemeClr val="tx1"/>
-            </a:solidFill>
-          </a:ln>
-        </p:spPr>
-        <p:style>
-          <a:lnRef idx="2">
-            <a:schemeClr val="accent6"/>
-          </a:lnRef>
-          <a:fillRef idx="1">
-            <a:schemeClr val="lt1"/>
-          </a:fillRef>
-          <a:effectRef idx="0">
-            <a:schemeClr val="accent6"/>
-          </a:effectRef>
-          <a:fontRef idx="minor">
-            <a:schemeClr val="dk1"/>
-          </a:fontRef>
-        </p:style>
-        <p:txBody>
-          <a:bodyPr rtlCol="0" anchor="ctr"/>
-          <a:lstStyle/>
-          <a:p>
-            <a:pPr algn="ctr"/>
-            <a:r>
-              <a:rPr lang="en-GB" dirty="0"/>
-              <a:t>1</a:t>
-            </a:r>
-          </a:p>
-        </p:txBody>
-      </p:sp>
-      <p:cxnSp>
-        <p:nvCxnSpPr>
-          <p:cNvPr id="50" name="Straight Connector 49">
-            <a:extLst>
-              <a:ext uri="{FF2B5EF4-FFF2-40B4-BE49-F238E27FC236}">
-                <a16:creationId xmlns:a16="http://schemas.microsoft.com/office/drawing/2014/main" id="{F11C2BF8-367D-C12A-C98C-E92FC79405A7}"/>
-              </a:ext>
-            </a:extLst>
-          </p:cNvPr>
-          <p:cNvCxnSpPr>
-            <a:cxnSpLocks/>
-            <a:stCxn id="72" idx="2"/>
-            <a:endCxn id="45" idx="0"/>
-          </p:cNvCxnSpPr>
-          <p:nvPr/>
-        </p:nvCxnSpPr>
-        <p:spPr>
-          <a:xfrm flipH="1">
-            <a:off x="8818593" y="1479544"/>
-            <a:ext cx="917046" cy="504839"/>
-          </a:xfrm>
-          <a:prstGeom prst="line">
-            <a:avLst/>
-          </a:prstGeom>
-          <a:ln w="12700">
-            <a:solidFill>
-              <a:schemeClr val="tx1"/>
-            </a:solidFill>
-          </a:ln>
-        </p:spPr>
-        <p:style>
-          <a:lnRef idx="1">
-            <a:schemeClr val="accent1"/>
-          </a:lnRef>
-          <a:fillRef idx="0">
-            <a:schemeClr val="accent1"/>
-          </a:fillRef>
-          <a:effectRef idx="0">
-            <a:schemeClr val="accent1"/>
-          </a:effectRef>
-          <a:fontRef idx="minor">
-            <a:schemeClr val="tx1"/>
-          </a:fontRef>
-        </p:style>
-      </p:cxnSp>
-      <p:cxnSp>
-        <p:nvCxnSpPr>
-          <p:cNvPr id="51" name="Straight Connector 50">
-            <a:extLst>
-              <a:ext uri="{FF2B5EF4-FFF2-40B4-BE49-F238E27FC236}">
-                <a16:creationId xmlns:a16="http://schemas.microsoft.com/office/drawing/2014/main" id="{2B329B4C-A472-13FA-DB49-7DAC965E7152}"/>
-              </a:ext>
-            </a:extLst>
-          </p:cNvPr>
-          <p:cNvCxnSpPr>
-            <a:cxnSpLocks/>
-            <a:endCxn id="46" idx="0"/>
-          </p:cNvCxnSpPr>
-          <p:nvPr/>
-        </p:nvCxnSpPr>
-        <p:spPr>
-          <a:xfrm flipH="1">
-            <a:off x="8864781" y="3564092"/>
-            <a:ext cx="1" cy="124163"/>
-          </a:xfrm>
-          <a:prstGeom prst="line">
-            <a:avLst/>
-          </a:prstGeom>
-          <a:ln w="12700">
-            <a:solidFill>
-              <a:schemeClr val="tx1"/>
-            </a:solidFill>
-          </a:ln>
-        </p:spPr>
-        <p:style>
-          <a:lnRef idx="1">
-            <a:schemeClr val="accent1"/>
-          </a:lnRef>
-          <a:fillRef idx="0">
-            <a:schemeClr val="accent1"/>
-          </a:fillRef>
-          <a:effectRef idx="0">
-            <a:schemeClr val="accent1"/>
-          </a:effectRef>
-          <a:fontRef idx="minor">
-            <a:schemeClr val="tx1"/>
-          </a:fontRef>
-        </p:style>
-      </p:cxnSp>
-      <p:cxnSp>
-        <p:nvCxnSpPr>
-          <p:cNvPr id="52" name="Straight Connector 51">
-            <a:extLst>
-              <a:ext uri="{FF2B5EF4-FFF2-40B4-BE49-F238E27FC236}">
-                <a16:creationId xmlns:a16="http://schemas.microsoft.com/office/drawing/2014/main" id="{17D77B47-372A-35F2-518E-53D4A6B759B0}"/>
-              </a:ext>
-            </a:extLst>
-          </p:cNvPr>
-          <p:cNvCxnSpPr>
-            <a:cxnSpLocks/>
-            <a:stCxn id="46" idx="2"/>
-            <a:endCxn id="47" idx="0"/>
-          </p:cNvCxnSpPr>
-          <p:nvPr/>
-        </p:nvCxnSpPr>
-        <p:spPr>
-          <a:xfrm>
-            <a:off x="8864781" y="3932095"/>
-            <a:ext cx="1" cy="189978"/>
-          </a:xfrm>
-          <a:prstGeom prst="line">
-            <a:avLst/>
-          </a:prstGeom>
-          <a:ln w="12700">
-            <a:solidFill>
-              <a:schemeClr val="tx1"/>
-            </a:solidFill>
-          </a:ln>
-        </p:spPr>
-        <p:style>
-          <a:lnRef idx="1">
-            <a:schemeClr val="accent1"/>
-          </a:lnRef>
-          <a:fillRef idx="0">
-            <a:schemeClr val="accent1"/>
-          </a:fillRef>
-          <a:effectRef idx="0">
-            <a:schemeClr val="accent1"/>
-          </a:effectRef>
-          <a:fontRef idx="minor">
-            <a:schemeClr val="tx1"/>
-          </a:fontRef>
-        </p:style>
-      </p:cxnSp>
-      <p:cxnSp>
-        <p:nvCxnSpPr>
-          <p:cNvPr id="53" name="Straight Connector 52">
-            <a:extLst>
-              <a:ext uri="{FF2B5EF4-FFF2-40B4-BE49-F238E27FC236}">
-                <a16:creationId xmlns:a16="http://schemas.microsoft.com/office/drawing/2014/main" id="{FADB8C9D-FD48-742B-3226-9262672426F2}"/>
-              </a:ext>
-            </a:extLst>
-          </p:cNvPr>
-          <p:cNvCxnSpPr>
-            <a:cxnSpLocks/>
-          </p:cNvCxnSpPr>
-          <p:nvPr/>
-        </p:nvCxnSpPr>
-        <p:spPr>
-          <a:xfrm>
-            <a:off x="8864780" y="4365397"/>
-            <a:ext cx="1" cy="189978"/>
-          </a:xfrm>
-          <a:prstGeom prst="line">
-            <a:avLst/>
-          </a:prstGeom>
-          <a:ln w="12700">
-            <a:solidFill>
-              <a:schemeClr val="tx1"/>
-            </a:solidFill>
-          </a:ln>
-        </p:spPr>
-        <p:style>
-          <a:lnRef idx="1">
-            <a:schemeClr val="accent1"/>
-          </a:lnRef>
-          <a:fillRef idx="0">
-            <a:schemeClr val="accent1"/>
-          </a:fillRef>
-          <a:effectRef idx="0">
-            <a:schemeClr val="accent1"/>
-          </a:effectRef>
-          <a:fontRef idx="minor">
-            <a:schemeClr val="tx1"/>
-          </a:fontRef>
-        </p:style>
-      </p:cxnSp>
-      <p:cxnSp>
-        <p:nvCxnSpPr>
-          <p:cNvPr id="54" name="Straight Connector 53">
-            <a:extLst>
-              <a:ext uri="{FF2B5EF4-FFF2-40B4-BE49-F238E27FC236}">
-                <a16:creationId xmlns:a16="http://schemas.microsoft.com/office/drawing/2014/main" id="{28004B04-FF52-FFD3-507D-A4C35B427C4B}"/>
-              </a:ext>
-            </a:extLst>
-          </p:cNvPr>
-          <p:cNvCxnSpPr>
-            <a:cxnSpLocks/>
-          </p:cNvCxnSpPr>
-          <p:nvPr/>
-        </p:nvCxnSpPr>
-        <p:spPr>
-          <a:xfrm>
-            <a:off x="8864779" y="4798698"/>
-            <a:ext cx="1" cy="189978"/>
-          </a:xfrm>
-          <a:prstGeom prst="line">
-            <a:avLst/>
-          </a:prstGeom>
-          <a:ln w="12700">
-            <a:solidFill>
-              <a:schemeClr val="tx1"/>
-            </a:solidFill>
-          </a:ln>
-        </p:spPr>
-        <p:style>
-          <a:lnRef idx="1">
-            <a:schemeClr val="accent1"/>
-          </a:lnRef>
-          <a:fillRef idx="0">
-            <a:schemeClr val="accent1"/>
-          </a:fillRef>
-          <a:effectRef idx="0">
-            <a:schemeClr val="accent1"/>
-          </a:effectRef>
-          <a:fontRef idx="minor">
-            <a:schemeClr val="tx1"/>
-          </a:fontRef>
-        </p:style>
-      </p:cxnSp>
-      <p:cxnSp>
-        <p:nvCxnSpPr>
-          <p:cNvPr id="55" name="Straight Arrow Connector 54">
-            <a:extLst>
-              <a:ext uri="{FF2B5EF4-FFF2-40B4-BE49-F238E27FC236}">
-                <a16:creationId xmlns:a16="http://schemas.microsoft.com/office/drawing/2014/main" id="{8B4737B5-0D9A-ADF8-E9FB-03ED7CB57244}"/>
-              </a:ext>
-            </a:extLst>
-          </p:cNvPr>
-          <p:cNvCxnSpPr>
-            <a:cxnSpLocks/>
-            <a:stCxn id="49" idx="2"/>
-          </p:cNvCxnSpPr>
-          <p:nvPr/>
-        </p:nvCxnSpPr>
-        <p:spPr>
-          <a:xfrm flipH="1">
-            <a:off x="8864778" y="5231999"/>
-            <a:ext cx="1" cy="361238"/>
-          </a:xfrm>
-          <a:prstGeom prst="straightConnector1">
-            <a:avLst/>
-          </a:prstGeom>
-          <a:ln>
-            <a:solidFill>
-              <a:schemeClr val="tx1"/>
-            </a:solidFill>
-            <a:tailEnd type="triangle"/>
-          </a:ln>
-        </p:spPr>
-        <p:style>
-          <a:lnRef idx="1">
-            <a:schemeClr val="accent1"/>
-          </a:lnRef>
-          <a:fillRef idx="0">
-            <a:schemeClr val="accent1"/>
-          </a:fillRef>
-          <a:effectRef idx="0">
-            <a:schemeClr val="accent1"/>
-          </a:effectRef>
-          <a:fontRef idx="minor">
-            <a:schemeClr val="tx1"/>
-          </a:fontRef>
-        </p:style>
-      </p:cxnSp>
-      <p:sp>
-        <p:nvSpPr>
-          <p:cNvPr id="56" name="Rectangle 55">
-            <a:extLst>
-              <a:ext uri="{FF2B5EF4-FFF2-40B4-BE49-F238E27FC236}">
-                <a16:creationId xmlns:a16="http://schemas.microsoft.com/office/drawing/2014/main" id="{F8204FA9-A503-75D4-CFA5-573B19B46BF0}"/>
-              </a:ext>
-            </a:extLst>
-          </p:cNvPr>
-          <p:cNvSpPr/>
-          <p:nvPr/>
-        </p:nvSpPr>
-        <p:spPr>
-          <a:xfrm>
-            <a:off x="5828269" y="3203165"/>
-            <a:ext cx="993058" cy="243840"/>
-          </a:xfrm>
-          <a:prstGeom prst="rect">
-            <a:avLst/>
-          </a:prstGeom>
-          <a:ln>
-            <a:solidFill>
-              <a:schemeClr val="tx1"/>
-            </a:solidFill>
-          </a:ln>
-        </p:spPr>
-        <p:style>
-          <a:lnRef idx="2">
-            <a:schemeClr val="accent6"/>
-          </a:lnRef>
-          <a:fillRef idx="1">
-            <a:schemeClr val="lt1"/>
-          </a:fillRef>
-          <a:effectRef idx="0">
-            <a:schemeClr val="accent6"/>
-          </a:effectRef>
-          <a:fontRef idx="minor">
-            <a:schemeClr val="dk1"/>
-          </a:fontRef>
-        </p:style>
-        <p:txBody>
-          <a:bodyPr rtlCol="0" anchor="ctr"/>
-          <a:lstStyle/>
-          <a:p>
-            <a:pPr algn="ctr"/>
-            <a:r>
-              <a:rPr lang="en-GB" dirty="0"/>
-              <a:t>100</a:t>
-            </a:r>
-          </a:p>
-        </p:txBody>
-      </p:sp>
-      <p:sp>
-        <p:nvSpPr>
-          <p:cNvPr id="57" name="Rectangle 56">
-            <a:extLst>
-              <a:ext uri="{FF2B5EF4-FFF2-40B4-BE49-F238E27FC236}">
-                <a16:creationId xmlns:a16="http://schemas.microsoft.com/office/drawing/2014/main" id="{339F5280-E17E-ABCE-775A-56002B48817B}"/>
-              </a:ext>
-            </a:extLst>
-          </p:cNvPr>
-          <p:cNvSpPr/>
-          <p:nvPr/>
-        </p:nvSpPr>
-        <p:spPr>
-          <a:xfrm>
-            <a:off x="6147816" y="3636466"/>
-            <a:ext cx="353961" cy="243840"/>
-          </a:xfrm>
-          <a:prstGeom prst="rect">
-            <a:avLst/>
-          </a:prstGeom>
-          <a:ln>
-            <a:solidFill>
-              <a:schemeClr val="tx1"/>
-            </a:solidFill>
-          </a:ln>
-        </p:spPr>
-        <p:style>
-          <a:lnRef idx="2">
-            <a:schemeClr val="accent6"/>
-          </a:lnRef>
-          <a:fillRef idx="1">
-            <a:schemeClr val="lt1"/>
-          </a:fillRef>
-          <a:effectRef idx="0">
-            <a:schemeClr val="accent6"/>
-          </a:effectRef>
-          <a:fontRef idx="minor">
-            <a:schemeClr val="dk1"/>
-          </a:fontRef>
-        </p:style>
-        <p:txBody>
-          <a:bodyPr rtlCol="0" anchor="ctr"/>
-          <a:lstStyle/>
-          <a:p>
-            <a:pPr algn="ctr"/>
-            <a:r>
-              <a:rPr lang="en-GB" dirty="0"/>
-              <a:t>1</a:t>
-            </a:r>
-          </a:p>
-        </p:txBody>
-      </p:sp>
-      <p:cxnSp>
-        <p:nvCxnSpPr>
-          <p:cNvPr id="58" name="Straight Connector 57">
-            <a:extLst>
-              <a:ext uri="{FF2B5EF4-FFF2-40B4-BE49-F238E27FC236}">
-                <a16:creationId xmlns:a16="http://schemas.microsoft.com/office/drawing/2014/main" id="{F3F1F4EB-2FBE-15B6-742F-ADCA724354CF}"/>
-              </a:ext>
-            </a:extLst>
-          </p:cNvPr>
-          <p:cNvCxnSpPr>
-            <a:cxnSpLocks/>
-          </p:cNvCxnSpPr>
-          <p:nvPr/>
-        </p:nvCxnSpPr>
-        <p:spPr>
-          <a:xfrm>
-            <a:off x="6324797" y="3447005"/>
-            <a:ext cx="1" cy="189978"/>
-          </a:xfrm>
-          <a:prstGeom prst="line">
-            <a:avLst/>
-          </a:prstGeom>
-          <a:ln w="12700">
-            <a:solidFill>
-              <a:schemeClr val="tx1"/>
-            </a:solidFill>
-          </a:ln>
-        </p:spPr>
-        <p:style>
-          <a:lnRef idx="1">
-            <a:schemeClr val="accent1"/>
-          </a:lnRef>
-          <a:fillRef idx="0">
-            <a:schemeClr val="accent1"/>
-          </a:fillRef>
-          <a:effectRef idx="0">
-            <a:schemeClr val="accent1"/>
-          </a:effectRef>
-          <a:fontRef idx="minor">
-            <a:schemeClr val="tx1"/>
-          </a:fontRef>
-        </p:style>
-      </p:cxnSp>
-      <p:cxnSp>
-        <p:nvCxnSpPr>
-          <p:cNvPr id="59" name="Straight Arrow Connector 58">
-            <a:extLst>
-              <a:ext uri="{FF2B5EF4-FFF2-40B4-BE49-F238E27FC236}">
-                <a16:creationId xmlns:a16="http://schemas.microsoft.com/office/drawing/2014/main" id="{24B2B0C2-F097-3CEA-A81B-CD3D616FE53C}"/>
-              </a:ext>
-            </a:extLst>
-          </p:cNvPr>
-          <p:cNvCxnSpPr>
-            <a:cxnSpLocks/>
-            <a:stCxn id="57" idx="2"/>
-          </p:cNvCxnSpPr>
-          <p:nvPr/>
-        </p:nvCxnSpPr>
-        <p:spPr>
-          <a:xfrm flipH="1">
-            <a:off x="6324796" y="3880306"/>
-            <a:ext cx="1" cy="361238"/>
-          </a:xfrm>
-          <a:prstGeom prst="straightConnector1">
-            <a:avLst/>
-          </a:prstGeom>
-          <a:ln>
-            <a:solidFill>
-              <a:schemeClr val="tx1"/>
-            </a:solidFill>
-            <a:tailEnd type="triangle"/>
-          </a:ln>
-        </p:spPr>
-        <p:style>
-          <a:lnRef idx="1">
-            <a:schemeClr val="accent1"/>
-          </a:lnRef>
-          <a:fillRef idx="0">
-            <a:schemeClr val="accent1"/>
-          </a:fillRef>
-          <a:effectRef idx="0">
-            <a:schemeClr val="accent1"/>
-          </a:effectRef>
-          <a:fontRef idx="minor">
-            <a:schemeClr val="tx1"/>
-          </a:fontRef>
-        </p:style>
-      </p:cxnSp>
-      <p:cxnSp>
-        <p:nvCxnSpPr>
-          <p:cNvPr id="61" name="Straight Connector 60">
-            <a:extLst>
-              <a:ext uri="{FF2B5EF4-FFF2-40B4-BE49-F238E27FC236}">
-                <a16:creationId xmlns:a16="http://schemas.microsoft.com/office/drawing/2014/main" id="{25FF7740-A504-FF1B-71E8-294B99847DE5}"/>
-              </a:ext>
-            </a:extLst>
-          </p:cNvPr>
-          <p:cNvCxnSpPr>
-            <a:cxnSpLocks/>
-            <a:stCxn id="35" idx="2"/>
-            <a:endCxn id="56" idx="0"/>
-          </p:cNvCxnSpPr>
-          <p:nvPr/>
-        </p:nvCxnSpPr>
-        <p:spPr>
-          <a:xfrm>
-            <a:off x="5669625" y="3030044"/>
-            <a:ext cx="655173" cy="173121"/>
-          </a:xfrm>
-          <a:prstGeom prst="line">
-            <a:avLst/>
-          </a:prstGeom>
-          <a:ln w="12700">
-            <a:solidFill>
-              <a:schemeClr val="tx1"/>
-            </a:solidFill>
-          </a:ln>
-        </p:spPr>
-        <p:style>
-          <a:lnRef idx="1">
-            <a:schemeClr val="accent1"/>
-          </a:lnRef>
-          <a:fillRef idx="0">
-            <a:schemeClr val="accent1"/>
-          </a:fillRef>
-          <a:effectRef idx="0">
-            <a:schemeClr val="accent1"/>
-          </a:effectRef>
-          <a:fontRef idx="minor">
-            <a:schemeClr val="tx1"/>
-          </a:fontRef>
-        </p:style>
-      </p:cxnSp>
-      <p:pic>
-        <p:nvPicPr>
-          <p:cNvPr id="72" name="Picture 71" descr="A picture containing box and whisker chart&#10;&#10;Description automatically generated">
-            <a:extLst>
-              <a:ext uri="{FF2B5EF4-FFF2-40B4-BE49-F238E27FC236}">
-                <a16:creationId xmlns:a16="http://schemas.microsoft.com/office/drawing/2014/main" id="{32F0358D-3A34-0713-ED84-C5D38032F345}"/>
-              </a:ext>
-            </a:extLst>
-          </p:cNvPr>
-          <p:cNvPicPr>
-            <a:picLocks noChangeAspect="1"/>
-          </p:cNvPicPr>
-          <p:nvPr/>
-        </p:nvPicPr>
-        <p:blipFill>
-          <a:blip r:embed="rId3">
-            <a:extLst>
-              <a:ext uri="{28A0092B-C50C-407E-A947-70E740481C1C}">
-                <a14:useLocalDpi xmlns:a14="http://schemas.microsoft.com/office/drawing/2010/main" val="0"/>
-              </a:ext>
-            </a:extLst>
-          </a:blip>
-          <a:stretch>
-            <a:fillRect/>
-          </a:stretch>
-        </p:blipFill>
-        <p:spPr>
-          <a:xfrm>
-            <a:off x="8997348" y="88700"/>
-            <a:ext cx="1476581" cy="1390844"/>
-          </a:xfrm>
-          <a:prstGeom prst="rect">
-            <a:avLst/>
-          </a:prstGeom>
-        </p:spPr>
-      </p:pic>
-      <p:cxnSp>
-        <p:nvCxnSpPr>
-          <p:cNvPr id="74" name="Straight Connector 73">
-            <a:extLst>
-              <a:ext uri="{FF2B5EF4-FFF2-40B4-BE49-F238E27FC236}">
-                <a16:creationId xmlns:a16="http://schemas.microsoft.com/office/drawing/2014/main" id="{D6361160-3DED-A822-26FB-9F608A7BF9E8}"/>
-              </a:ext>
-            </a:extLst>
-          </p:cNvPr>
-          <p:cNvCxnSpPr>
-            <a:cxnSpLocks/>
-            <a:endCxn id="72" idx="2"/>
-          </p:cNvCxnSpPr>
-          <p:nvPr/>
-        </p:nvCxnSpPr>
-        <p:spPr>
-          <a:xfrm flipH="1" flipV="1">
-            <a:off x="9735639" y="1479544"/>
-            <a:ext cx="1001187" cy="504839"/>
-          </a:xfrm>
-          <a:prstGeom prst="line">
-            <a:avLst/>
-          </a:prstGeom>
-          <a:ln w="12700">
-            <a:solidFill>
-              <a:schemeClr val="tx1"/>
-            </a:solidFill>
-          </a:ln>
-        </p:spPr>
-        <p:style>
-          <a:lnRef idx="1">
-            <a:schemeClr val="accent1"/>
-          </a:lnRef>
-          <a:fillRef idx="0">
-            <a:schemeClr val="accent1"/>
-          </a:fillRef>
-          <a:effectRef idx="0">
-            <a:schemeClr val="accent1"/>
-          </a:effectRef>
-          <a:fontRef idx="minor">
-            <a:schemeClr val="tx1"/>
-          </a:fontRef>
-        </p:style>
-      </p:cxnSp>
-      <p:sp>
-        <p:nvSpPr>
-          <p:cNvPr id="77" name="Rectangle 76">
-            <a:extLst>
-              <a:ext uri="{FF2B5EF4-FFF2-40B4-BE49-F238E27FC236}">
-                <a16:creationId xmlns:a16="http://schemas.microsoft.com/office/drawing/2014/main" id="{A0CCC43E-22DB-7255-2FDF-177CF2AD6733}"/>
-              </a:ext>
-            </a:extLst>
-          </p:cNvPr>
-          <p:cNvSpPr/>
-          <p:nvPr/>
-        </p:nvSpPr>
-        <p:spPr>
-          <a:xfrm>
-            <a:off x="2329970" y="4241544"/>
-            <a:ext cx="380154" cy="361238"/>
-          </a:xfrm>
-          <a:prstGeom prst="rect">
-            <a:avLst/>
-          </a:prstGeom>
-        </p:spPr>
-        <p:style>
-          <a:lnRef idx="2">
-            <a:schemeClr val="accent1">
-              <a:shade val="50000"/>
-            </a:schemeClr>
-          </a:lnRef>
-          <a:fillRef idx="1">
-            <a:schemeClr val="accent1"/>
-          </a:fillRef>
-          <a:effectRef idx="0">
-            <a:schemeClr val="accent1"/>
-          </a:effectRef>
-          <a:fontRef idx="minor">
-            <a:schemeClr val="lt1"/>
-          </a:fontRef>
-        </p:style>
-        <p:txBody>
-          <a:bodyPr rtlCol="0" anchor="ctr"/>
-          <a:lstStyle/>
-          <a:p>
-            <a:pPr algn="ctr"/>
-            <a:r>
-              <a:rPr lang="en-GB" dirty="0"/>
-              <a:t>h</a:t>
-            </a:r>
-          </a:p>
-        </p:txBody>
-      </p:sp>
-      <p:sp>
-        <p:nvSpPr>
-          <p:cNvPr id="78" name="Rectangle 77">
-            <a:extLst>
-              <a:ext uri="{FF2B5EF4-FFF2-40B4-BE49-F238E27FC236}">
-                <a16:creationId xmlns:a16="http://schemas.microsoft.com/office/drawing/2014/main" id="{33FCDC2A-B462-B6CF-7925-E118119F5FC4}"/>
-              </a:ext>
-            </a:extLst>
-          </p:cNvPr>
-          <p:cNvSpPr/>
-          <p:nvPr/>
-        </p:nvSpPr>
-        <p:spPr>
-          <a:xfrm>
-            <a:off x="6134714" y="4241544"/>
-            <a:ext cx="380154" cy="361238"/>
-          </a:xfrm>
-          <a:prstGeom prst="rect">
-            <a:avLst/>
-          </a:prstGeom>
-        </p:spPr>
-        <p:style>
-          <a:lnRef idx="2">
-            <a:schemeClr val="accent1">
-              <a:shade val="50000"/>
-            </a:schemeClr>
-          </a:lnRef>
-          <a:fillRef idx="1">
-            <a:schemeClr val="accent1"/>
-          </a:fillRef>
-          <a:effectRef idx="0">
-            <a:schemeClr val="accent1"/>
-          </a:effectRef>
-          <a:fontRef idx="minor">
-            <a:schemeClr val="lt1"/>
-          </a:fontRef>
-        </p:style>
-        <p:txBody>
-          <a:bodyPr rtlCol="0" anchor="ctr"/>
-          <a:lstStyle/>
-          <a:p>
-            <a:pPr algn="ctr"/>
-            <a:r>
-              <a:rPr lang="en-GB" dirty="0"/>
-              <a:t>h</a:t>
-            </a:r>
-          </a:p>
-        </p:txBody>
-      </p:sp>
-      <p:sp>
-        <p:nvSpPr>
-          <p:cNvPr id="79" name="Rectangle 78">
-            <a:extLst>
-              <a:ext uri="{FF2B5EF4-FFF2-40B4-BE49-F238E27FC236}">
-                <a16:creationId xmlns:a16="http://schemas.microsoft.com/office/drawing/2014/main" id="{F17D6714-9FDF-CBA1-A21D-64D7F59B15F4}"/>
-              </a:ext>
-            </a:extLst>
-          </p:cNvPr>
-          <p:cNvSpPr/>
-          <p:nvPr/>
-        </p:nvSpPr>
-        <p:spPr>
-          <a:xfrm>
-            <a:off x="4836860" y="4237630"/>
-            <a:ext cx="380154" cy="361238"/>
-          </a:xfrm>
-          <a:prstGeom prst="rect">
-            <a:avLst/>
-          </a:prstGeom>
-        </p:spPr>
-        <p:style>
-          <a:lnRef idx="2">
-            <a:schemeClr val="accent1">
-              <a:shade val="50000"/>
-            </a:schemeClr>
-          </a:lnRef>
-          <a:fillRef idx="1">
-            <a:schemeClr val="accent1"/>
-          </a:fillRef>
-          <a:effectRef idx="0">
-            <a:schemeClr val="accent1"/>
-          </a:effectRef>
-          <a:fontRef idx="minor">
-            <a:schemeClr val="lt1"/>
-          </a:fontRef>
-        </p:style>
-        <p:txBody>
-          <a:bodyPr rtlCol="0" anchor="ctr"/>
-          <a:lstStyle/>
-          <a:p>
-            <a:pPr algn="ctr"/>
-            <a:r>
-              <a:rPr lang="en-GB" b="1" dirty="0"/>
-              <a:t>a</a:t>
-            </a:r>
-          </a:p>
-        </p:txBody>
-      </p:sp>
-      <p:sp>
-        <p:nvSpPr>
-          <p:cNvPr id="81" name="Rectangle 80">
-            <a:extLst>
-              <a:ext uri="{FF2B5EF4-FFF2-40B4-BE49-F238E27FC236}">
-                <a16:creationId xmlns:a16="http://schemas.microsoft.com/office/drawing/2014/main" id="{7EC4549E-37EC-AAA4-6951-BE8927F8EA44}"/>
-              </a:ext>
-            </a:extLst>
-          </p:cNvPr>
-          <p:cNvSpPr/>
-          <p:nvPr/>
-        </p:nvSpPr>
-        <p:spPr>
-          <a:xfrm>
-            <a:off x="8240429" y="3308711"/>
-            <a:ext cx="1248697" cy="243840"/>
-          </a:xfrm>
-          <a:prstGeom prst="rect">
-            <a:avLst/>
-          </a:prstGeom>
-          <a:ln>
-            <a:solidFill>
-              <a:schemeClr val="tx1"/>
-            </a:solidFill>
-          </a:ln>
-        </p:spPr>
-        <p:style>
-          <a:lnRef idx="2">
-            <a:schemeClr val="accent6"/>
-          </a:lnRef>
-          <a:fillRef idx="1">
-            <a:schemeClr val="lt1"/>
-          </a:fillRef>
-          <a:effectRef idx="0">
-            <a:schemeClr val="accent6"/>
-          </a:effectRef>
-          <a:fontRef idx="minor">
-            <a:schemeClr val="dk1"/>
-          </a:fontRef>
-        </p:style>
-        <p:txBody>
-          <a:bodyPr rtlCol="0" anchor="ctr"/>
-          <a:lstStyle/>
-          <a:p>
-            <a:pPr algn="ctr"/>
-            <a:r>
-              <a:rPr lang="en-GB" dirty="0"/>
-              <a:t>300</a:t>
-            </a:r>
-          </a:p>
-        </p:txBody>
-      </p:sp>
-      <p:cxnSp>
-        <p:nvCxnSpPr>
-          <p:cNvPr id="82" name="Straight Connector 81">
-            <a:extLst>
-              <a:ext uri="{FF2B5EF4-FFF2-40B4-BE49-F238E27FC236}">
-                <a16:creationId xmlns:a16="http://schemas.microsoft.com/office/drawing/2014/main" id="{CC803AED-810F-7E3F-BC58-51DC0F9FB5AE}"/>
-              </a:ext>
-            </a:extLst>
-          </p:cNvPr>
-          <p:cNvCxnSpPr>
-            <a:cxnSpLocks/>
-          </p:cNvCxnSpPr>
-          <p:nvPr/>
-        </p:nvCxnSpPr>
-        <p:spPr>
-          <a:xfrm flipH="1">
-            <a:off x="8864777" y="3062628"/>
-            <a:ext cx="4" cy="246967"/>
-          </a:xfrm>
-          <a:prstGeom prst="line">
-            <a:avLst/>
-          </a:prstGeom>
-          <a:ln w="12700">
-            <a:solidFill>
-              <a:schemeClr val="tx1"/>
-            </a:solidFill>
-          </a:ln>
-        </p:spPr>
-        <p:style>
-          <a:lnRef idx="1">
-            <a:schemeClr val="accent1"/>
-          </a:lnRef>
-          <a:fillRef idx="0">
-            <a:schemeClr val="accent1"/>
-          </a:fillRef>
-          <a:effectRef idx="0">
-            <a:schemeClr val="accent1"/>
-          </a:effectRef>
-          <a:fontRef idx="minor">
-            <a:schemeClr val="tx1"/>
-          </a:fontRef>
-        </p:style>
-      </p:cxnSp>
-      <p:sp>
-        <p:nvSpPr>
-          <p:cNvPr id="84" name="Rectangle 83">
-            <a:extLst>
-              <a:ext uri="{FF2B5EF4-FFF2-40B4-BE49-F238E27FC236}">
-                <a16:creationId xmlns:a16="http://schemas.microsoft.com/office/drawing/2014/main" id="{958FC74B-EED9-0A1C-FE81-8F25A4C3F98D}"/>
-              </a:ext>
-            </a:extLst>
-          </p:cNvPr>
-          <p:cNvSpPr/>
-          <p:nvPr/>
-        </p:nvSpPr>
-        <p:spPr>
-          <a:xfrm>
-            <a:off x="10158665" y="3307080"/>
-            <a:ext cx="1248697" cy="243840"/>
-          </a:xfrm>
-          <a:prstGeom prst="rect">
-            <a:avLst/>
-          </a:prstGeom>
-          <a:ln>
-            <a:solidFill>
-              <a:schemeClr val="tx1"/>
-            </a:solidFill>
-          </a:ln>
-        </p:spPr>
-        <p:style>
-          <a:lnRef idx="2">
-            <a:schemeClr val="accent6"/>
-          </a:lnRef>
-          <a:fillRef idx="1">
-            <a:schemeClr val="lt1"/>
-          </a:fillRef>
-          <a:effectRef idx="0">
-            <a:schemeClr val="accent6"/>
-          </a:effectRef>
-          <a:fontRef idx="minor">
-            <a:schemeClr val="dk1"/>
-          </a:fontRef>
-        </p:style>
-        <p:txBody>
-          <a:bodyPr rtlCol="0" anchor="ctr"/>
-          <a:lstStyle/>
-          <a:p>
-            <a:pPr algn="ctr"/>
-            <a:r>
-              <a:rPr lang="en-GB" dirty="0"/>
-              <a:t>300</a:t>
-            </a:r>
-          </a:p>
-        </p:txBody>
-      </p:sp>
-      <p:cxnSp>
-        <p:nvCxnSpPr>
-          <p:cNvPr id="86" name="Straight Connector 85">
-            <a:extLst>
-              <a:ext uri="{FF2B5EF4-FFF2-40B4-BE49-F238E27FC236}">
-                <a16:creationId xmlns:a16="http://schemas.microsoft.com/office/drawing/2014/main" id="{861EDD92-9750-5CB8-8E35-6F841F9B802F}"/>
-              </a:ext>
-            </a:extLst>
-          </p:cNvPr>
-          <p:cNvCxnSpPr>
-            <a:stCxn id="84" idx="2"/>
-            <a:endCxn id="46" idx="0"/>
-          </p:cNvCxnSpPr>
-          <p:nvPr/>
-        </p:nvCxnSpPr>
-        <p:spPr>
-          <a:xfrm flipH="1">
-            <a:off x="8864781" y="3550920"/>
-            <a:ext cx="1918233" cy="137335"/>
-          </a:xfrm>
-          <a:prstGeom prst="line">
-            <a:avLst/>
-          </a:prstGeom>
-          <a:ln>
-            <a:solidFill>
-              <a:schemeClr val="tx1"/>
-            </a:solidFill>
-          </a:ln>
-        </p:spPr>
-        <p:style>
-          <a:lnRef idx="1">
-            <a:schemeClr val="accent1"/>
-          </a:lnRef>
-          <a:fillRef idx="0">
-            <a:schemeClr val="accent1"/>
-          </a:fillRef>
-          <a:effectRef idx="0">
-            <a:schemeClr val="accent1"/>
-          </a:effectRef>
-          <a:fontRef idx="minor">
-            <a:schemeClr val="tx1"/>
-          </a:fontRef>
-        </p:style>
-      </p:cxnSp>
-      <p:sp>
-        <p:nvSpPr>
-          <p:cNvPr id="87" name="Rectangle 86">
-            <a:extLst>
-              <a:ext uri="{FF2B5EF4-FFF2-40B4-BE49-F238E27FC236}">
-                <a16:creationId xmlns:a16="http://schemas.microsoft.com/office/drawing/2014/main" id="{E4C2149E-416F-B926-5CA6-C2574F6A1B14}"/>
-              </a:ext>
-            </a:extLst>
-          </p:cNvPr>
-          <p:cNvSpPr/>
-          <p:nvPr/>
-        </p:nvSpPr>
-        <p:spPr>
-          <a:xfrm>
-            <a:off x="8687798" y="5590411"/>
-            <a:ext cx="380154" cy="361238"/>
-          </a:xfrm>
-          <a:prstGeom prst="rect">
-            <a:avLst/>
-          </a:prstGeom>
-        </p:spPr>
-        <p:style>
-          <a:lnRef idx="2">
-            <a:schemeClr val="accent1">
-              <a:shade val="50000"/>
-            </a:schemeClr>
-          </a:lnRef>
-          <a:fillRef idx="1">
-            <a:schemeClr val="accent1"/>
-          </a:fillRef>
-          <a:effectRef idx="0">
-            <a:schemeClr val="accent1"/>
-          </a:effectRef>
-          <a:fontRef idx="minor">
-            <a:schemeClr val="lt1"/>
-          </a:fontRef>
-        </p:style>
-        <p:txBody>
-          <a:bodyPr rtlCol="0" anchor="ctr"/>
-          <a:lstStyle/>
-          <a:p>
-            <a:pPr algn="ctr"/>
-            <a:r>
-              <a:rPr lang="en-GB" dirty="0"/>
-              <a:t>h</a:t>
-            </a:r>
-          </a:p>
-        </p:txBody>
-      </p:sp>
+            </a:fontRef>
+          </p:style>
+        </p:cxnSp>
+      </p:grpSp>
     </p:spTree>
     <p:extLst>
       <p:ext uri="{BB962C8B-B14F-4D97-AF65-F5344CB8AC3E}">

--- a/latex/Figures/networks.pptx
+++ b/latex/Figures/networks.pptx
@@ -6,6 +6,7 @@
   </p:sldMasterIdLst>
   <p:sldIdLst>
     <p:sldId id="256" r:id="rId2"/>
+    <p:sldId id="257" r:id="rId3"/>
   </p:sldIdLst>
   <p:sldSz cx="12192000" cy="6858000"/>
   <p:notesSz cx="6858000" cy="9144000"/>
@@ -261,7 +262,7 @@
           <a:p>
             <a:fld id="{B2D374DF-E033-4BCF-8FB3-D0AC8CEC4F46}" type="datetimeFigureOut">
               <a:rPr lang="en-GB" smtClean="0"/>
-              <a:t>10/09/2022</a:t>
+              <a:t>11/09/2022</a:t>
             </a:fld>
             <a:endParaRPr lang="en-GB"/>
           </a:p>
@@ -461,7 +462,7 @@
           <a:p>
             <a:fld id="{B2D374DF-E033-4BCF-8FB3-D0AC8CEC4F46}" type="datetimeFigureOut">
               <a:rPr lang="en-GB" smtClean="0"/>
-              <a:t>10/09/2022</a:t>
+              <a:t>11/09/2022</a:t>
             </a:fld>
             <a:endParaRPr lang="en-GB"/>
           </a:p>
@@ -671,7 +672,7 @@
           <a:p>
             <a:fld id="{B2D374DF-E033-4BCF-8FB3-D0AC8CEC4F46}" type="datetimeFigureOut">
               <a:rPr lang="en-GB" smtClean="0"/>
-              <a:t>10/09/2022</a:t>
+              <a:t>11/09/2022</a:t>
             </a:fld>
             <a:endParaRPr lang="en-GB"/>
           </a:p>
@@ -871,7 +872,7 @@
           <a:p>
             <a:fld id="{B2D374DF-E033-4BCF-8FB3-D0AC8CEC4F46}" type="datetimeFigureOut">
               <a:rPr lang="en-GB" smtClean="0"/>
-              <a:t>10/09/2022</a:t>
+              <a:t>11/09/2022</a:t>
             </a:fld>
             <a:endParaRPr lang="en-GB"/>
           </a:p>
@@ -1147,7 +1148,7 @@
           <a:p>
             <a:fld id="{B2D374DF-E033-4BCF-8FB3-D0AC8CEC4F46}" type="datetimeFigureOut">
               <a:rPr lang="en-GB" smtClean="0"/>
-              <a:t>10/09/2022</a:t>
+              <a:t>11/09/2022</a:t>
             </a:fld>
             <a:endParaRPr lang="en-GB"/>
           </a:p>
@@ -1415,7 +1416,7 @@
           <a:p>
             <a:fld id="{B2D374DF-E033-4BCF-8FB3-D0AC8CEC4F46}" type="datetimeFigureOut">
               <a:rPr lang="en-GB" smtClean="0"/>
-              <a:t>10/09/2022</a:t>
+              <a:t>11/09/2022</a:t>
             </a:fld>
             <a:endParaRPr lang="en-GB"/>
           </a:p>
@@ -1830,7 +1831,7 @@
           <a:p>
             <a:fld id="{B2D374DF-E033-4BCF-8FB3-D0AC8CEC4F46}" type="datetimeFigureOut">
               <a:rPr lang="en-GB" smtClean="0"/>
-              <a:t>10/09/2022</a:t>
+              <a:t>11/09/2022</a:t>
             </a:fld>
             <a:endParaRPr lang="en-GB"/>
           </a:p>
@@ -1972,7 +1973,7 @@
           <a:p>
             <a:fld id="{B2D374DF-E033-4BCF-8FB3-D0AC8CEC4F46}" type="datetimeFigureOut">
               <a:rPr lang="en-GB" smtClean="0"/>
-              <a:t>10/09/2022</a:t>
+              <a:t>11/09/2022</a:t>
             </a:fld>
             <a:endParaRPr lang="en-GB"/>
           </a:p>
@@ -2085,7 +2086,7 @@
           <a:p>
             <a:fld id="{B2D374DF-E033-4BCF-8FB3-D0AC8CEC4F46}" type="datetimeFigureOut">
               <a:rPr lang="en-GB" smtClean="0"/>
-              <a:t>10/09/2022</a:t>
+              <a:t>11/09/2022</a:t>
             </a:fld>
             <a:endParaRPr lang="en-GB"/>
           </a:p>
@@ -2398,7 +2399,7 @@
           <a:p>
             <a:fld id="{B2D374DF-E033-4BCF-8FB3-D0AC8CEC4F46}" type="datetimeFigureOut">
               <a:rPr lang="en-GB" smtClean="0"/>
-              <a:t>10/09/2022</a:t>
+              <a:t>11/09/2022</a:t>
             </a:fld>
             <a:endParaRPr lang="en-GB"/>
           </a:p>
@@ -2687,7 +2688,7 @@
           <a:p>
             <a:fld id="{B2D374DF-E033-4BCF-8FB3-D0AC8CEC4F46}" type="datetimeFigureOut">
               <a:rPr lang="en-GB" smtClean="0"/>
-              <a:t>10/09/2022</a:t>
+              <a:t>11/09/2022</a:t>
             </a:fld>
             <a:endParaRPr lang="en-GB"/>
           </a:p>
@@ -2930,7 +2931,7 @@
           <a:p>
             <a:fld id="{B2D374DF-E033-4BCF-8FB3-D0AC8CEC4F46}" type="datetimeFigureOut">
               <a:rPr lang="en-GB" smtClean="0"/>
-              <a:t>10/09/2022</a:t>
+              <a:t>11/09/2022</a:t>
             </a:fld>
             <a:endParaRPr lang="en-GB"/>
           </a:p>
@@ -4968,6 +4969,36 @@
           </p:txBody>
         </p:sp>
       </p:grpSp>
+    </p:spTree>
+    <p:extLst>
+      <p:ext uri="{BB962C8B-B14F-4D97-AF65-F5344CB8AC3E}">
+        <p14:creationId xmlns:p14="http://schemas.microsoft.com/office/powerpoint/2010/main" val="2080558103"/>
+      </p:ext>
+    </p:extLst>
+  </p:cSld>
+  <p:clrMapOvr>
+    <a:masterClrMapping/>
+  </p:clrMapOvr>
+</p:sld>
+</file>
+
+<file path=ppt/slides/slide2.xml><?xml version="1.0" encoding="utf-8"?>
+<p:sld xmlns:a="http://schemas.openxmlformats.org/drawingml/2006/main" xmlns:r="http://schemas.openxmlformats.org/officeDocument/2006/relationships" xmlns:p="http://schemas.openxmlformats.org/presentationml/2006/main">
+  <p:cSld>
+    <p:spTree>
+      <p:nvGrpSpPr>
+        <p:cNvPr id="1" name=""/>
+        <p:cNvGrpSpPr/>
+        <p:nvPr/>
+      </p:nvGrpSpPr>
+      <p:grpSpPr>
+        <a:xfrm>
+          <a:off x="0" y="0"/>
+          <a:ext cx="0" cy="0"/>
+          <a:chOff x="0" y="0"/>
+          <a:chExt cx="0" cy="0"/>
+        </a:xfrm>
+      </p:grpSpPr>
       <p:grpSp>
         <p:nvGrpSpPr>
           <p:cNvPr id="76" name="Group 75">
@@ -4982,7 +5013,7 @@
         </p:nvGrpSpPr>
         <p:grpSpPr>
           <a:xfrm>
-            <a:off x="7697778" y="88700"/>
+            <a:off x="5456023" y="88700"/>
             <a:ext cx="3709584" cy="5862949"/>
             <a:chOff x="7697778" y="88700"/>
             <a:chExt cx="3709584" cy="5862949"/>
@@ -5528,7 +5559,7 @@
             <p:nvPr/>
           </p:nvPicPr>
           <p:blipFill>
-            <a:blip r:embed="rId3">
+            <a:blip r:embed="rId2">
               <a:extLst>
                 <a:ext uri="{28A0092B-C50C-407E-A947-70E740481C1C}">
                   <a14:useLocalDpi xmlns:a14="http://schemas.microsoft.com/office/drawing/2010/main" val="0"/>
@@ -6080,10 +6111,676 @@
           </p:style>
         </p:cxnSp>
       </p:grpSp>
+      <p:grpSp>
+        <p:nvGrpSpPr>
+          <p:cNvPr id="63" name="Group 62">
+            <a:extLst>
+              <a:ext uri="{FF2B5EF4-FFF2-40B4-BE49-F238E27FC236}">
+                <a16:creationId xmlns:a16="http://schemas.microsoft.com/office/drawing/2014/main" id="{AAC61502-B17F-3C63-1344-F27C67F0EE95}"/>
+              </a:ext>
+            </a:extLst>
+          </p:cNvPr>
+          <p:cNvGrpSpPr/>
+          <p:nvPr/>
+        </p:nvGrpSpPr>
+        <p:grpSpPr>
+          <a:xfrm>
+            <a:off x="2310123" y="1376976"/>
+            <a:ext cx="2443746" cy="4574673"/>
+            <a:chOff x="1381446" y="441863"/>
+            <a:chExt cx="2443746" cy="4574673"/>
+          </a:xfrm>
+        </p:grpSpPr>
+        <p:sp>
+          <p:nvSpPr>
+            <p:cNvPr id="5" name="Rectangle 4">
+              <a:extLst>
+                <a:ext uri="{FF2B5EF4-FFF2-40B4-BE49-F238E27FC236}">
+                  <a16:creationId xmlns:a16="http://schemas.microsoft.com/office/drawing/2014/main" id="{CB37FEEC-E916-D5D3-FBE5-D458749143D7}"/>
+                </a:ext>
+              </a:extLst>
+            </p:cNvPr>
+            <p:cNvSpPr/>
+            <p:nvPr/>
+          </p:nvSpPr>
+          <p:spPr>
+            <a:xfrm>
+              <a:off x="1896308" y="2398137"/>
+              <a:ext cx="1248697" cy="243840"/>
+            </a:xfrm>
+            <a:prstGeom prst="rect">
+              <a:avLst/>
+            </a:prstGeom>
+            <a:ln>
+              <a:solidFill>
+                <a:schemeClr val="tx1"/>
+              </a:solidFill>
+            </a:ln>
+          </p:spPr>
+          <p:style>
+            <a:lnRef idx="2">
+              <a:schemeClr val="accent6"/>
+            </a:lnRef>
+            <a:fillRef idx="1">
+              <a:schemeClr val="lt1"/>
+            </a:fillRef>
+            <a:effectRef idx="0">
+              <a:schemeClr val="accent6"/>
+            </a:effectRef>
+            <a:fontRef idx="minor">
+              <a:schemeClr val="dk1"/>
+            </a:fontRef>
+          </p:style>
+          <p:txBody>
+            <a:bodyPr rtlCol="0" anchor="ctr"/>
+            <a:lstStyle/>
+            <a:p>
+              <a:pPr algn="ctr"/>
+              <a:r>
+                <a:rPr lang="en-GB" dirty="0"/>
+                <a:t>81</a:t>
+              </a:r>
+            </a:p>
+          </p:txBody>
+        </p:sp>
+        <p:sp>
+          <p:nvSpPr>
+            <p:cNvPr id="6" name="Rectangle 5">
+              <a:extLst>
+                <a:ext uri="{FF2B5EF4-FFF2-40B4-BE49-F238E27FC236}">
+                  <a16:creationId xmlns:a16="http://schemas.microsoft.com/office/drawing/2014/main" id="{D1E71F45-5D2D-7B1C-9CC9-9F328D6BDD78}"/>
+                </a:ext>
+              </a:extLst>
+            </p:cNvPr>
+            <p:cNvSpPr/>
+            <p:nvPr/>
+          </p:nvSpPr>
+          <p:spPr>
+            <a:xfrm>
+              <a:off x="1381446" y="2766140"/>
+              <a:ext cx="2278419" cy="243840"/>
+            </a:xfrm>
+            <a:prstGeom prst="rect">
+              <a:avLst/>
+            </a:prstGeom>
+            <a:ln>
+              <a:solidFill>
+                <a:schemeClr val="tx1"/>
+              </a:solidFill>
+            </a:ln>
+          </p:spPr>
+          <p:style>
+            <a:lnRef idx="2">
+              <a:schemeClr val="accent6"/>
+            </a:lnRef>
+            <a:fillRef idx="1">
+              <a:schemeClr val="lt1"/>
+            </a:fillRef>
+            <a:effectRef idx="0">
+              <a:schemeClr val="accent6"/>
+            </a:effectRef>
+            <a:fontRef idx="minor">
+              <a:schemeClr val="dk1"/>
+            </a:fontRef>
+          </p:style>
+          <p:txBody>
+            <a:bodyPr rtlCol="0" anchor="ctr"/>
+            <a:lstStyle/>
+            <a:p>
+              <a:pPr algn="ctr"/>
+              <a:r>
+                <a:rPr lang="en-GB" dirty="0"/>
+                <a:t>600</a:t>
+              </a:r>
+            </a:p>
+          </p:txBody>
+        </p:sp>
+        <p:sp>
+          <p:nvSpPr>
+            <p:cNvPr id="10" name="Rectangle 9">
+              <a:extLst>
+                <a:ext uri="{FF2B5EF4-FFF2-40B4-BE49-F238E27FC236}">
+                  <a16:creationId xmlns:a16="http://schemas.microsoft.com/office/drawing/2014/main" id="{D8D2AB2E-AA6F-E13B-687B-56133B035261}"/>
+                </a:ext>
+              </a:extLst>
+            </p:cNvPr>
+            <p:cNvSpPr/>
+            <p:nvPr/>
+          </p:nvSpPr>
+          <p:spPr>
+            <a:xfrm>
+              <a:off x="1896308" y="3199958"/>
+              <a:ext cx="1248697" cy="243840"/>
+            </a:xfrm>
+            <a:prstGeom prst="rect">
+              <a:avLst/>
+            </a:prstGeom>
+            <a:ln>
+              <a:solidFill>
+                <a:schemeClr val="tx1"/>
+              </a:solidFill>
+            </a:ln>
+          </p:spPr>
+          <p:style>
+            <a:lnRef idx="2">
+              <a:schemeClr val="accent6"/>
+            </a:lnRef>
+            <a:fillRef idx="1">
+              <a:schemeClr val="lt1"/>
+            </a:fillRef>
+            <a:effectRef idx="0">
+              <a:schemeClr val="accent6"/>
+            </a:effectRef>
+            <a:fontRef idx="minor">
+              <a:schemeClr val="dk1"/>
+            </a:fontRef>
+          </p:style>
+          <p:txBody>
+            <a:bodyPr rtlCol="0" anchor="ctr"/>
+            <a:lstStyle/>
+            <a:p>
+              <a:pPr algn="ctr"/>
+              <a:r>
+                <a:rPr lang="en-GB" dirty="0"/>
+                <a:t>300</a:t>
+              </a:r>
+            </a:p>
+          </p:txBody>
+        </p:sp>
+        <p:sp>
+          <p:nvSpPr>
+            <p:cNvPr id="11" name="Rectangle 10">
+              <a:extLst>
+                <a:ext uri="{FF2B5EF4-FFF2-40B4-BE49-F238E27FC236}">
+                  <a16:creationId xmlns:a16="http://schemas.microsoft.com/office/drawing/2014/main" id="{C0090059-5833-70CA-1549-FC397E653E7E}"/>
+                </a:ext>
+              </a:extLst>
+            </p:cNvPr>
+            <p:cNvSpPr/>
+            <p:nvPr/>
+          </p:nvSpPr>
+          <p:spPr>
+            <a:xfrm>
+              <a:off x="2024126" y="3632743"/>
+              <a:ext cx="993058" cy="243840"/>
+            </a:xfrm>
+            <a:prstGeom prst="rect">
+              <a:avLst/>
+            </a:prstGeom>
+            <a:ln>
+              <a:solidFill>
+                <a:schemeClr val="tx1"/>
+              </a:solidFill>
+            </a:ln>
+          </p:spPr>
+          <p:style>
+            <a:lnRef idx="2">
+              <a:schemeClr val="accent6"/>
+            </a:lnRef>
+            <a:fillRef idx="1">
+              <a:schemeClr val="lt1"/>
+            </a:fillRef>
+            <a:effectRef idx="0">
+              <a:schemeClr val="accent6"/>
+            </a:effectRef>
+            <a:fontRef idx="minor">
+              <a:schemeClr val="dk1"/>
+            </a:fontRef>
+          </p:style>
+          <p:txBody>
+            <a:bodyPr rtlCol="0" anchor="ctr"/>
+            <a:lstStyle/>
+            <a:p>
+              <a:pPr algn="ctr"/>
+              <a:r>
+                <a:rPr lang="en-GB" dirty="0"/>
+                <a:t>100</a:t>
+              </a:r>
+            </a:p>
+          </p:txBody>
+        </p:sp>
+        <p:sp>
+          <p:nvSpPr>
+            <p:cNvPr id="15" name="Rectangle 14">
+              <a:extLst>
+                <a:ext uri="{FF2B5EF4-FFF2-40B4-BE49-F238E27FC236}">
+                  <a16:creationId xmlns:a16="http://schemas.microsoft.com/office/drawing/2014/main" id="{B9BBDE0E-635A-0AED-D88E-C0970AF558EF}"/>
+                </a:ext>
+              </a:extLst>
+            </p:cNvPr>
+            <p:cNvSpPr/>
+            <p:nvPr/>
+          </p:nvSpPr>
+          <p:spPr>
+            <a:xfrm>
+              <a:off x="2343673" y="4066044"/>
+              <a:ext cx="353961" cy="243840"/>
+            </a:xfrm>
+            <a:prstGeom prst="rect">
+              <a:avLst/>
+            </a:prstGeom>
+            <a:ln>
+              <a:solidFill>
+                <a:schemeClr val="tx1"/>
+              </a:solidFill>
+            </a:ln>
+          </p:spPr>
+          <p:style>
+            <a:lnRef idx="2">
+              <a:schemeClr val="accent6"/>
+            </a:lnRef>
+            <a:fillRef idx="1">
+              <a:schemeClr val="lt1"/>
+            </a:fillRef>
+            <a:effectRef idx="0">
+              <a:schemeClr val="accent6"/>
+            </a:effectRef>
+            <a:fontRef idx="minor">
+              <a:schemeClr val="dk1"/>
+            </a:fontRef>
+          </p:style>
+          <p:txBody>
+            <a:bodyPr rtlCol="0" anchor="ctr"/>
+            <a:lstStyle/>
+            <a:p>
+              <a:pPr algn="ctr"/>
+              <a:r>
+                <a:rPr lang="en-GB" dirty="0"/>
+                <a:t>1</a:t>
+              </a:r>
+            </a:p>
+          </p:txBody>
+        </p:sp>
+        <p:cxnSp>
+          <p:nvCxnSpPr>
+            <p:cNvPr id="17" name="Straight Connector 16">
+              <a:extLst>
+                <a:ext uri="{FF2B5EF4-FFF2-40B4-BE49-F238E27FC236}">
+                  <a16:creationId xmlns:a16="http://schemas.microsoft.com/office/drawing/2014/main" id="{DF8F2B37-3028-3E75-6315-0B2DF374500E}"/>
+                </a:ext>
+              </a:extLst>
+            </p:cNvPr>
+            <p:cNvCxnSpPr>
+              <a:cxnSpLocks/>
+              <a:endCxn id="5" idx="0"/>
+            </p:cNvCxnSpPr>
+            <p:nvPr/>
+          </p:nvCxnSpPr>
+          <p:spPr>
+            <a:xfrm>
+              <a:off x="2518391" y="1841465"/>
+              <a:ext cx="2266" cy="556672"/>
+            </a:xfrm>
+            <a:prstGeom prst="line">
+              <a:avLst/>
+            </a:prstGeom>
+            <a:ln w="12700">
+              <a:solidFill>
+                <a:schemeClr val="tx1"/>
+              </a:solidFill>
+            </a:ln>
+          </p:spPr>
+          <p:style>
+            <a:lnRef idx="1">
+              <a:schemeClr val="accent1"/>
+            </a:lnRef>
+            <a:fillRef idx="0">
+              <a:schemeClr val="accent1"/>
+            </a:fillRef>
+            <a:effectRef idx="0">
+              <a:schemeClr val="accent1"/>
+            </a:effectRef>
+            <a:fontRef idx="minor">
+              <a:schemeClr val="tx1"/>
+            </a:fontRef>
+          </p:style>
+        </p:cxnSp>
+        <p:cxnSp>
+          <p:nvCxnSpPr>
+            <p:cNvPr id="19" name="Straight Connector 18">
+              <a:extLst>
+                <a:ext uri="{FF2B5EF4-FFF2-40B4-BE49-F238E27FC236}">
+                  <a16:creationId xmlns:a16="http://schemas.microsoft.com/office/drawing/2014/main" id="{E6C0AC3C-F9CC-FC4C-5D15-CFB565545C98}"/>
+                </a:ext>
+              </a:extLst>
+            </p:cNvPr>
+            <p:cNvCxnSpPr>
+              <a:cxnSpLocks/>
+              <a:stCxn id="5" idx="2"/>
+              <a:endCxn id="6" idx="0"/>
+            </p:cNvCxnSpPr>
+            <p:nvPr/>
+          </p:nvCxnSpPr>
+          <p:spPr>
+            <a:xfrm flipH="1">
+              <a:off x="2520656" y="2641977"/>
+              <a:ext cx="1" cy="124163"/>
+            </a:xfrm>
+            <a:prstGeom prst="line">
+              <a:avLst/>
+            </a:prstGeom>
+            <a:ln w="12700">
+              <a:solidFill>
+                <a:schemeClr val="tx1"/>
+              </a:solidFill>
+            </a:ln>
+          </p:spPr>
+          <p:style>
+            <a:lnRef idx="1">
+              <a:schemeClr val="accent1"/>
+            </a:lnRef>
+            <a:fillRef idx="0">
+              <a:schemeClr val="accent1"/>
+            </a:fillRef>
+            <a:effectRef idx="0">
+              <a:schemeClr val="accent1"/>
+            </a:effectRef>
+            <a:fontRef idx="minor">
+              <a:schemeClr val="tx1"/>
+            </a:fontRef>
+          </p:style>
+        </p:cxnSp>
+        <p:cxnSp>
+          <p:nvCxnSpPr>
+            <p:cNvPr id="21" name="Straight Connector 20">
+              <a:extLst>
+                <a:ext uri="{FF2B5EF4-FFF2-40B4-BE49-F238E27FC236}">
+                  <a16:creationId xmlns:a16="http://schemas.microsoft.com/office/drawing/2014/main" id="{01CC49A9-7747-8F1B-CBD7-2E0745699FBA}"/>
+                </a:ext>
+              </a:extLst>
+            </p:cNvPr>
+            <p:cNvCxnSpPr>
+              <a:cxnSpLocks/>
+              <a:stCxn id="6" idx="2"/>
+              <a:endCxn id="10" idx="0"/>
+            </p:cNvCxnSpPr>
+            <p:nvPr/>
+          </p:nvCxnSpPr>
+          <p:spPr>
+            <a:xfrm>
+              <a:off x="2520656" y="3009980"/>
+              <a:ext cx="1" cy="189978"/>
+            </a:xfrm>
+            <a:prstGeom prst="line">
+              <a:avLst/>
+            </a:prstGeom>
+            <a:ln w="12700">
+              <a:solidFill>
+                <a:schemeClr val="tx1"/>
+              </a:solidFill>
+            </a:ln>
+          </p:spPr>
+          <p:style>
+            <a:lnRef idx="1">
+              <a:schemeClr val="accent1"/>
+            </a:lnRef>
+            <a:fillRef idx="0">
+              <a:schemeClr val="accent1"/>
+            </a:fillRef>
+            <a:effectRef idx="0">
+              <a:schemeClr val="accent1"/>
+            </a:effectRef>
+            <a:fontRef idx="minor">
+              <a:schemeClr val="tx1"/>
+            </a:fontRef>
+          </p:style>
+        </p:cxnSp>
+        <p:cxnSp>
+          <p:nvCxnSpPr>
+            <p:cNvPr id="22" name="Straight Connector 21">
+              <a:extLst>
+                <a:ext uri="{FF2B5EF4-FFF2-40B4-BE49-F238E27FC236}">
+                  <a16:creationId xmlns:a16="http://schemas.microsoft.com/office/drawing/2014/main" id="{DE6B38B3-0E89-8D87-C6CB-CA86C398C7C2}"/>
+                </a:ext>
+              </a:extLst>
+            </p:cNvPr>
+            <p:cNvCxnSpPr>
+              <a:cxnSpLocks/>
+            </p:cNvCxnSpPr>
+            <p:nvPr/>
+          </p:nvCxnSpPr>
+          <p:spPr>
+            <a:xfrm>
+              <a:off x="2520655" y="3443282"/>
+              <a:ext cx="1" cy="189978"/>
+            </a:xfrm>
+            <a:prstGeom prst="line">
+              <a:avLst/>
+            </a:prstGeom>
+            <a:ln w="12700">
+              <a:solidFill>
+                <a:schemeClr val="tx1"/>
+              </a:solidFill>
+            </a:ln>
+          </p:spPr>
+          <p:style>
+            <a:lnRef idx="1">
+              <a:schemeClr val="accent1"/>
+            </a:lnRef>
+            <a:fillRef idx="0">
+              <a:schemeClr val="accent1"/>
+            </a:fillRef>
+            <a:effectRef idx="0">
+              <a:schemeClr val="accent1"/>
+            </a:effectRef>
+            <a:fontRef idx="minor">
+              <a:schemeClr val="tx1"/>
+            </a:fontRef>
+          </p:style>
+        </p:cxnSp>
+        <p:cxnSp>
+          <p:nvCxnSpPr>
+            <p:cNvPr id="26" name="Straight Connector 25">
+              <a:extLst>
+                <a:ext uri="{FF2B5EF4-FFF2-40B4-BE49-F238E27FC236}">
+                  <a16:creationId xmlns:a16="http://schemas.microsoft.com/office/drawing/2014/main" id="{4136D6E9-6831-256F-93D6-99E9B0B81258}"/>
+                </a:ext>
+              </a:extLst>
+            </p:cNvPr>
+            <p:cNvCxnSpPr>
+              <a:cxnSpLocks/>
+            </p:cNvCxnSpPr>
+            <p:nvPr/>
+          </p:nvCxnSpPr>
+          <p:spPr>
+            <a:xfrm>
+              <a:off x="2520654" y="3876583"/>
+              <a:ext cx="1" cy="189978"/>
+            </a:xfrm>
+            <a:prstGeom prst="line">
+              <a:avLst/>
+            </a:prstGeom>
+            <a:ln w="12700">
+              <a:solidFill>
+                <a:schemeClr val="tx1"/>
+              </a:solidFill>
+            </a:ln>
+          </p:spPr>
+          <p:style>
+            <a:lnRef idx="1">
+              <a:schemeClr val="accent1"/>
+            </a:lnRef>
+            <a:fillRef idx="0">
+              <a:schemeClr val="accent1"/>
+            </a:fillRef>
+            <a:effectRef idx="0">
+              <a:schemeClr val="accent1"/>
+            </a:effectRef>
+            <a:fontRef idx="minor">
+              <a:schemeClr val="tx1"/>
+            </a:fontRef>
+          </p:style>
+        </p:cxnSp>
+        <p:cxnSp>
+          <p:nvCxnSpPr>
+            <p:cNvPr id="29" name="Straight Arrow Connector 28">
+              <a:extLst>
+                <a:ext uri="{FF2B5EF4-FFF2-40B4-BE49-F238E27FC236}">
+                  <a16:creationId xmlns:a16="http://schemas.microsoft.com/office/drawing/2014/main" id="{E2800F54-50C9-9637-3CD8-DA57298776A0}"/>
+                </a:ext>
+              </a:extLst>
+            </p:cNvPr>
+            <p:cNvCxnSpPr>
+              <a:cxnSpLocks/>
+              <a:stCxn id="15" idx="2"/>
+            </p:cNvCxnSpPr>
+            <p:nvPr/>
+          </p:nvCxnSpPr>
+          <p:spPr>
+            <a:xfrm flipH="1">
+              <a:off x="2520653" y="4309884"/>
+              <a:ext cx="1" cy="361238"/>
+            </a:xfrm>
+            <a:prstGeom prst="straightConnector1">
+              <a:avLst/>
+            </a:prstGeom>
+            <a:ln>
+              <a:solidFill>
+                <a:schemeClr val="tx1"/>
+              </a:solidFill>
+              <a:tailEnd type="triangle"/>
+            </a:ln>
+          </p:spPr>
+          <p:style>
+            <a:lnRef idx="1">
+              <a:schemeClr val="accent1"/>
+            </a:lnRef>
+            <a:fillRef idx="0">
+              <a:schemeClr val="accent1"/>
+            </a:fillRef>
+            <a:effectRef idx="0">
+              <a:schemeClr val="accent1"/>
+            </a:effectRef>
+            <a:fontRef idx="minor">
+              <a:schemeClr val="tx1"/>
+            </a:fontRef>
+          </p:style>
+        </p:cxnSp>
+        <p:sp>
+          <p:nvSpPr>
+            <p:cNvPr id="44" name="Rectangle 43">
+              <a:extLst>
+                <a:ext uri="{FF2B5EF4-FFF2-40B4-BE49-F238E27FC236}">
+                  <a16:creationId xmlns:a16="http://schemas.microsoft.com/office/drawing/2014/main" id="{E77FD923-0489-0229-B060-AB42460100DF}"/>
+                </a:ext>
+              </a:extLst>
+            </p:cNvPr>
+            <p:cNvSpPr/>
+            <p:nvPr/>
+          </p:nvSpPr>
+          <p:spPr>
+            <a:xfrm>
+              <a:off x="2332240" y="4655298"/>
+              <a:ext cx="380154" cy="361238"/>
+            </a:xfrm>
+            <a:prstGeom prst="rect">
+              <a:avLst/>
+            </a:prstGeom>
+          </p:spPr>
+          <p:style>
+            <a:lnRef idx="2">
+              <a:schemeClr val="accent1">
+                <a:shade val="50000"/>
+              </a:schemeClr>
+            </a:lnRef>
+            <a:fillRef idx="1">
+              <a:schemeClr val="accent1"/>
+            </a:fillRef>
+            <a:effectRef idx="0">
+              <a:schemeClr val="accent1"/>
+            </a:effectRef>
+            <a:fontRef idx="minor">
+              <a:schemeClr val="lt1"/>
+            </a:fontRef>
+          </p:style>
+          <p:txBody>
+            <a:bodyPr rtlCol="0" anchor="ctr"/>
+            <a:lstStyle/>
+            <a:p>
+              <a:pPr algn="ctr"/>
+              <a:r>
+                <a:rPr lang="en-GB" dirty="0"/>
+                <a:t>h</a:t>
+              </a:r>
+            </a:p>
+          </p:txBody>
+        </p:sp>
+        <p:sp>
+          <p:nvSpPr>
+            <p:cNvPr id="60" name="TextBox 59">
+              <a:extLst>
+                <a:ext uri="{FF2B5EF4-FFF2-40B4-BE49-F238E27FC236}">
+                  <a16:creationId xmlns:a16="http://schemas.microsoft.com/office/drawing/2014/main" id="{76C2B88C-EBC3-C88C-F2F6-394423DC7D4C}"/>
+                </a:ext>
+              </a:extLst>
+            </p:cNvPr>
+            <p:cNvSpPr txBox="1"/>
+            <p:nvPr/>
+          </p:nvSpPr>
+          <p:spPr>
+            <a:xfrm>
+              <a:off x="2460287" y="2022685"/>
+              <a:ext cx="1364905" cy="246221"/>
+            </a:xfrm>
+            <a:prstGeom prst="rect">
+              <a:avLst/>
+            </a:prstGeom>
+            <a:noFill/>
+          </p:spPr>
+          <p:txBody>
+            <a:bodyPr wrap="square" rtlCol="0">
+              <a:spAutoFit/>
+            </a:bodyPr>
+            <a:lstStyle/>
+            <a:p>
+              <a:r>
+                <a:rPr lang="en-GB" sz="1000" dirty="0"/>
+                <a:t>one hot encoding</a:t>
+              </a:r>
+            </a:p>
+          </p:txBody>
+        </p:sp>
+        <p:pic>
+          <p:nvPicPr>
+            <p:cNvPr id="62" name="Picture 61" descr="A picture containing box and whisker chart&#10;&#10;Description automatically generated">
+              <a:extLst>
+                <a:ext uri="{FF2B5EF4-FFF2-40B4-BE49-F238E27FC236}">
+                  <a16:creationId xmlns:a16="http://schemas.microsoft.com/office/drawing/2014/main" id="{0DBFF7FE-8B4D-B10E-7DE8-FAFA547F9E1C}"/>
+                </a:ext>
+              </a:extLst>
+            </p:cNvPr>
+            <p:cNvPicPr>
+              <a:picLocks noChangeAspect="1"/>
+            </p:cNvPicPr>
+            <p:nvPr/>
+          </p:nvPicPr>
+          <p:blipFill>
+            <a:blip r:embed="rId2">
+              <a:extLst>
+                <a:ext uri="{28A0092B-C50C-407E-A947-70E740481C1C}">
+                  <a14:useLocalDpi xmlns:a14="http://schemas.microsoft.com/office/drawing/2010/main" val="0"/>
+                </a:ext>
+              </a:extLst>
+            </a:blip>
+            <a:stretch>
+              <a:fillRect/>
+            </a:stretch>
+          </p:blipFill>
+          <p:spPr>
+            <a:xfrm>
+              <a:off x="1780100" y="441863"/>
+              <a:ext cx="1476581" cy="1390844"/>
+            </a:xfrm>
+            <a:prstGeom prst="rect">
+              <a:avLst/>
+            </a:prstGeom>
+          </p:spPr>
+        </p:pic>
+      </p:grpSp>
     </p:spTree>
     <p:extLst>
       <p:ext uri="{BB962C8B-B14F-4D97-AF65-F5344CB8AC3E}">
-        <p14:creationId xmlns:p14="http://schemas.microsoft.com/office/powerpoint/2010/main" val="2080558103"/>
+        <p14:creationId xmlns:p14="http://schemas.microsoft.com/office/powerpoint/2010/main" val="1567091363"/>
       </p:ext>
     </p:extLst>
   </p:cSld>
